--- a/docs/Final/Presentation.pptx
+++ b/docs/Final/Presentation.pptx
@@ -5,33 +5,36 @@
     <p:sldMasterId id="2147483699" r:id="rId1"/>
   </p:sldMasterIdLst>
   <p:notesMasterIdLst>
-    <p:notesMasterId r:id="rId26"/>
+    <p:notesMasterId r:id="rId29"/>
   </p:notesMasterIdLst>
   <p:sldIdLst>
     <p:sldId id="256" r:id="rId2"/>
-    <p:sldId id="257" r:id="rId3"/>
-    <p:sldId id="258" r:id="rId4"/>
-    <p:sldId id="264" r:id="rId5"/>
-    <p:sldId id="265" r:id="rId6"/>
-    <p:sldId id="266" r:id="rId7"/>
-    <p:sldId id="268" r:id="rId8"/>
-    <p:sldId id="259" r:id="rId9"/>
-    <p:sldId id="260" r:id="rId10"/>
-    <p:sldId id="261" r:id="rId11"/>
-    <p:sldId id="279" r:id="rId12"/>
-    <p:sldId id="269" r:id="rId13"/>
-    <p:sldId id="263" r:id="rId14"/>
-    <p:sldId id="275" r:id="rId15"/>
-    <p:sldId id="276" r:id="rId16"/>
-    <p:sldId id="280" r:id="rId17"/>
-    <p:sldId id="277" r:id="rId18"/>
-    <p:sldId id="278" r:id="rId19"/>
-    <p:sldId id="270" r:id="rId20"/>
-    <p:sldId id="271" r:id="rId21"/>
-    <p:sldId id="272" r:id="rId22"/>
-    <p:sldId id="273" r:id="rId23"/>
-    <p:sldId id="281" r:id="rId24"/>
-    <p:sldId id="282" r:id="rId25"/>
+    <p:sldId id="285" r:id="rId3"/>
+    <p:sldId id="257" r:id="rId4"/>
+    <p:sldId id="258" r:id="rId5"/>
+    <p:sldId id="264" r:id="rId6"/>
+    <p:sldId id="265" r:id="rId7"/>
+    <p:sldId id="283" r:id="rId8"/>
+    <p:sldId id="266" r:id="rId9"/>
+    <p:sldId id="284" r:id="rId10"/>
+    <p:sldId id="268" r:id="rId11"/>
+    <p:sldId id="259" r:id="rId12"/>
+    <p:sldId id="260" r:id="rId13"/>
+    <p:sldId id="261" r:id="rId14"/>
+    <p:sldId id="279" r:id="rId15"/>
+    <p:sldId id="269" r:id="rId16"/>
+    <p:sldId id="263" r:id="rId17"/>
+    <p:sldId id="275" r:id="rId18"/>
+    <p:sldId id="276" r:id="rId19"/>
+    <p:sldId id="280" r:id="rId20"/>
+    <p:sldId id="277" r:id="rId21"/>
+    <p:sldId id="278" r:id="rId22"/>
+    <p:sldId id="270" r:id="rId23"/>
+    <p:sldId id="271" r:id="rId24"/>
+    <p:sldId id="272" r:id="rId25"/>
+    <p:sldId id="273" r:id="rId26"/>
+    <p:sldId id="281" r:id="rId27"/>
+    <p:sldId id="282" r:id="rId28"/>
   </p:sldIdLst>
   <p:sldSz cx="12192000" cy="6858000"/>
   <p:notesSz cx="6858000" cy="9144000"/>
@@ -2944,7 +2947,7 @@
           <a:p>
             <a:fld id="{8517C30A-D4C0-464A-9F09-9851CA008E2B}" type="datetimeFigureOut">
               <a:rPr lang="en-US" smtClean="0"/>
-              <a:t>5/26/16</a:t>
+              <a:t>5/27/2016</a:t>
             </a:fld>
             <a:endParaRPr lang="en-US"/>
           </a:p>
@@ -3466,7 +3469,7 @@
             <a:fld id="{B61BEF0D-F0BB-DE4B-95CE-6DB70DBA9567}" type="datetimeFigureOut">
               <a:rPr lang="en-US" smtClean="0"/>
               <a:pPr/>
-              <a:t>5/26/16</a:t>
+              <a:t>5/27/2016</a:t>
             </a:fld>
             <a:endParaRPr lang="en-US" dirty="0"/>
           </a:p>
@@ -3798,7 +3801,7 @@
             <a:fld id="{B61BEF0D-F0BB-DE4B-95CE-6DB70DBA9567}" type="datetimeFigureOut">
               <a:rPr lang="en-US" smtClean="0"/>
               <a:pPr/>
-              <a:t>5/26/16</a:t>
+              <a:t>5/27/2016</a:t>
             </a:fld>
             <a:endParaRPr lang="en-US" dirty="0"/>
           </a:p>
@@ -3980,7 +3983,7 @@
             <a:fld id="{B61BEF0D-F0BB-DE4B-95CE-6DB70DBA9567}" type="datetimeFigureOut">
               <a:rPr lang="en-US" smtClean="0"/>
               <a:pPr/>
-              <a:t>5/26/16</a:t>
+              <a:t>5/27/2016</a:t>
             </a:fld>
             <a:endParaRPr lang="en-US" dirty="0"/>
           </a:p>
@@ -4152,7 +4155,7 @@
             <a:fld id="{B61BEF0D-F0BB-DE4B-95CE-6DB70DBA9567}" type="datetimeFigureOut">
               <a:rPr lang="en-US" smtClean="0"/>
               <a:pPr/>
-              <a:t>5/26/16</a:t>
+              <a:t>5/27/2016</a:t>
             </a:fld>
             <a:endParaRPr lang="en-US" dirty="0"/>
           </a:p>
@@ -4431,7 +4434,7 @@
             <a:fld id="{B61BEF0D-F0BB-DE4B-95CE-6DB70DBA9567}" type="datetimeFigureOut">
               <a:rPr lang="en-US" smtClean="0"/>
               <a:pPr/>
-              <a:t>5/26/16</a:t>
+              <a:t>5/27/2016</a:t>
             </a:fld>
             <a:endParaRPr lang="en-US" dirty="0"/>
           </a:p>
@@ -4827,7 +4830,7 @@
             <a:fld id="{B61BEF0D-F0BB-DE4B-95CE-6DB70DBA9567}" type="datetimeFigureOut">
               <a:rPr lang="en-US" smtClean="0"/>
               <a:pPr/>
-              <a:t>5/26/16</a:t>
+              <a:t>5/27/2016</a:t>
             </a:fld>
             <a:endParaRPr lang="en-US" dirty="0"/>
           </a:p>
@@ -5306,7 +5309,7 @@
             <a:fld id="{B61BEF0D-F0BB-DE4B-95CE-6DB70DBA9567}" type="datetimeFigureOut">
               <a:rPr lang="en-US" smtClean="0"/>
               <a:pPr/>
-              <a:t>5/26/16</a:t>
+              <a:t>5/27/2016</a:t>
             </a:fld>
             <a:endParaRPr lang="en-US" dirty="0"/>
           </a:p>
@@ -5426,7 +5429,7 @@
             <a:fld id="{B61BEF0D-F0BB-DE4B-95CE-6DB70DBA9567}" type="datetimeFigureOut">
               <a:rPr lang="en-US" smtClean="0"/>
               <a:pPr/>
-              <a:t>5/26/16</a:t>
+              <a:t>5/27/2016</a:t>
             </a:fld>
             <a:endParaRPr lang="en-US" dirty="0"/>
           </a:p>
@@ -5523,7 +5526,7 @@
             <a:fld id="{B61BEF0D-F0BB-DE4B-95CE-6DB70DBA9567}" type="datetimeFigureOut">
               <a:rPr lang="en-US" smtClean="0"/>
               <a:pPr/>
-              <a:t>5/26/16</a:t>
+              <a:t>5/27/2016</a:t>
             </a:fld>
             <a:endParaRPr lang="en-US" dirty="0"/>
           </a:p>
@@ -5871,7 +5874,7 @@
             <a:fld id="{B61BEF0D-F0BB-DE4B-95CE-6DB70DBA9567}" type="datetimeFigureOut">
               <a:rPr lang="en-US" smtClean="0"/>
               <a:pPr/>
-              <a:t>5/26/16</a:t>
+              <a:t>5/27/2016</a:t>
             </a:fld>
             <a:endParaRPr lang="en-US" dirty="0"/>
           </a:p>
@@ -6261,7 +6264,7 @@
             <a:fld id="{B61BEF0D-F0BB-DE4B-95CE-6DB70DBA9567}" type="datetimeFigureOut">
               <a:rPr lang="en-US" smtClean="0"/>
               <a:pPr/>
-              <a:t>5/26/16</a:t>
+              <a:t>5/27/2016</a:t>
             </a:fld>
             <a:endParaRPr lang="en-US" dirty="0"/>
           </a:p>
@@ -6541,7 +6544,7 @@
             <a:fld id="{B61BEF0D-F0BB-DE4B-95CE-6DB70DBA9567}" type="datetimeFigureOut">
               <a:rPr lang="en-US" smtClean="0"/>
               <a:pPr/>
-              <a:t>5/26/16</a:t>
+              <a:t>5/27/2016</a:t>
             </a:fld>
             <a:endParaRPr lang="en-US" dirty="0"/>
           </a:p>
@@ -7117,7 +7120,7 @@
             </a:r>
             <a:r>
               <a:rPr lang="en-US" sz="7200" b="1" u="sng" dirty="0" smtClean="0"/>
-              <a:t> Prof. </a:t>
+              <a:t> Prof. Dr. </a:t>
             </a:r>
             <a:r>
               <a:rPr lang="en-US" sz="7200" b="1" u="sng" dirty="0" err="1" smtClean="0"/>
@@ -7142,16 +7145,12 @@
           </a:p>
           <a:p>
             <a:r>
-              <a:rPr lang="en-US" sz="7200" b="1" dirty="0" err="1" smtClean="0"/>
-              <a:t>Akanshi</a:t>
-            </a:r>
-            <a:r>
               <a:rPr lang="en-US" sz="7200" b="1" dirty="0" smtClean="0"/>
-              <a:t> Gupta          </a:t>
+              <a:t>Akanshi Gupta          </a:t>
             </a:r>
             <a:r>
               <a:rPr lang="en-US" sz="7200" i="1" dirty="0" smtClean="0"/>
-              <a:t>(216/Co/12)</a:t>
+              <a:t>(216/CO/12)</a:t>
             </a:r>
           </a:p>
           <a:p>
@@ -7239,7 +7238,11 @@
           <a:p>
             <a:r>
               <a:rPr lang="en-US" dirty="0" smtClean="0"/>
-              <a:t>Advantages</a:t>
+              <a:t>Case Study: And lots more </a:t>
+            </a:r>
+            <a:r>
+              <a:rPr lang="is-IS" dirty="0" smtClean="0"/>
+              <a:t>…</a:t>
             </a:r>
             <a:endParaRPr lang="en-US" dirty="0"/>
           </a:p>
@@ -7257,35 +7260,57 @@
         </p:nvSpPr>
         <p:spPr/>
         <p:txBody>
-          <a:bodyPr>
-            <a:normAutofit/>
-          </a:bodyPr>
+          <a:bodyPr/>
           <a:lstStyle/>
           <a:p>
             <a:r>
+              <a:rPr lang="en-US" dirty="0" err="1" smtClean="0"/>
+              <a:t>BookMyFunction</a:t>
+            </a:r>
+            <a:r>
               <a:rPr lang="en-US" dirty="0" smtClean="0"/>
-              <a:t>The generator cuts down the development process to merely seconds. The end-user will supply an options file describing the entity and other aspects of the project, and the generator would work its way out to compile entire service including Server, Database Configuration, Website &amp; Mobile Applications. The more modular the generator is, the more customization options can be provided. </a:t>
-            </a:r>
-          </a:p>
-          <a:p>
+              <a:t>: Wedding/Function venue </a:t>
+            </a:r>
             <a:r>
               <a:rPr lang="en-US" dirty="0" smtClean="0"/>
-              <a:t>A person with an idea but lack of computer engineering skills can use the utility to immediately to analyze his/her idea directly looking at the prototype.</a:t>
-            </a:r>
-          </a:p>
-          <a:p>
+              <a:t>finder</a:t>
+            </a:r>
+            <a:endParaRPr lang="en-US" dirty="0" smtClean="0"/>
+          </a:p>
+          <a:p>
+            <a:r>
+              <a:rPr lang="en-US" dirty="0" err="1" smtClean="0"/>
+              <a:t>PolicyBazaar</a:t>
+            </a:r>
             <a:r>
               <a:rPr lang="en-US" dirty="0" smtClean="0"/>
-              <a:t>Modular approach of the generator allows contributors to supply plugins that can extend the functionality, without changing the core generator. This allows the generator to remain future proof.</a:t>
-            </a:r>
-            <a:endParaRPr lang="en-US" dirty="0"/>
+              <a:t>: Insurance Policy search engine</a:t>
+            </a:r>
+          </a:p>
+          <a:p>
+            <a:r>
+              <a:rPr lang="en-US" dirty="0"/>
+              <a:t>a</a:t>
+            </a:r>
+            <a:r>
+              <a:rPr lang="en-US" dirty="0" smtClean="0"/>
+              <a:t>nd counting </a:t>
+            </a:r>
+            <a:r>
+              <a:rPr lang="is-IS" dirty="0" smtClean="0"/>
+              <a:t>… </a:t>
+            </a:r>
+            <a:endParaRPr lang="en-US" dirty="0" smtClean="0"/>
+          </a:p>
+          <a:p>
+            <a:endParaRPr lang="en-US" dirty="0" smtClean="0"/>
           </a:p>
         </p:txBody>
       </p:sp>
     </p:spTree>
     <p:extLst>
       <p:ext uri="{BB962C8B-B14F-4D97-AF65-F5344CB8AC3E}">
-        <p14:creationId xmlns:p14="http://schemas.microsoft.com/office/powerpoint/2010/main" val="1192707556"/>
+        <p14:creationId xmlns:p14="http://schemas.microsoft.com/office/powerpoint/2010/main" val="1367209095"/>
       </p:ext>
     </p:extLst>
   </p:cSld>
@@ -7335,12 +7360,8 @@
           <a:lstStyle/>
           <a:p>
             <a:r>
-              <a:rPr lang="en-US" dirty="0"/>
-              <a:t>R</a:t>
-            </a:r>
-            <a:r>
               <a:rPr lang="en-US" dirty="0" smtClean="0"/>
-              <a:t>esearch</a:t>
+              <a:t>Case Study: Conclusion</a:t>
             </a:r>
             <a:endParaRPr lang="en-US" dirty="0"/>
           </a:p>
@@ -7358,71 +7379,83 @@
         </p:nvSpPr>
         <p:spPr>
           <a:xfrm>
-            <a:off x="1371600" y="2547181"/>
+            <a:off x="1371600" y="2605530"/>
             <a:ext cx="9445625" cy="3649133"/>
           </a:xfrm>
         </p:spPr>
         <p:txBody>
           <a:bodyPr>
-            <a:noAutofit/>
+            <a:normAutofit/>
           </a:bodyPr>
           <a:lstStyle/>
           <a:p>
             <a:r>
-              <a:rPr lang="en-US" sz="1600" dirty="0" smtClean="0"/>
-              <a:t>As per the ACM citation </a:t>
-            </a:r>
-            <a:r>
-              <a:rPr lang="en-US" sz="1600" b="1" dirty="0" smtClean="0">
-                <a:hlinkClick r:id="rId2"/>
-              </a:rPr>
-              <a:t>Component-oriented software development</a:t>
-            </a:r>
-            <a:r>
-              <a:rPr lang="en-US" sz="1600" b="1" dirty="0" smtClean="0"/>
-              <a:t>, we discovered how this specific pattern helps in creating scalable and flexible software.</a:t>
-            </a:r>
-          </a:p>
-          <a:p>
-            <a:r>
-              <a:rPr lang="en-US" sz="1600" b="1" dirty="0" smtClean="0"/>
-              <a:t>Our project needs to be pluggable and written in such a way that any component of it can be replaced by user or by the project owner to enhance the features of the generator.</a:t>
-            </a:r>
-          </a:p>
-          <a:p>
-            <a:r>
-              <a:rPr lang="en-US" sz="1600" b="1" dirty="0">
-                <a:hlinkClick r:id="rId3"/>
-              </a:rPr>
-              <a:t>An evaluation of reactive programming and promises for structuring collaborative web </a:t>
-            </a:r>
-            <a:r>
-              <a:rPr lang="en-US" sz="1600" b="1" dirty="0" smtClean="0">
-                <a:hlinkClick r:id="rId3"/>
-              </a:rPr>
-              <a:t>applications</a:t>
-            </a:r>
-            <a:r>
-              <a:rPr lang="en-US" sz="1600" b="1" dirty="0"/>
-              <a:t> </a:t>
-            </a:r>
-            <a:r>
-              <a:rPr lang="en-US" sz="1600" b="1" dirty="0" smtClean="0"/>
-              <a:t>shows how Reactive development and use of asynchronous programming is a better way of development in web applications as they provide highly responsive websites and better User Experience.</a:t>
-            </a:r>
-          </a:p>
-          <a:p>
-            <a:endParaRPr lang="en-US" sz="1600" b="1" dirty="0"/>
-          </a:p>
-          <a:p>
-            <a:endParaRPr lang="en-US" sz="1600" dirty="0" smtClean="0"/>
+              <a:rPr lang="en-US" sz="2000" dirty="0" smtClean="0"/>
+              <a:t>As you can see from the previous examples, they all share majority of the characteristics like the follows:</a:t>
+            </a:r>
+          </a:p>
+          <a:p>
+            <a:pPr lvl="1"/>
+            <a:r>
+              <a:rPr lang="en-US" sz="1800" dirty="0" smtClean="0"/>
+              <a:t>A home feed where user can look at trending entities</a:t>
+            </a:r>
+          </a:p>
+          <a:p>
+            <a:pPr lvl="1"/>
+            <a:r>
+              <a:rPr lang="en-US" sz="1800" dirty="0" smtClean="0"/>
+              <a:t>Sort and search entities based on popularity and attributes of the entity itself.</a:t>
+            </a:r>
+          </a:p>
+          <a:p>
+            <a:pPr lvl="1"/>
+            <a:r>
+              <a:rPr lang="en-US" sz="1800" dirty="0" smtClean="0"/>
+              <a:t>Read and give reviews &amp; comments around the entity.</a:t>
+            </a:r>
+          </a:p>
+          <a:p>
+            <a:pPr lvl="1"/>
+            <a:r>
+              <a:rPr lang="en-US" sz="1800" dirty="0" smtClean="0"/>
+              <a:t>Contact the entity via email/phone/map directions and other mediums.</a:t>
+            </a:r>
+          </a:p>
+          <a:p>
+            <a:r>
+              <a:rPr lang="en-US" sz="1800" dirty="0" smtClean="0"/>
+              <a:t>So basically, these apps only differ in the entity they allow searching around and share the same functionality and even aesthetics around </a:t>
+            </a:r>
+            <a:r>
+              <a:rPr lang="en-US" sz="1800" dirty="0" smtClean="0"/>
+              <a:t>other </a:t>
+            </a:r>
+            <a:r>
+              <a:rPr lang="en-US" sz="1800" dirty="0" smtClean="0"/>
+              <a:t>features like reviewing, searching, contacting. </a:t>
+            </a:r>
+          </a:p>
+          <a:p>
+            <a:pPr lvl="1"/>
+            <a:endParaRPr lang="en-US" sz="1800" dirty="0" smtClean="0"/>
+          </a:p>
+          <a:p>
+            <a:pPr lvl="1"/>
+            <a:endParaRPr lang="en-US" dirty="0" smtClean="0"/>
+          </a:p>
+          <a:p>
+            <a:pPr marL="457200" lvl="1" indent="0">
+              <a:buNone/>
+            </a:pPr>
+            <a:endParaRPr lang="en-US" dirty="0"/>
           </a:p>
         </p:txBody>
       </p:sp>
     </p:spTree>
     <p:extLst>
       <p:ext uri="{BB962C8B-B14F-4D97-AF65-F5344CB8AC3E}">
-        <p14:creationId xmlns:p14="http://schemas.microsoft.com/office/powerpoint/2010/main" val="86086317"/>
+        <p14:creationId xmlns:p14="http://schemas.microsoft.com/office/powerpoint/2010/main" val="496060028"/>
       </p:ext>
     </p:extLst>
   </p:cSld>
@@ -7472,6 +7505,390 @@
           <a:lstStyle/>
           <a:p>
             <a:r>
+              <a:rPr lang="en-US" dirty="0"/>
+              <a:t>I</a:t>
+            </a:r>
+            <a:r>
+              <a:rPr lang="en-US" dirty="0" smtClean="0"/>
+              <a:t>ntroduction</a:t>
+            </a:r>
+            <a:endParaRPr lang="en-US" dirty="0"/>
+          </a:p>
+        </p:txBody>
+      </p:sp>
+      <p:sp>
+        <p:nvSpPr>
+          <p:cNvPr id="3" name="Content Placeholder 2"/>
+          <p:cNvSpPr>
+            <a:spLocks noGrp="1"/>
+          </p:cNvSpPr>
+          <p:nvPr>
+            <p:ph idx="1"/>
+          </p:nvPr>
+        </p:nvSpPr>
+        <p:spPr/>
+        <p:txBody>
+          <a:bodyPr>
+            <a:normAutofit fontScale="92500" lnSpcReduction="20000"/>
+          </a:bodyPr>
+          <a:lstStyle/>
+          <a:p>
+            <a:pPr marL="0" indent="0">
+              <a:buNone/>
+            </a:pPr>
+            <a:r>
+              <a:rPr lang="en-US" dirty="0" smtClean="0"/>
+              <a:t>Based on our mini case study, we can observe a pattern in these apps and we plan to develop a generator that could automate the task of developing these applications and provide a Minimum Viable Product (MVP) to the end user that he/she could use to perform instant prototyping, pitch the idea to investors, and finally build the production code on top of the generated app.</a:t>
+            </a:r>
+          </a:p>
+          <a:p>
+            <a:pPr marL="342900" indent="-342900">
+              <a:buFont typeface="+mj-lt"/>
+              <a:buAutoNum type="arabicPeriod"/>
+            </a:pPr>
+            <a:r>
+              <a:rPr lang="en-US" dirty="0" smtClean="0"/>
+              <a:t>We first explain the benefits, research, principles and architecture of the project.</a:t>
+            </a:r>
+          </a:p>
+          <a:p>
+            <a:pPr marL="342900" indent="-342900">
+              <a:buFont typeface="+mj-lt"/>
+              <a:buAutoNum type="arabicPeriod"/>
+            </a:pPr>
+            <a:r>
+              <a:rPr lang="en-US" dirty="0" smtClean="0"/>
+              <a:t>Following that, we lay down certain principles we follow while creating this generator to ensure that we never hard-code anything and allow end-user to customize anything at any level.</a:t>
+            </a:r>
+          </a:p>
+          <a:p>
+            <a:pPr marL="342900" indent="-342900">
+              <a:buFont typeface="+mj-lt"/>
+              <a:buAutoNum type="arabicPeriod"/>
+            </a:pPr>
+            <a:r>
+              <a:rPr lang="en-US" dirty="0" smtClean="0"/>
+              <a:t>Then, the phases and stages of development will be discussed. We follow these to remain productive throughout the development cycle.</a:t>
+            </a:r>
+          </a:p>
+          <a:p>
+            <a:pPr marL="342900" indent="-342900">
+              <a:buFont typeface="+mj-lt"/>
+              <a:buAutoNum type="arabicPeriod"/>
+            </a:pPr>
+            <a:r>
+              <a:rPr lang="en-US" dirty="0" smtClean="0"/>
+              <a:t>Finally, the current status of the project will be discussed. </a:t>
+            </a:r>
+            <a:r>
+              <a:rPr lang="en-US" dirty="0" smtClean="0"/>
+              <a:t>(*can be removed)</a:t>
+            </a:r>
+            <a:endParaRPr lang="en-US" dirty="0" smtClean="0"/>
+          </a:p>
+          <a:p>
+            <a:pPr marL="342900" indent="-342900">
+              <a:buFont typeface="+mj-lt"/>
+              <a:buAutoNum type="arabicPeriod"/>
+            </a:pPr>
+            <a:endParaRPr lang="en-US" dirty="0" smtClean="0"/>
+          </a:p>
+          <a:p>
+            <a:pPr marL="342900" indent="-342900">
+              <a:buFont typeface="+mj-lt"/>
+              <a:buAutoNum type="arabicPeriod"/>
+            </a:pPr>
+            <a:endParaRPr lang="en-US" dirty="0" smtClean="0"/>
+          </a:p>
+        </p:txBody>
+      </p:sp>
+    </p:spTree>
+    <p:extLst>
+      <p:ext uri="{BB962C8B-B14F-4D97-AF65-F5344CB8AC3E}">
+        <p14:creationId xmlns:p14="http://schemas.microsoft.com/office/powerpoint/2010/main" val="1144278050"/>
+      </p:ext>
+    </p:extLst>
+  </p:cSld>
+  <p:clrMapOvr>
+    <a:masterClrMapping/>
+  </p:clrMapOvr>
+  <p:timing>
+    <p:tnLst>
+      <p:par>
+        <p:cTn id="1" dur="indefinite" restart="never" nodeType="tmRoot"/>
+      </p:par>
+    </p:tnLst>
+  </p:timing>
+</p:sld>
+</file>
+
+<file path=ppt/slides/slide13.xml><?xml version="1.0" encoding="utf-8"?>
+<p:sld xmlns:a="http://schemas.openxmlformats.org/drawingml/2006/main" xmlns:r="http://schemas.openxmlformats.org/officeDocument/2006/relationships" xmlns:p="http://schemas.openxmlformats.org/presentationml/2006/main">
+  <p:cSld>
+    <p:spTree>
+      <p:nvGrpSpPr>
+        <p:cNvPr id="1" name=""/>
+        <p:cNvGrpSpPr/>
+        <p:nvPr/>
+      </p:nvGrpSpPr>
+      <p:grpSpPr>
+        <a:xfrm>
+          <a:off x="0" y="0"/>
+          <a:ext cx="0" cy="0"/>
+          <a:chOff x="0" y="0"/>
+          <a:chExt cx="0" cy="0"/>
+        </a:xfrm>
+      </p:grpSpPr>
+      <p:sp>
+        <p:nvSpPr>
+          <p:cNvPr id="2" name="Title 1"/>
+          <p:cNvSpPr>
+            <a:spLocks noGrp="1"/>
+          </p:cNvSpPr>
+          <p:nvPr>
+            <p:ph type="title"/>
+          </p:nvPr>
+        </p:nvSpPr>
+        <p:spPr/>
+        <p:txBody>
+          <a:bodyPr/>
+          <a:lstStyle/>
+          <a:p>
+            <a:r>
+              <a:rPr lang="en-US" dirty="0" smtClean="0"/>
+              <a:t>Advantages</a:t>
+            </a:r>
+            <a:endParaRPr lang="en-US" dirty="0"/>
+          </a:p>
+        </p:txBody>
+      </p:sp>
+      <p:sp>
+        <p:nvSpPr>
+          <p:cNvPr id="3" name="Content Placeholder 2"/>
+          <p:cNvSpPr>
+            <a:spLocks noGrp="1"/>
+          </p:cNvSpPr>
+          <p:nvPr>
+            <p:ph idx="1"/>
+          </p:nvPr>
+        </p:nvSpPr>
+        <p:spPr/>
+        <p:txBody>
+          <a:bodyPr>
+            <a:normAutofit/>
+          </a:bodyPr>
+          <a:lstStyle/>
+          <a:p>
+            <a:r>
+              <a:rPr lang="en-US" dirty="0" smtClean="0"/>
+              <a:t>The generator cuts down the development process to merely seconds. The end-user will supply an options file describing the entity and other aspects of the project, and the generator would work its way out to compile entire service including Server, Database Configuration, Website &amp; Mobile Applications. The more modular the generator is, the more customization options can be provided. </a:t>
+            </a:r>
+          </a:p>
+          <a:p>
+            <a:r>
+              <a:rPr lang="en-US" dirty="0" smtClean="0"/>
+              <a:t>A person with an idea but lack of computer engineering skills can use the utility to immediately to analyze his/her idea directly looking at the prototype.</a:t>
+            </a:r>
+          </a:p>
+          <a:p>
+            <a:r>
+              <a:rPr lang="en-US" dirty="0" smtClean="0"/>
+              <a:t>Modular approach of the generator allows contributors to supply plugins that can extend the functionality, without changing the core generator. This allows the generator to remain future proof.</a:t>
+            </a:r>
+            <a:endParaRPr lang="en-US" dirty="0"/>
+          </a:p>
+        </p:txBody>
+      </p:sp>
+    </p:spTree>
+    <p:extLst>
+      <p:ext uri="{BB962C8B-B14F-4D97-AF65-F5344CB8AC3E}">
+        <p14:creationId xmlns:p14="http://schemas.microsoft.com/office/powerpoint/2010/main" val="1192707556"/>
+      </p:ext>
+    </p:extLst>
+  </p:cSld>
+  <p:clrMapOvr>
+    <a:masterClrMapping/>
+  </p:clrMapOvr>
+  <p:timing>
+    <p:tnLst>
+      <p:par>
+        <p:cTn id="1" dur="indefinite" restart="never" nodeType="tmRoot"/>
+      </p:par>
+    </p:tnLst>
+  </p:timing>
+</p:sld>
+</file>
+
+<file path=ppt/slides/slide14.xml><?xml version="1.0" encoding="utf-8"?>
+<p:sld xmlns:a="http://schemas.openxmlformats.org/drawingml/2006/main" xmlns:r="http://schemas.openxmlformats.org/officeDocument/2006/relationships" xmlns:p="http://schemas.openxmlformats.org/presentationml/2006/main">
+  <p:cSld>
+    <p:spTree>
+      <p:nvGrpSpPr>
+        <p:cNvPr id="1" name=""/>
+        <p:cNvGrpSpPr/>
+        <p:nvPr/>
+      </p:nvGrpSpPr>
+      <p:grpSpPr>
+        <a:xfrm>
+          <a:off x="0" y="0"/>
+          <a:ext cx="0" cy="0"/>
+          <a:chOff x="0" y="0"/>
+          <a:chExt cx="0" cy="0"/>
+        </a:xfrm>
+      </p:grpSpPr>
+      <p:sp>
+        <p:nvSpPr>
+          <p:cNvPr id="2" name="Title 1"/>
+          <p:cNvSpPr>
+            <a:spLocks noGrp="1"/>
+          </p:cNvSpPr>
+          <p:nvPr>
+            <p:ph type="title"/>
+          </p:nvPr>
+        </p:nvSpPr>
+        <p:spPr/>
+        <p:txBody>
+          <a:bodyPr/>
+          <a:lstStyle/>
+          <a:p>
+            <a:r>
+              <a:rPr lang="en-US" dirty="0"/>
+              <a:t>R</a:t>
+            </a:r>
+            <a:r>
+              <a:rPr lang="en-US" dirty="0" smtClean="0"/>
+              <a:t>esearch</a:t>
+            </a:r>
+            <a:endParaRPr lang="en-US" dirty="0"/>
+          </a:p>
+        </p:txBody>
+      </p:sp>
+      <p:sp>
+        <p:nvSpPr>
+          <p:cNvPr id="3" name="Content Placeholder 2"/>
+          <p:cNvSpPr>
+            <a:spLocks noGrp="1"/>
+          </p:cNvSpPr>
+          <p:nvPr>
+            <p:ph idx="1"/>
+          </p:nvPr>
+        </p:nvSpPr>
+        <p:spPr>
+          <a:xfrm>
+            <a:off x="1371600" y="2547181"/>
+            <a:ext cx="9445625" cy="3649133"/>
+          </a:xfrm>
+        </p:spPr>
+        <p:txBody>
+          <a:bodyPr>
+            <a:noAutofit/>
+          </a:bodyPr>
+          <a:lstStyle/>
+          <a:p>
+            <a:r>
+              <a:rPr lang="en-US" sz="1600" dirty="0" smtClean="0"/>
+              <a:t>As per the ACM citation </a:t>
+            </a:r>
+            <a:r>
+              <a:rPr lang="en-US" sz="1600" b="1" dirty="0" smtClean="0">
+                <a:hlinkClick r:id="rId2"/>
+              </a:rPr>
+              <a:t>Component-oriented software development</a:t>
+            </a:r>
+            <a:r>
+              <a:rPr lang="en-US" sz="1600" b="1" dirty="0" smtClean="0"/>
+              <a:t>, we discovered how this specific pattern helps in creating scalable and flexible software.</a:t>
+            </a:r>
+          </a:p>
+          <a:p>
+            <a:r>
+              <a:rPr lang="en-US" sz="1600" b="1" dirty="0" smtClean="0"/>
+              <a:t>Our project needs to be pluggable and written in such a way that any component of it can be replaced by user or by the project owner to enhance the features of the generator.</a:t>
+            </a:r>
+          </a:p>
+          <a:p>
+            <a:r>
+              <a:rPr lang="en-US" sz="1600" b="1" dirty="0">
+                <a:hlinkClick r:id="rId3"/>
+              </a:rPr>
+              <a:t>An evaluation of reactive programming and promises for structuring collaborative web </a:t>
+            </a:r>
+            <a:r>
+              <a:rPr lang="en-US" sz="1600" b="1" dirty="0" smtClean="0">
+                <a:hlinkClick r:id="rId3"/>
+              </a:rPr>
+              <a:t>applications</a:t>
+            </a:r>
+            <a:r>
+              <a:rPr lang="en-US" sz="1600" b="1" dirty="0"/>
+              <a:t> </a:t>
+            </a:r>
+            <a:r>
+              <a:rPr lang="en-US" sz="1600" b="1" dirty="0" smtClean="0"/>
+              <a:t>shows how Reactive development and use of asynchronous programming is a better way of development in web applications as they provide highly responsive websites and better User Experience.</a:t>
+            </a:r>
+          </a:p>
+          <a:p>
+            <a:endParaRPr lang="en-US" sz="1600" b="1" dirty="0"/>
+          </a:p>
+          <a:p>
+            <a:endParaRPr lang="en-US" sz="1600" dirty="0" smtClean="0"/>
+          </a:p>
+        </p:txBody>
+      </p:sp>
+    </p:spTree>
+    <p:extLst>
+      <p:ext uri="{BB962C8B-B14F-4D97-AF65-F5344CB8AC3E}">
+        <p14:creationId xmlns:p14="http://schemas.microsoft.com/office/powerpoint/2010/main" val="86086317"/>
+      </p:ext>
+    </p:extLst>
+  </p:cSld>
+  <p:clrMapOvr>
+    <a:masterClrMapping/>
+  </p:clrMapOvr>
+  <p:timing>
+    <p:tnLst>
+      <p:par>
+        <p:cTn id="1" dur="indefinite" restart="never" nodeType="tmRoot"/>
+      </p:par>
+    </p:tnLst>
+  </p:timing>
+</p:sld>
+</file>
+
+<file path=ppt/slides/slide15.xml><?xml version="1.0" encoding="utf-8"?>
+<p:sld xmlns:a="http://schemas.openxmlformats.org/drawingml/2006/main" xmlns:r="http://schemas.openxmlformats.org/officeDocument/2006/relationships" xmlns:p="http://schemas.openxmlformats.org/presentationml/2006/main">
+  <p:cSld>
+    <p:spTree>
+      <p:nvGrpSpPr>
+        <p:cNvPr id="1" name=""/>
+        <p:cNvGrpSpPr/>
+        <p:nvPr/>
+      </p:nvGrpSpPr>
+      <p:grpSpPr>
+        <a:xfrm>
+          <a:off x="0" y="0"/>
+          <a:ext cx="0" cy="0"/>
+          <a:chOff x="0" y="0"/>
+          <a:chExt cx="0" cy="0"/>
+        </a:xfrm>
+      </p:grpSpPr>
+      <p:sp>
+        <p:nvSpPr>
+          <p:cNvPr id="2" name="Title 1"/>
+          <p:cNvSpPr>
+            <a:spLocks noGrp="1"/>
+          </p:cNvSpPr>
+          <p:nvPr>
+            <p:ph type="title"/>
+          </p:nvPr>
+        </p:nvSpPr>
+        <p:spPr/>
+        <p:txBody>
+          <a:bodyPr/>
+          <a:lstStyle/>
+          <a:p>
+            <a:r>
               <a:rPr lang="en-US" dirty="0" smtClean="0"/>
               <a:t>Principles</a:t>
             </a:r>
@@ -7571,7 +7988,7 @@
 </p:sld>
 </file>
 
-<file path=ppt/slides/slide13.xml><?xml version="1.0" encoding="utf-8"?>
+<file path=ppt/slides/slide16.xml><?xml version="1.0" encoding="utf-8"?>
 <p:sld xmlns:a="http://schemas.openxmlformats.org/drawingml/2006/main" xmlns:r="http://schemas.openxmlformats.org/officeDocument/2006/relationships" xmlns:p="http://schemas.openxmlformats.org/presentationml/2006/main">
   <p:cSld>
     <p:spTree>
@@ -8304,7 +8721,7 @@
 </p:sld>
 </file>
 
-<file path=ppt/slides/slide14.xml><?xml version="1.0" encoding="utf-8"?>
+<file path=ppt/slides/slide17.xml><?xml version="1.0" encoding="utf-8"?>
 <p:sld xmlns:a="http://schemas.openxmlformats.org/drawingml/2006/main" xmlns:r="http://schemas.openxmlformats.org/officeDocument/2006/relationships" xmlns:p="http://schemas.openxmlformats.org/presentationml/2006/main">
   <p:cSld>
     <p:spTree>
@@ -10232,669 +10649,6 @@
     <p:extLst>
       <p:ext uri="{BB962C8B-B14F-4D97-AF65-F5344CB8AC3E}">
         <p14:creationId xmlns:p14="http://schemas.microsoft.com/office/powerpoint/2010/main" val="576146542"/>
-      </p:ext>
-    </p:extLst>
-  </p:cSld>
-  <p:clrMapOvr>
-    <a:masterClrMapping/>
-  </p:clrMapOvr>
-  <p:timing>
-    <p:tnLst>
-      <p:par>
-        <p:cTn id="1" dur="indefinite" restart="never" nodeType="tmRoot"/>
-      </p:par>
-    </p:tnLst>
-  </p:timing>
-</p:sld>
-</file>
-
-<file path=ppt/slides/slide15.xml><?xml version="1.0" encoding="utf-8"?>
-<p:sld xmlns:a="http://schemas.openxmlformats.org/drawingml/2006/main" xmlns:r="http://schemas.openxmlformats.org/officeDocument/2006/relationships" xmlns:p="http://schemas.openxmlformats.org/presentationml/2006/main">
-  <p:cSld>
-    <p:spTree>
-      <p:nvGrpSpPr>
-        <p:cNvPr id="1" name=""/>
-        <p:cNvGrpSpPr/>
-        <p:nvPr/>
-      </p:nvGrpSpPr>
-      <p:grpSpPr>
-        <a:xfrm>
-          <a:off x="0" y="0"/>
-          <a:ext cx="0" cy="0"/>
-          <a:chOff x="0" y="0"/>
-          <a:chExt cx="0" cy="0"/>
-        </a:xfrm>
-      </p:grpSpPr>
-      <p:sp>
-        <p:nvSpPr>
-          <p:cNvPr id="2" name="Title 1"/>
-          <p:cNvSpPr>
-            <a:spLocks noGrp="1"/>
-          </p:cNvSpPr>
-          <p:nvPr>
-            <p:ph type="title"/>
-          </p:nvPr>
-        </p:nvSpPr>
-        <p:spPr/>
-        <p:txBody>
-          <a:bodyPr/>
-          <a:lstStyle/>
-          <a:p>
-            <a:r>
-              <a:rPr lang="en-US" dirty="0" smtClean="0"/>
-              <a:t>Architecture: API</a:t>
-            </a:r>
-            <a:endParaRPr lang="en-US" dirty="0"/>
-          </a:p>
-        </p:txBody>
-      </p:sp>
-      <p:sp>
-        <p:nvSpPr>
-          <p:cNvPr id="3" name="Content Placeholder 2"/>
-          <p:cNvSpPr>
-            <a:spLocks noGrp="1"/>
-          </p:cNvSpPr>
-          <p:nvPr>
-            <p:ph idx="1"/>
-          </p:nvPr>
-        </p:nvSpPr>
-        <p:spPr>
-          <a:xfrm>
-            <a:off x="1371600" y="2171700"/>
-            <a:ext cx="10131425" cy="3649133"/>
-          </a:xfrm>
-        </p:spPr>
-        <p:txBody>
-          <a:bodyPr>
-            <a:noAutofit/>
-          </a:bodyPr>
-          <a:lstStyle/>
-          <a:p>
-            <a:pPr marL="0" indent="0">
-              <a:buNone/>
-            </a:pPr>
-            <a:r>
-              <a:rPr lang="en-US" sz="1600" dirty="0" smtClean="0"/>
-              <a:t>Once the Schema is created, an Object Relation Mapper (ORM) can be used to perform CRUD (create retrieve update and delete) operations on the entities. </a:t>
-            </a:r>
-            <a:r>
-              <a:rPr lang="en-US" sz="1600" dirty="0"/>
-              <a:t>The APIs will depend on the options, however there is a general pattern in them </a:t>
-            </a:r>
-            <a:r>
-              <a:rPr lang="en-US" sz="1600" dirty="0" smtClean="0"/>
-              <a:t>too. For example we can implement following API routes irrespective of the options chosen by the end-user:</a:t>
-            </a:r>
-          </a:p>
-          <a:p>
-            <a:pPr marL="0" indent="0">
-              <a:buNone/>
-            </a:pPr>
-            <a:r>
-              <a:rPr lang="en-US" sz="1600" b="1" dirty="0" smtClean="0"/>
-              <a:t>GET entity/:</a:t>
-            </a:r>
-            <a:r>
-              <a:rPr lang="en-US" sz="1600" b="1" dirty="0" err="1" smtClean="0"/>
-              <a:t>entityID</a:t>
-            </a:r>
-            <a:r>
-              <a:rPr lang="en-US" sz="1600" dirty="0" smtClean="0"/>
-              <a:t>		</a:t>
-            </a:r>
-            <a:r>
-              <a:rPr lang="en-US" sz="1600" b="1" dirty="0" smtClean="0"/>
-              <a:t>POST comment/:</a:t>
-            </a:r>
-            <a:r>
-              <a:rPr lang="en-US" sz="1600" b="1" dirty="0" err="1" smtClean="0"/>
-              <a:t>entityID</a:t>
-            </a:r>
-            <a:r>
-              <a:rPr lang="en-US" sz="1600" dirty="0"/>
-              <a:t>	</a:t>
-            </a:r>
-            <a:r>
-              <a:rPr lang="en-US" sz="1600" dirty="0" smtClean="0"/>
-              <a:t>	</a:t>
-            </a:r>
-            <a:r>
-              <a:rPr lang="en-US" sz="1600" b="1" dirty="0" smtClean="0"/>
-              <a:t>POST like/:</a:t>
-            </a:r>
-            <a:r>
-              <a:rPr lang="en-US" sz="1600" b="1" dirty="0" err="1" smtClean="0"/>
-              <a:t>commentID</a:t>
-            </a:r>
-            <a:r>
-              <a:rPr lang="en-US" sz="1600" dirty="0" smtClean="0"/>
-              <a:t>	</a:t>
-            </a:r>
-            <a:r>
-              <a:rPr lang="en-US" sz="1600" b="1" dirty="0" smtClean="0"/>
-              <a:t>PUT </a:t>
-            </a:r>
-            <a:r>
-              <a:rPr lang="en-US" sz="1600" b="1" dirty="0" err="1" smtClean="0"/>
-              <a:t>user_profile</a:t>
-            </a:r>
-            <a:r>
-              <a:rPr lang="en-US" sz="1600" b="1" dirty="0" smtClean="0"/>
-              <a:t>/:</a:t>
-            </a:r>
-            <a:r>
-              <a:rPr lang="en-US" sz="1600" b="1" dirty="0" err="1" smtClean="0"/>
-              <a:t>userID</a:t>
-            </a:r>
-            <a:endParaRPr lang="en-US" sz="1600" dirty="0" smtClean="0"/>
-          </a:p>
-          <a:p>
-            <a:pPr marL="342900" indent="-342900">
-              <a:buFont typeface="+mj-lt"/>
-              <a:buAutoNum type="arabicPeriod"/>
-            </a:pPr>
-            <a:r>
-              <a:rPr lang="en-US" sz="1600" dirty="0" smtClean="0"/>
-              <a:t>CRUD on User</a:t>
-            </a:r>
-          </a:p>
-          <a:p>
-            <a:pPr marL="342900" indent="-342900">
-              <a:buFont typeface="+mj-lt"/>
-              <a:buAutoNum type="arabicPeriod"/>
-            </a:pPr>
-            <a:r>
-              <a:rPr lang="en-US" sz="1600" dirty="0" smtClean="0"/>
-              <a:t>CRUD on Comments/Reviews/Ratings/Likes and other user activity.</a:t>
-            </a:r>
-          </a:p>
-          <a:p>
-            <a:pPr marL="342900" indent="-342900">
-              <a:buFont typeface="+mj-lt"/>
-              <a:buAutoNum type="arabicPeriod"/>
-            </a:pPr>
-            <a:r>
-              <a:rPr lang="en-US" sz="1600" dirty="0" smtClean="0"/>
-              <a:t>CRUD on Entity will need to respect the chosen attributes by the user. Here we will have to employ proper code generation techniques.</a:t>
-            </a:r>
-          </a:p>
-          <a:p>
-            <a:pPr marL="0" indent="0">
-              <a:buNone/>
-            </a:pPr>
-            <a:r>
-              <a:rPr lang="en-US" sz="1600" dirty="0" smtClean="0"/>
-              <a:t>Once the API is created, the Application and Website will have to consume it too. This is where we would require proper generation techniques.</a:t>
-            </a:r>
-          </a:p>
-          <a:p>
-            <a:pPr marL="0" indent="0">
-              <a:buNone/>
-            </a:pPr>
-            <a:endParaRPr lang="en-US" sz="1600" dirty="0"/>
-          </a:p>
-          <a:p>
-            <a:pPr marL="0" indent="0" algn="ctr">
-              <a:buNone/>
-            </a:pPr>
-            <a:r>
-              <a:rPr lang="en-US" sz="2400" u="sng" dirty="0" smtClean="0"/>
-              <a:t>This is the most challenging part for the entire project.</a:t>
-            </a:r>
-          </a:p>
-          <a:p>
-            <a:pPr marL="0" indent="0">
-              <a:buNone/>
-            </a:pPr>
-            <a:endParaRPr lang="en-US" sz="1600" dirty="0" smtClean="0"/>
-          </a:p>
-          <a:p>
-            <a:pPr marL="342900" indent="-342900">
-              <a:buFont typeface="+mj-lt"/>
-              <a:buAutoNum type="arabicPeriod"/>
-            </a:pPr>
-            <a:endParaRPr lang="en-US" sz="1600" dirty="0" smtClean="0"/>
-          </a:p>
-          <a:p>
-            <a:pPr marL="342900" indent="-342900">
-              <a:buFont typeface="+mj-lt"/>
-              <a:buAutoNum type="arabicPeriod"/>
-            </a:pPr>
-            <a:endParaRPr lang="en-US" sz="1600" dirty="0" smtClean="0"/>
-          </a:p>
-        </p:txBody>
-      </p:sp>
-    </p:spTree>
-    <p:extLst>
-      <p:ext uri="{BB962C8B-B14F-4D97-AF65-F5344CB8AC3E}">
-        <p14:creationId xmlns:p14="http://schemas.microsoft.com/office/powerpoint/2010/main" val="1158983086"/>
-      </p:ext>
-    </p:extLst>
-  </p:cSld>
-  <p:clrMapOvr>
-    <a:masterClrMapping/>
-  </p:clrMapOvr>
-  <p:timing>
-    <p:tnLst>
-      <p:par>
-        <p:cTn id="1" dur="indefinite" restart="never" nodeType="tmRoot"/>
-      </p:par>
-    </p:tnLst>
-  </p:timing>
-</p:sld>
-</file>
-
-<file path=ppt/slides/slide16.xml><?xml version="1.0" encoding="utf-8"?>
-<p:sld xmlns:a="http://schemas.openxmlformats.org/drawingml/2006/main" xmlns:r="http://schemas.openxmlformats.org/officeDocument/2006/relationships" xmlns:p="http://schemas.openxmlformats.org/presentationml/2006/main">
-  <p:cSld>
-    <p:spTree>
-      <p:nvGrpSpPr>
-        <p:cNvPr id="1" name=""/>
-        <p:cNvGrpSpPr/>
-        <p:nvPr/>
-      </p:nvGrpSpPr>
-      <p:grpSpPr>
-        <a:xfrm>
-          <a:off x="0" y="0"/>
-          <a:ext cx="0" cy="0"/>
-          <a:chOff x="0" y="0"/>
-          <a:chExt cx="0" cy="0"/>
-        </a:xfrm>
-      </p:grpSpPr>
-      <p:sp>
-        <p:nvSpPr>
-          <p:cNvPr id="2" name="Title 1"/>
-          <p:cNvSpPr>
-            <a:spLocks noGrp="1"/>
-          </p:cNvSpPr>
-          <p:nvPr>
-            <p:ph type="title"/>
-          </p:nvPr>
-        </p:nvSpPr>
-        <p:spPr/>
-        <p:txBody>
-          <a:bodyPr/>
-          <a:lstStyle/>
-          <a:p>
-            <a:r>
-              <a:rPr lang="en-US" dirty="0" smtClean="0"/>
-              <a:t>Architecture: API (continued</a:t>
-            </a:r>
-            <a:r>
-              <a:rPr lang="is-IS" dirty="0" smtClean="0"/>
-              <a:t>…)</a:t>
-            </a:r>
-            <a:endParaRPr lang="en-US" dirty="0"/>
-          </a:p>
-        </p:txBody>
-      </p:sp>
-      <p:sp>
-        <p:nvSpPr>
-          <p:cNvPr id="3" name="Content Placeholder 2"/>
-          <p:cNvSpPr>
-            <a:spLocks noGrp="1"/>
-          </p:cNvSpPr>
-          <p:nvPr>
-            <p:ph idx="1"/>
-          </p:nvPr>
-        </p:nvSpPr>
-        <p:spPr>
-          <a:xfrm>
-            <a:off x="1371600" y="1747216"/>
-            <a:ext cx="9529088" cy="3649133"/>
-          </a:xfrm>
-        </p:spPr>
-        <p:txBody>
-          <a:bodyPr>
-            <a:noAutofit/>
-          </a:bodyPr>
-          <a:lstStyle/>
-          <a:p>
-            <a:pPr marL="0" indent="0">
-              <a:buNone/>
-            </a:pPr>
-            <a:r>
-              <a:rPr lang="en-US" sz="1600" dirty="0" smtClean="0"/>
-              <a:t>Since end-user can have different specifications for choice of database and the attributes of the entity, we will have to rely on an ORM that can abstract out details of the entity and allow us to cater all the need.</a:t>
-            </a:r>
-          </a:p>
-          <a:p>
-            <a:pPr marL="0" indent="0">
-              <a:buNone/>
-            </a:pPr>
-            <a:r>
-              <a:rPr lang="en-US" sz="1600" dirty="0" smtClean="0"/>
-              <a:t>The way we plan to implement this is to have a layered modular approach</a:t>
-            </a:r>
-            <a:r>
-              <a:rPr lang="en-US" sz="1600" dirty="0"/>
-              <a:t> </a:t>
-            </a:r>
-            <a:r>
-              <a:rPr lang="en-US" sz="1600" dirty="0" smtClean="0"/>
-              <a:t>as follows: </a:t>
-            </a:r>
-          </a:p>
-          <a:p>
-            <a:pPr marL="0" indent="0">
-              <a:buNone/>
-            </a:pPr>
-            <a:endParaRPr lang="en-US" sz="1600" dirty="0" smtClean="0"/>
-          </a:p>
-          <a:p>
-            <a:pPr marL="0" indent="0">
-              <a:buNone/>
-            </a:pPr>
-            <a:endParaRPr lang="en-US" sz="1600" dirty="0" smtClean="0"/>
-          </a:p>
-          <a:p>
-            <a:pPr marL="0" indent="0">
-              <a:buNone/>
-            </a:pPr>
-            <a:endParaRPr lang="en-US" sz="1600" dirty="0"/>
-          </a:p>
-          <a:p>
-            <a:pPr marL="0" indent="0">
-              <a:buNone/>
-            </a:pPr>
-            <a:r>
-              <a:rPr lang="en-US" sz="1600" dirty="0" smtClean="0"/>
-              <a:t>If say a customer wants to use </a:t>
-            </a:r>
-            <a:r>
-              <a:rPr lang="en-US" sz="1600" dirty="0" err="1" smtClean="0"/>
-              <a:t>Postgresql</a:t>
-            </a:r>
-            <a:r>
-              <a:rPr lang="en-US" sz="1600" dirty="0" smtClean="0"/>
-              <a:t> instead of MySQL, we can rely on libraries like </a:t>
-            </a:r>
-            <a:r>
-              <a:rPr lang="en-US" sz="1600" dirty="0" err="1" smtClean="0"/>
-              <a:t>knex</a:t>
-            </a:r>
-            <a:r>
-              <a:rPr lang="en-US" sz="1600" dirty="0" smtClean="0"/>
-              <a:t> that support both of them. Catering this need would simply require change in ORM module while API uses </a:t>
-            </a:r>
-            <a:r>
-              <a:rPr lang="en-US" sz="1600" dirty="0" err="1" smtClean="0"/>
-              <a:t>knex’s</a:t>
-            </a:r>
-            <a:r>
-              <a:rPr lang="en-US" sz="1600" dirty="0" smtClean="0"/>
-              <a:t> API to query database.</a:t>
-            </a:r>
-          </a:p>
-          <a:p>
-            <a:pPr marL="0" indent="0">
-              <a:buNone/>
-            </a:pPr>
-            <a:r>
-              <a:rPr lang="en-US" sz="1600" dirty="0" smtClean="0"/>
-              <a:t>Now say if a customer wants an altogether different database, for example </a:t>
-            </a:r>
-            <a:r>
-              <a:rPr lang="en-US" sz="1600" dirty="0" err="1" smtClean="0"/>
-              <a:t>MongoDB</a:t>
-            </a:r>
-            <a:r>
-              <a:rPr lang="en-US" sz="1600" dirty="0" smtClean="0"/>
-              <a:t>. In this case, we will have to rely on ORM that supports </a:t>
-            </a:r>
-            <a:r>
-              <a:rPr lang="en-US" sz="1600" dirty="0" err="1" smtClean="0"/>
-              <a:t>MongoDB</a:t>
-            </a:r>
-            <a:r>
-              <a:rPr lang="en-US" sz="1600" dirty="0" smtClean="0"/>
-              <a:t>, like Mongoose. Since the API of Mongoose is very different than </a:t>
-            </a:r>
-            <a:r>
-              <a:rPr lang="en-US" sz="1600" dirty="0" err="1" smtClean="0"/>
-              <a:t>knex</a:t>
-            </a:r>
-            <a:r>
-              <a:rPr lang="en-US" sz="1600" dirty="0" smtClean="0"/>
-              <a:t>, both ORM and API modules will have to be updated.</a:t>
-            </a:r>
-          </a:p>
-          <a:p>
-            <a:pPr marL="0" indent="0">
-              <a:buNone/>
-            </a:pPr>
-            <a:r>
-              <a:rPr lang="en-US" sz="1600" dirty="0" smtClean="0"/>
-              <a:t>Similarly, the more choice and customization we provide, more modules will have to be updated. However, we can plug them from any source, or the end-user can write their own to leverage our generator’s other features, which becomes way better than to build everything from scratch for the end-user.</a:t>
-            </a:r>
-          </a:p>
-          <a:p>
-            <a:pPr marL="0" indent="0">
-              <a:buNone/>
-            </a:pPr>
-            <a:endParaRPr lang="en-US" sz="1600" dirty="0" smtClean="0"/>
-          </a:p>
-        </p:txBody>
-      </p:sp>
-      <p:graphicFrame>
-        <p:nvGraphicFramePr>
-          <p:cNvPr id="4" name="Diagram 3"/>
-          <p:cNvGraphicFramePr/>
-          <p:nvPr>
-            <p:extLst>
-              <p:ext uri="{D42A27DB-BD31-4B8C-83A1-F6EECF244321}">
-                <p14:modId xmlns:p14="http://schemas.microsoft.com/office/powerpoint/2010/main" val="1875335928"/>
-              </p:ext>
-            </p:extLst>
-          </p:nvPr>
-        </p:nvGraphicFramePr>
-        <p:xfrm>
-          <a:off x="2873828" y="2556980"/>
-          <a:ext cx="5922297" cy="1330359"/>
-        </p:xfrm>
-        <a:graphic>
-          <a:graphicData uri="http://schemas.openxmlformats.org/drawingml/2006/diagram">
-            <dgm:relIds xmlns:dgm="http://schemas.openxmlformats.org/drawingml/2006/diagram" xmlns:r="http://schemas.openxmlformats.org/officeDocument/2006/relationships" r:dm="rId2" r:lo="rId3" r:qs="rId4" r:cs="rId5"/>
-          </a:graphicData>
-        </a:graphic>
-      </p:graphicFrame>
-      <p:sp>
-        <p:nvSpPr>
-          <p:cNvPr id="6" name="Rectangle 5"/>
-          <p:cNvSpPr/>
-          <p:nvPr/>
-        </p:nvSpPr>
-        <p:spPr>
-          <a:xfrm>
-            <a:off x="2873828" y="3601002"/>
-            <a:ext cx="2906712" cy="216505"/>
-          </a:xfrm>
-          <a:prstGeom prst="rect">
-            <a:avLst/>
-          </a:prstGeom>
-        </p:spPr>
-        <p:style>
-          <a:lnRef idx="2">
-            <a:schemeClr val="accent1">
-              <a:shade val="50000"/>
-            </a:schemeClr>
-          </a:lnRef>
-          <a:fillRef idx="1">
-            <a:schemeClr val="accent1"/>
-          </a:fillRef>
-          <a:effectRef idx="0">
-            <a:schemeClr val="accent1"/>
-          </a:effectRef>
-          <a:fontRef idx="minor">
-            <a:schemeClr val="lt1"/>
-          </a:fontRef>
-        </p:style>
-        <p:txBody>
-          <a:bodyPr rtlCol="0" anchor="ctr"/>
-          <a:lstStyle/>
-          <a:p>
-            <a:pPr algn="ctr"/>
-            <a:r>
-              <a:rPr lang="en-US" dirty="0" smtClean="0"/>
-              <a:t>Server</a:t>
-            </a:r>
-            <a:endParaRPr lang="en-US" dirty="0"/>
-          </a:p>
-        </p:txBody>
-      </p:sp>
-      <p:sp>
-        <p:nvSpPr>
-          <p:cNvPr id="7" name="Rectangle 6"/>
-          <p:cNvSpPr/>
-          <p:nvPr/>
-        </p:nvSpPr>
-        <p:spPr>
-          <a:xfrm>
-            <a:off x="5834976" y="3601001"/>
-            <a:ext cx="2906712" cy="216505"/>
-          </a:xfrm>
-          <a:prstGeom prst="rect">
-            <a:avLst/>
-          </a:prstGeom>
-        </p:spPr>
-        <p:style>
-          <a:lnRef idx="2">
-            <a:schemeClr val="accent1">
-              <a:shade val="50000"/>
-            </a:schemeClr>
-          </a:lnRef>
-          <a:fillRef idx="1">
-            <a:schemeClr val="accent1"/>
-          </a:fillRef>
-          <a:effectRef idx="0">
-            <a:schemeClr val="accent1"/>
-          </a:effectRef>
-          <a:fontRef idx="minor">
-            <a:schemeClr val="lt1"/>
-          </a:fontRef>
-        </p:style>
-        <p:txBody>
-          <a:bodyPr rtlCol="0" anchor="ctr"/>
-          <a:lstStyle/>
-          <a:p>
-            <a:pPr algn="ctr"/>
-            <a:r>
-              <a:rPr lang="en-US" dirty="0" smtClean="0"/>
-              <a:t>Client</a:t>
-            </a:r>
-            <a:endParaRPr lang="en-US" dirty="0"/>
-          </a:p>
-        </p:txBody>
-      </p:sp>
-    </p:spTree>
-    <p:extLst>
-      <p:ext uri="{BB962C8B-B14F-4D97-AF65-F5344CB8AC3E}">
-        <p14:creationId xmlns:p14="http://schemas.microsoft.com/office/powerpoint/2010/main" val="1455252833"/>
-      </p:ext>
-    </p:extLst>
-  </p:cSld>
-  <p:clrMapOvr>
-    <a:masterClrMapping/>
-  </p:clrMapOvr>
-  <p:timing>
-    <p:tnLst>
-      <p:par>
-        <p:cTn id="1" dur="indefinite" restart="never" nodeType="tmRoot"/>
-      </p:par>
-    </p:tnLst>
-  </p:timing>
-</p:sld>
-</file>
-
-<file path=ppt/slides/slide17.xml><?xml version="1.0" encoding="utf-8"?>
-<p:sld xmlns:a="http://schemas.openxmlformats.org/drawingml/2006/main" xmlns:r="http://schemas.openxmlformats.org/officeDocument/2006/relationships" xmlns:p="http://schemas.openxmlformats.org/presentationml/2006/main">
-  <p:cSld>
-    <p:spTree>
-      <p:nvGrpSpPr>
-        <p:cNvPr id="1" name=""/>
-        <p:cNvGrpSpPr/>
-        <p:nvPr/>
-      </p:nvGrpSpPr>
-      <p:grpSpPr>
-        <a:xfrm>
-          <a:off x="0" y="0"/>
-          <a:ext cx="0" cy="0"/>
-          <a:chOff x="0" y="0"/>
-          <a:chExt cx="0" cy="0"/>
-        </a:xfrm>
-      </p:grpSpPr>
-      <p:sp>
-        <p:nvSpPr>
-          <p:cNvPr id="2" name="Title 1"/>
-          <p:cNvSpPr>
-            <a:spLocks noGrp="1"/>
-          </p:cNvSpPr>
-          <p:nvPr>
-            <p:ph type="title"/>
-          </p:nvPr>
-        </p:nvSpPr>
-        <p:spPr/>
-        <p:txBody>
-          <a:bodyPr/>
-          <a:lstStyle/>
-          <a:p>
-            <a:r>
-              <a:rPr lang="en-US" dirty="0" smtClean="0"/>
-              <a:t>Architecture: WEBSITE &amp; APP ASSETS</a:t>
-            </a:r>
-            <a:endParaRPr lang="en-US" dirty="0"/>
-          </a:p>
-        </p:txBody>
-      </p:sp>
-      <p:sp>
-        <p:nvSpPr>
-          <p:cNvPr id="3" name="Content Placeholder 2"/>
-          <p:cNvSpPr>
-            <a:spLocks noGrp="1"/>
-          </p:cNvSpPr>
-          <p:nvPr>
-            <p:ph idx="1"/>
-          </p:nvPr>
-        </p:nvSpPr>
-        <p:spPr/>
-        <p:txBody>
-          <a:bodyPr/>
-          <a:lstStyle/>
-          <a:p>
-            <a:r>
-              <a:rPr lang="en-US" dirty="0" smtClean="0"/>
-              <a:t>We rely on a JavaScript library called </a:t>
-            </a:r>
-            <a:r>
-              <a:rPr lang="en-US" dirty="0" err="1" smtClean="0"/>
-              <a:t>ReactJS</a:t>
-            </a:r>
-            <a:r>
-              <a:rPr lang="en-US" dirty="0" smtClean="0"/>
-              <a:t> that uses components to create user interfaces. This helps in developing following modular approach. Further, same components can be used both by mobile application (react-native library is used for the same) and the website, which helps in more code re-usage.</a:t>
-            </a:r>
-          </a:p>
-          <a:p>
-            <a:r>
-              <a:rPr lang="en-US" dirty="0" smtClean="0"/>
-              <a:t>Since the components can be simply replaced by any other component that performs the same function but with different layout/style/approach, we can allow user to choose from a variety of component replacements and truly customize entire application, layout by layout. </a:t>
-            </a:r>
-          </a:p>
-          <a:p>
-            <a:r>
-              <a:rPr lang="en-US" dirty="0" smtClean="0"/>
-              <a:t>The component approach also allows contributors to write pluggable components that can extend the functionality of the app. This might require minor code changes (5-10 lines of code), but acts as highly powerful feature.</a:t>
-            </a:r>
-          </a:p>
-          <a:p>
-            <a:endParaRPr lang="en-US" dirty="0"/>
-          </a:p>
-        </p:txBody>
-      </p:sp>
-    </p:spTree>
-    <p:extLst>
-      <p:ext uri="{BB962C8B-B14F-4D97-AF65-F5344CB8AC3E}">
-        <p14:creationId xmlns:p14="http://schemas.microsoft.com/office/powerpoint/2010/main" val="1865095027"/>
       </p:ext>
     </p:extLst>
   </p:cSld>
@@ -10944,241 +10698,193 @@
           <a:lstStyle/>
           <a:p>
             <a:r>
-              <a:rPr lang="en-US" b="1" dirty="0" smtClean="0"/>
-              <a:t>Generator</a:t>
-            </a:r>
-            <a:endParaRPr lang="en-US" b="1" dirty="0"/>
-          </a:p>
-        </p:txBody>
-      </p:sp>
-      <p:sp>
-        <p:nvSpPr>
-          <p:cNvPr id="4" name="Oval 3"/>
-          <p:cNvSpPr/>
-          <p:nvPr/>
+              <a:rPr lang="en-US" dirty="0" smtClean="0"/>
+              <a:t>Architecture: API</a:t>
+            </a:r>
+            <a:endParaRPr lang="en-US" dirty="0"/>
+          </a:p>
+        </p:txBody>
+      </p:sp>
+      <p:sp>
+        <p:nvSpPr>
+          <p:cNvPr id="3" name="Content Placeholder 2"/>
+          <p:cNvSpPr>
+            <a:spLocks noGrp="1"/>
+          </p:cNvSpPr>
+          <p:nvPr>
+            <p:ph idx="1"/>
+          </p:nvPr>
         </p:nvSpPr>
         <p:spPr>
           <a:xfrm>
-            <a:off x="3408705" y="2800596"/>
-            <a:ext cx="1941534" cy="1816274"/>
+            <a:off x="1371600" y="2171700"/>
+            <a:ext cx="10131425" cy="3649133"/>
           </a:xfrm>
-          <a:prstGeom prst="ellipse">
-            <a:avLst/>
-          </a:prstGeom>
         </p:spPr>
-        <p:style>
-          <a:lnRef idx="2">
-            <a:schemeClr val="accent1">
-              <a:shade val="50000"/>
-            </a:schemeClr>
-          </a:lnRef>
-          <a:fillRef idx="1">
-            <a:schemeClr val="accent1"/>
-          </a:fillRef>
-          <a:effectRef idx="0">
-            <a:schemeClr val="accent1"/>
-          </a:effectRef>
-          <a:fontRef idx="minor">
-            <a:schemeClr val="lt1"/>
-          </a:fontRef>
-        </p:style>
-        <p:txBody>
-          <a:bodyPr rtlCol="0" anchor="ctr"/>
-          <a:lstStyle/>
-          <a:p>
-            <a:pPr algn="ctr"/>
-            <a:r>
-              <a:rPr lang="en-US" smtClean="0"/>
-              <a:t>MVP GENERATOR</a:t>
-            </a:r>
-            <a:endParaRPr lang="en-US"/>
-          </a:p>
-        </p:txBody>
-      </p:sp>
-      <p:sp>
-        <p:nvSpPr>
-          <p:cNvPr id="5" name="Rectangle 4"/>
-          <p:cNvSpPr/>
-          <p:nvPr/>
-        </p:nvSpPr>
-        <p:spPr>
-          <a:xfrm>
-            <a:off x="8165899" y="3645522"/>
-            <a:ext cx="1791222" cy="475989"/>
-          </a:xfrm>
-          <a:prstGeom prst="rect">
-            <a:avLst/>
-          </a:prstGeom>
-        </p:spPr>
-        <p:style>
-          <a:lnRef idx="2">
-            <a:schemeClr val="accent1">
-              <a:shade val="50000"/>
-            </a:schemeClr>
-          </a:lnRef>
-          <a:fillRef idx="1">
-            <a:schemeClr val="accent1"/>
-          </a:fillRef>
-          <a:effectRef idx="0">
-            <a:schemeClr val="accent1"/>
-          </a:effectRef>
-          <a:fontRef idx="minor">
-            <a:schemeClr val="lt1"/>
-          </a:fontRef>
-        </p:style>
-        <p:txBody>
-          <a:bodyPr rtlCol="0" anchor="ctr"/>
-          <a:lstStyle/>
-          <a:p>
-            <a:pPr algn="ctr"/>
-            <a:r>
-              <a:rPr lang="en-US" smtClean="0"/>
-              <a:t>End-User</a:t>
-            </a:r>
-            <a:endParaRPr lang="en-US"/>
-          </a:p>
-        </p:txBody>
-      </p:sp>
-      <p:cxnSp>
-        <p:nvCxnSpPr>
-          <p:cNvPr id="7" name="Curved Connector 6"/>
-          <p:cNvCxnSpPr>
-            <a:stCxn id="5" idx="0"/>
-            <a:endCxn id="4" idx="0"/>
-          </p:cNvCxnSpPr>
-          <p:nvPr/>
-        </p:nvCxnSpPr>
-        <p:spPr>
-          <a:xfrm rot="16200000" flipV="1">
-            <a:off x="6298028" y="882040"/>
-            <a:ext cx="844926" cy="4682038"/>
-          </a:xfrm>
-          <a:prstGeom prst="curvedConnector3">
-            <a:avLst>
-              <a:gd name="adj1" fmla="val 127056"/>
-            </a:avLst>
-          </a:prstGeom>
-          <a:ln>
-            <a:tailEnd type="triangle"/>
-          </a:ln>
-        </p:spPr>
-        <p:style>
-          <a:lnRef idx="1">
-            <a:schemeClr val="accent1"/>
-          </a:lnRef>
-          <a:fillRef idx="0">
-            <a:schemeClr val="accent1"/>
-          </a:fillRef>
-          <a:effectRef idx="0">
-            <a:schemeClr val="accent1"/>
-          </a:effectRef>
-          <a:fontRef idx="minor">
-            <a:schemeClr val="tx1"/>
-          </a:fontRef>
-        </p:style>
-      </p:cxnSp>
-      <p:sp>
-        <p:nvSpPr>
-          <p:cNvPr id="9" name="TextBox 8"/>
-          <p:cNvSpPr txBox="1"/>
-          <p:nvPr/>
-        </p:nvSpPr>
-        <p:spPr>
-          <a:xfrm>
-            <a:off x="5829797" y="2231108"/>
-            <a:ext cx="890693" cy="369332"/>
-          </a:xfrm>
-          <a:prstGeom prst="rect">
-            <a:avLst/>
-          </a:prstGeom>
-          <a:noFill/>
-        </p:spPr>
-        <p:txBody>
-          <a:bodyPr wrap="none" rtlCol="0">
-            <a:spAutoFit/>
+        <p:txBody>
+          <a:bodyPr>
+            <a:noAutofit/>
           </a:bodyPr>
           <a:lstStyle/>
           <a:p>
-            <a:r>
-              <a:rPr lang="en-US" dirty="0" smtClean="0"/>
-              <a:t>options</a:t>
-            </a:r>
-            <a:endParaRPr lang="en-US" dirty="0"/>
-          </a:p>
-        </p:txBody>
-      </p:sp>
-      <p:cxnSp>
-        <p:nvCxnSpPr>
-          <p:cNvPr id="13" name="Curved Connector 12"/>
-          <p:cNvCxnSpPr>
-            <a:stCxn id="4" idx="4"/>
-            <a:endCxn id="5" idx="2"/>
-          </p:cNvCxnSpPr>
-          <p:nvPr/>
-        </p:nvCxnSpPr>
-        <p:spPr>
-          <a:xfrm rot="5400000" flipH="1" flipV="1">
-            <a:off x="6472811" y="2028172"/>
-            <a:ext cx="495359" cy="4682038"/>
-          </a:xfrm>
-          <a:prstGeom prst="curvedConnector3">
-            <a:avLst>
-              <a:gd name="adj1" fmla="val -46148"/>
-            </a:avLst>
-          </a:prstGeom>
-          <a:ln>
-            <a:tailEnd type="triangle"/>
-          </a:ln>
-        </p:spPr>
-        <p:style>
-          <a:lnRef idx="1">
-            <a:schemeClr val="accent1"/>
-          </a:lnRef>
-          <a:fillRef idx="0">
-            <a:schemeClr val="accent1"/>
-          </a:fillRef>
-          <a:effectRef idx="0">
-            <a:schemeClr val="accent1"/>
-          </a:effectRef>
-          <a:fontRef idx="minor">
-            <a:schemeClr val="tx1"/>
-          </a:fontRef>
-        </p:style>
-      </p:cxnSp>
-      <p:sp>
-        <p:nvSpPr>
-          <p:cNvPr id="28" name="TextBox 27"/>
-          <p:cNvSpPr txBox="1"/>
-          <p:nvPr/>
-        </p:nvSpPr>
-        <p:spPr>
-          <a:xfrm>
-            <a:off x="5607301" y="4897913"/>
-            <a:ext cx="1829988" cy="369332"/>
-          </a:xfrm>
-          <a:prstGeom prst="rect">
-            <a:avLst/>
-          </a:prstGeom>
-          <a:noFill/>
-        </p:spPr>
-        <p:txBody>
-          <a:bodyPr wrap="none" rtlCol="0">
-            <a:spAutoFit/>
-          </a:bodyPr>
-          <a:lstStyle/>
-          <a:p>
-            <a:r>
-              <a:rPr lang="en-US" smtClean="0"/>
-              <a:t>Entire application</a:t>
-            </a:r>
-            <a:endParaRPr lang="en-US"/>
+            <a:pPr marL="0" indent="0">
+              <a:buNone/>
+            </a:pPr>
+            <a:r>
+              <a:rPr lang="en-US" sz="1600" dirty="0" smtClean="0"/>
+              <a:t>Once the Schema is created, an Object Relation Mapper (ORM) can be used to perform CRUD (create retrieve update and delete) operations on the entities. </a:t>
+            </a:r>
+            <a:r>
+              <a:rPr lang="en-US" sz="1600" dirty="0"/>
+              <a:t>The APIs will depend on the options, however there is a general pattern in them </a:t>
+            </a:r>
+            <a:r>
+              <a:rPr lang="en-US" sz="1600" dirty="0" smtClean="0"/>
+              <a:t>too. For example we can implement following API routes irrespective of the options chosen by the end-user:</a:t>
+            </a:r>
+          </a:p>
+          <a:p>
+            <a:pPr marL="0" indent="0">
+              <a:buNone/>
+            </a:pPr>
+            <a:r>
+              <a:rPr lang="en-US" sz="1600" b="1" dirty="0" smtClean="0"/>
+              <a:t>GET entity/:</a:t>
+            </a:r>
+            <a:r>
+              <a:rPr lang="en-US" sz="1600" b="1" dirty="0" err="1" smtClean="0"/>
+              <a:t>entityID</a:t>
+            </a:r>
+            <a:r>
+              <a:rPr lang="en-US" sz="1600" dirty="0" smtClean="0"/>
+              <a:t>		</a:t>
+            </a:r>
+            <a:r>
+              <a:rPr lang="en-US" sz="1600" b="1" dirty="0" smtClean="0"/>
+              <a:t>POST comment/:</a:t>
+            </a:r>
+            <a:r>
+              <a:rPr lang="en-US" sz="1600" b="1" dirty="0" err="1" smtClean="0"/>
+              <a:t>entityID</a:t>
+            </a:r>
+            <a:r>
+              <a:rPr lang="en-US" sz="1600" dirty="0"/>
+              <a:t>	</a:t>
+            </a:r>
+            <a:r>
+              <a:rPr lang="en-US" sz="1600" dirty="0" smtClean="0"/>
+              <a:t>	</a:t>
+            </a:r>
+            <a:r>
+              <a:rPr lang="en-US" sz="1600" b="1" dirty="0" smtClean="0"/>
+              <a:t>POST like/:</a:t>
+            </a:r>
+            <a:r>
+              <a:rPr lang="en-US" sz="1600" b="1" dirty="0" err="1" smtClean="0"/>
+              <a:t>commentID</a:t>
+            </a:r>
+            <a:r>
+              <a:rPr lang="en-US" sz="1600" dirty="0" smtClean="0"/>
+              <a:t>	</a:t>
+            </a:r>
+            <a:r>
+              <a:rPr lang="en-US" sz="1600" b="1" dirty="0" smtClean="0"/>
+              <a:t>PUT </a:t>
+            </a:r>
+            <a:r>
+              <a:rPr lang="en-US" sz="1600" b="1" dirty="0" err="1" smtClean="0"/>
+              <a:t>user_profile</a:t>
+            </a:r>
+            <a:r>
+              <a:rPr lang="en-US" sz="1600" b="1" dirty="0" smtClean="0"/>
+              <a:t>/:</a:t>
+            </a:r>
+            <a:r>
+              <a:rPr lang="en-US" sz="1600" b="1" dirty="0" err="1" smtClean="0"/>
+              <a:t>userID</a:t>
+            </a:r>
+            <a:endParaRPr lang="en-US" sz="1600" dirty="0" smtClean="0"/>
+          </a:p>
+          <a:p>
+            <a:pPr marL="342900" indent="-342900">
+              <a:buFont typeface="+mj-lt"/>
+              <a:buAutoNum type="arabicPeriod"/>
+            </a:pPr>
+            <a:r>
+              <a:rPr lang="en-US" sz="1600" dirty="0" smtClean="0"/>
+              <a:t>CRUD on User</a:t>
+            </a:r>
+          </a:p>
+          <a:p>
+            <a:pPr marL="342900" indent="-342900">
+              <a:buFont typeface="+mj-lt"/>
+              <a:buAutoNum type="arabicPeriod"/>
+            </a:pPr>
+            <a:r>
+              <a:rPr lang="en-US" sz="1600" dirty="0" smtClean="0"/>
+              <a:t>CRUD on Comments/Reviews/Ratings/Likes and other user activity.</a:t>
+            </a:r>
+          </a:p>
+          <a:p>
+            <a:pPr marL="342900" indent="-342900">
+              <a:buFont typeface="+mj-lt"/>
+              <a:buAutoNum type="arabicPeriod"/>
+            </a:pPr>
+            <a:r>
+              <a:rPr lang="en-US" sz="1600" dirty="0" smtClean="0"/>
+              <a:t>CRUD on Entity will need to respect the chosen attributes by the user. Here we will have to employ proper code generation techniques.</a:t>
+            </a:r>
+          </a:p>
+          <a:p>
+            <a:pPr marL="0" indent="0">
+              <a:buNone/>
+            </a:pPr>
+            <a:r>
+              <a:rPr lang="en-US" sz="1600" dirty="0" smtClean="0"/>
+              <a:t>Once the API is created, the Application and Website will have to consume it too. This is where we would require proper generation techniques.</a:t>
+            </a:r>
+          </a:p>
+          <a:p>
+            <a:pPr marL="0" indent="0">
+              <a:buNone/>
+            </a:pPr>
+            <a:endParaRPr lang="en-US" sz="1600" dirty="0"/>
+          </a:p>
+          <a:p>
+            <a:pPr marL="0" indent="0" algn="ctr">
+              <a:buNone/>
+            </a:pPr>
+            <a:r>
+              <a:rPr lang="en-US" sz="2400" u="sng" dirty="0" smtClean="0"/>
+              <a:t>This is the most challenging part for the entire project.</a:t>
+            </a:r>
+          </a:p>
+          <a:p>
+            <a:pPr marL="0" indent="0">
+              <a:buNone/>
+            </a:pPr>
+            <a:endParaRPr lang="en-US" sz="1600" dirty="0" smtClean="0"/>
+          </a:p>
+          <a:p>
+            <a:pPr marL="342900" indent="-342900">
+              <a:buFont typeface="+mj-lt"/>
+              <a:buAutoNum type="arabicPeriod"/>
+            </a:pPr>
+            <a:endParaRPr lang="en-US" sz="1600" dirty="0" smtClean="0"/>
+          </a:p>
+          <a:p>
+            <a:pPr marL="342900" indent="-342900">
+              <a:buFont typeface="+mj-lt"/>
+              <a:buAutoNum type="arabicPeriod"/>
+            </a:pPr>
+            <a:endParaRPr lang="en-US" sz="1600" dirty="0" smtClean="0"/>
           </a:p>
         </p:txBody>
       </p:sp>
     </p:spTree>
     <p:extLst>
       <p:ext uri="{BB962C8B-B14F-4D97-AF65-F5344CB8AC3E}">
-        <p14:creationId xmlns:p14="http://schemas.microsoft.com/office/powerpoint/2010/main" val="926987596"/>
+        <p14:creationId xmlns:p14="http://schemas.microsoft.com/office/powerpoint/2010/main" val="1158983086"/>
       </p:ext>
     </p:extLst>
   </p:cSld>
@@ -11228,10 +10934,14 @@
           <a:lstStyle/>
           <a:p>
             <a:r>
-              <a:rPr lang="en-US" b="1" dirty="0" smtClean="0"/>
-              <a:t>Phases</a:t>
-            </a:r>
-            <a:endParaRPr lang="en-US" b="1" dirty="0"/>
+              <a:rPr lang="en-US" dirty="0" smtClean="0"/>
+              <a:t>Architecture: API (continued</a:t>
+            </a:r>
+            <a:r>
+              <a:rPr lang="is-IS" dirty="0" smtClean="0"/>
+              <a:t>…)</a:t>
+            </a:r>
+            <a:endParaRPr lang="en-US" dirty="0"/>
           </a:p>
         </p:txBody>
       </p:sp>
@@ -11245,45 +10955,258 @@
             <p:ph idx="1"/>
           </p:nvPr>
         </p:nvSpPr>
-        <p:spPr/>
-        <p:txBody>
-          <a:bodyPr/>
+        <p:spPr>
+          <a:xfrm>
+            <a:off x="1371600" y="1747216"/>
+            <a:ext cx="9529088" cy="3649133"/>
+          </a:xfrm>
+        </p:spPr>
+        <p:txBody>
+          <a:bodyPr>
+            <a:noAutofit/>
+          </a:bodyPr>
           <a:lstStyle/>
           <a:p>
             <a:pPr marL="0" indent="0">
               <a:buNone/>
             </a:pPr>
             <a:r>
+              <a:rPr lang="en-US" sz="1600" dirty="0" smtClean="0"/>
+              <a:t>Since end-user can have different specifications for choice of database and the attributes of the entity, we will have to rely on an ORM that can abstract out details of the entity and allow us to cater all the need.</a:t>
+            </a:r>
+          </a:p>
+          <a:p>
+            <a:pPr marL="0" indent="0">
+              <a:buNone/>
+            </a:pPr>
+            <a:r>
+              <a:rPr lang="en-US" sz="1600" dirty="0" smtClean="0"/>
+              <a:t>The way we plan to implement this is to have a layered modular approach</a:t>
+            </a:r>
+            <a:r>
+              <a:rPr lang="en-US" sz="1600" dirty="0"/>
+              <a:t> </a:t>
+            </a:r>
+            <a:r>
+              <a:rPr lang="en-US" sz="1600" dirty="0" smtClean="0"/>
+              <a:t>as follows: </a:t>
+            </a:r>
+          </a:p>
+          <a:p>
+            <a:pPr marL="0" indent="0">
+              <a:buNone/>
+            </a:pPr>
+            <a:endParaRPr lang="en-US" sz="1600" dirty="0" smtClean="0"/>
+          </a:p>
+          <a:p>
+            <a:pPr marL="0" indent="0">
+              <a:buNone/>
+            </a:pPr>
+            <a:endParaRPr lang="en-US" sz="1600" dirty="0" smtClean="0"/>
+          </a:p>
+          <a:p>
+            <a:pPr marL="0" indent="0">
+              <a:buNone/>
+            </a:pPr>
+            <a:endParaRPr lang="en-US" sz="1600" dirty="0"/>
+          </a:p>
+          <a:p>
+            <a:pPr marL="0" indent="0">
+              <a:buNone/>
+            </a:pPr>
+            <a:r>
+              <a:rPr lang="en-US" sz="1600" dirty="0" smtClean="0"/>
+              <a:t>If say a customer wants to use </a:t>
+            </a:r>
+            <a:r>
+              <a:rPr lang="en-US" sz="1600" dirty="0" err="1" smtClean="0"/>
+              <a:t>Postgresql</a:t>
+            </a:r>
+            <a:r>
+              <a:rPr lang="en-US" sz="1600" dirty="0" smtClean="0"/>
+              <a:t> instead of MySQL, we can rely on libraries like </a:t>
+            </a:r>
+            <a:r>
+              <a:rPr lang="en-US" sz="1600" dirty="0" err="1" smtClean="0"/>
+              <a:t>knex</a:t>
+            </a:r>
+            <a:r>
+              <a:rPr lang="en-US" sz="1600" dirty="0" smtClean="0"/>
+              <a:t> that support both of them. Catering this need would simply require change in ORM module while API uses </a:t>
+            </a:r>
+            <a:r>
+              <a:rPr lang="en-US" sz="1600" dirty="0" err="1" smtClean="0"/>
+              <a:t>knex’s</a:t>
+            </a:r>
+            <a:r>
+              <a:rPr lang="en-US" sz="1600" dirty="0" smtClean="0"/>
+              <a:t> API to query database.</a:t>
+            </a:r>
+          </a:p>
+          <a:p>
+            <a:pPr marL="0" indent="0">
+              <a:buNone/>
+            </a:pPr>
+            <a:r>
+              <a:rPr lang="en-US" sz="1600" dirty="0" smtClean="0"/>
+              <a:t>Now say if a customer wants an altogether different database, for example </a:t>
+            </a:r>
+            <a:r>
+              <a:rPr lang="en-US" sz="1600" dirty="0" err="1" smtClean="0"/>
+              <a:t>MongoDB</a:t>
+            </a:r>
+            <a:r>
+              <a:rPr lang="en-US" sz="1600" dirty="0" smtClean="0"/>
+              <a:t>. In this case, we will have to rely on ORM that supports </a:t>
+            </a:r>
+            <a:r>
+              <a:rPr lang="en-US" sz="1600" dirty="0" err="1" smtClean="0"/>
+              <a:t>MongoDB</a:t>
+            </a:r>
+            <a:r>
+              <a:rPr lang="en-US" sz="1600" dirty="0" smtClean="0"/>
+              <a:t>, like Mongoose. Since the API of Mongoose is very different than </a:t>
+            </a:r>
+            <a:r>
+              <a:rPr lang="en-US" sz="1600" dirty="0" err="1" smtClean="0"/>
+              <a:t>knex</a:t>
+            </a:r>
+            <a:r>
+              <a:rPr lang="en-US" sz="1600" dirty="0" smtClean="0"/>
+              <a:t>, both ORM and API modules will have to be updated.</a:t>
+            </a:r>
+          </a:p>
+          <a:p>
+            <a:pPr marL="0" indent="0">
+              <a:buNone/>
+            </a:pPr>
+            <a:r>
+              <a:rPr lang="en-US" sz="1600" dirty="0" smtClean="0"/>
+              <a:t>Similarly, the more choice and customization we provide, more modules will have to be updated. However, we can plug them from any source, or the end-user can write their own to leverage our generator’s other features, which becomes way better than to build everything from scratch for the end-user.</a:t>
+            </a:r>
+          </a:p>
+          <a:p>
+            <a:pPr marL="0" indent="0">
+              <a:buNone/>
+            </a:pPr>
+            <a:endParaRPr lang="en-US" sz="1600" dirty="0" smtClean="0"/>
+          </a:p>
+        </p:txBody>
+      </p:sp>
+      <p:graphicFrame>
+        <p:nvGraphicFramePr>
+          <p:cNvPr id="4" name="Diagram 3"/>
+          <p:cNvGraphicFramePr/>
+          <p:nvPr>
+            <p:extLst>
+              <p:ext uri="{D42A27DB-BD31-4B8C-83A1-F6EECF244321}">
+                <p14:modId xmlns:p14="http://schemas.microsoft.com/office/powerpoint/2010/main" val="1875335928"/>
+              </p:ext>
+            </p:extLst>
+          </p:nvPr>
+        </p:nvGraphicFramePr>
+        <p:xfrm>
+          <a:off x="2873828" y="2556980"/>
+          <a:ext cx="5922297" cy="1330359"/>
+        </p:xfrm>
+        <a:graphic>
+          <a:graphicData uri="http://schemas.openxmlformats.org/drawingml/2006/diagram">
+            <dgm:relIds xmlns:dgm="http://schemas.openxmlformats.org/drawingml/2006/diagram" xmlns:r="http://schemas.openxmlformats.org/officeDocument/2006/relationships" r:dm="rId2" r:lo="rId3" r:qs="rId4" r:cs="rId5"/>
+          </a:graphicData>
+        </a:graphic>
+      </p:graphicFrame>
+      <p:sp>
+        <p:nvSpPr>
+          <p:cNvPr id="6" name="Rectangle 5"/>
+          <p:cNvSpPr/>
+          <p:nvPr/>
+        </p:nvSpPr>
+        <p:spPr>
+          <a:xfrm>
+            <a:off x="2873828" y="3601002"/>
+            <a:ext cx="2906712" cy="216505"/>
+          </a:xfrm>
+          <a:prstGeom prst="rect">
+            <a:avLst/>
+          </a:prstGeom>
+        </p:spPr>
+        <p:style>
+          <a:lnRef idx="2">
+            <a:schemeClr val="accent1">
+              <a:shade val="50000"/>
+            </a:schemeClr>
+          </a:lnRef>
+          <a:fillRef idx="1">
+            <a:schemeClr val="accent1"/>
+          </a:fillRef>
+          <a:effectRef idx="0">
+            <a:schemeClr val="accent1"/>
+          </a:effectRef>
+          <a:fontRef idx="minor">
+            <a:schemeClr val="lt1"/>
+          </a:fontRef>
+        </p:style>
+        <p:txBody>
+          <a:bodyPr rtlCol="0" anchor="ctr"/>
+          <a:lstStyle/>
+          <a:p>
+            <a:pPr algn="ctr"/>
+            <a:r>
               <a:rPr lang="en-US" dirty="0" smtClean="0"/>
-              <a:t>The development process is split in two phases with several stages in them.</a:t>
-            </a:r>
-          </a:p>
-          <a:p>
-            <a:pPr marL="342900" indent="-342900">
-              <a:buFont typeface="+mj-lt"/>
-              <a:buAutoNum type="arabicPeriod"/>
-            </a:pPr>
+              <a:t>Server</a:t>
+            </a:r>
+            <a:endParaRPr lang="en-US" dirty="0"/>
+          </a:p>
+        </p:txBody>
+      </p:sp>
+      <p:sp>
+        <p:nvSpPr>
+          <p:cNvPr id="7" name="Rectangle 6"/>
+          <p:cNvSpPr/>
+          <p:nvPr/>
+        </p:nvSpPr>
+        <p:spPr>
+          <a:xfrm>
+            <a:off x="5834976" y="3601001"/>
+            <a:ext cx="2906712" cy="216505"/>
+          </a:xfrm>
+          <a:prstGeom prst="rect">
+            <a:avLst/>
+          </a:prstGeom>
+        </p:spPr>
+        <p:style>
+          <a:lnRef idx="2">
+            <a:schemeClr val="accent1">
+              <a:shade val="50000"/>
+            </a:schemeClr>
+          </a:lnRef>
+          <a:fillRef idx="1">
+            <a:schemeClr val="accent1"/>
+          </a:fillRef>
+          <a:effectRef idx="0">
+            <a:schemeClr val="accent1"/>
+          </a:effectRef>
+          <a:fontRef idx="minor">
+            <a:schemeClr val="lt1"/>
+          </a:fontRef>
+        </p:style>
+        <p:txBody>
+          <a:bodyPr rtlCol="0" anchor="ctr"/>
+          <a:lstStyle/>
+          <a:p>
+            <a:pPr algn="ctr"/>
             <a:r>
               <a:rPr lang="en-US" dirty="0" smtClean="0"/>
-              <a:t>App: Develop a skeleton app that can serve the purpose for a generic application. Once it is developed, generator can use code from it and provide it to the end-user with minor changes based on options provided by end-user.</a:t>
-            </a:r>
-          </a:p>
-          <a:p>
-            <a:pPr marL="342900" indent="-342900">
-              <a:buFont typeface="+mj-lt"/>
-              <a:buAutoNum type="arabicPeriod"/>
-            </a:pPr>
-            <a:r>
-              <a:rPr lang="en-US" dirty="0" smtClean="0"/>
-              <a:t>Generator: This phase will parse the options and make necessary changes to the App created in Phase 1 (if any) to meet the needs of the end-user. For each use-case, we will create extra components and slowly support a wide variety of features in a modular way.</a:t>
-            </a:r>
+              <a:t>Client</a:t>
+            </a:r>
+            <a:endParaRPr lang="en-US" dirty="0"/>
           </a:p>
         </p:txBody>
       </p:sp>
     </p:spTree>
     <p:extLst>
       <p:ext uri="{BB962C8B-B14F-4D97-AF65-F5344CB8AC3E}">
-        <p14:creationId xmlns:p14="http://schemas.microsoft.com/office/powerpoint/2010/main" val="682048425"/>
+        <p14:creationId xmlns:p14="http://schemas.microsoft.com/office/powerpoint/2010/main" val="1455252833"/>
       </p:ext>
     </p:extLst>
   </p:cSld>
@@ -11319,6 +11242,34 @@
       </p:grpSpPr>
       <p:sp>
         <p:nvSpPr>
+          <p:cNvPr id="2" name="Title 1"/>
+          <p:cNvSpPr>
+            <a:spLocks noGrp="1"/>
+          </p:cNvSpPr>
+          <p:nvPr>
+            <p:ph type="title"/>
+          </p:nvPr>
+        </p:nvSpPr>
+        <p:spPr/>
+        <p:txBody>
+          <a:bodyPr>
+            <a:normAutofit fontScale="90000"/>
+          </a:bodyPr>
+          <a:lstStyle/>
+          <a:p>
+            <a:r>
+              <a:rPr lang="en-IN" dirty="0" smtClean="0"/>
+              <a:t>A slide showing pictures of app world and 1-2 lines about it :p</a:t>
+            </a:r>
+            <a:br>
+              <a:rPr lang="en-IN" dirty="0" smtClean="0"/>
+            </a:br>
+            <a:endParaRPr lang="en-IN" dirty="0"/>
+          </a:p>
+        </p:txBody>
+      </p:sp>
+      <p:sp>
+        <p:nvSpPr>
           <p:cNvPr id="3" name="Content Placeholder 2"/>
           <p:cNvSpPr>
             <a:spLocks noGrp="1"/>
@@ -11327,6 +11278,1476 @@
             <p:ph idx="1"/>
           </p:nvPr>
         </p:nvSpPr>
+        <p:spPr/>
+        <p:txBody>
+          <a:bodyPr/>
+          <a:lstStyle/>
+          <a:p>
+            <a:endParaRPr lang="en-IN" dirty="0"/>
+          </a:p>
+        </p:txBody>
+      </p:sp>
+    </p:spTree>
+    <p:extLst>
+      <p:ext uri="{BB962C8B-B14F-4D97-AF65-F5344CB8AC3E}">
+        <p14:creationId xmlns:p14="http://schemas.microsoft.com/office/powerpoint/2010/main" val="2043617336"/>
+      </p:ext>
+    </p:extLst>
+  </p:cSld>
+  <p:clrMapOvr>
+    <a:masterClrMapping/>
+  </p:clrMapOvr>
+</p:sld>
+</file>
+
+<file path=ppt/slides/slide20.xml><?xml version="1.0" encoding="utf-8"?>
+<p:sld xmlns:a="http://schemas.openxmlformats.org/drawingml/2006/main" xmlns:r="http://schemas.openxmlformats.org/officeDocument/2006/relationships" xmlns:p="http://schemas.openxmlformats.org/presentationml/2006/main">
+  <p:cSld>
+    <p:spTree>
+      <p:nvGrpSpPr>
+        <p:cNvPr id="1" name=""/>
+        <p:cNvGrpSpPr/>
+        <p:nvPr/>
+      </p:nvGrpSpPr>
+      <p:grpSpPr>
+        <a:xfrm>
+          <a:off x="0" y="0"/>
+          <a:ext cx="0" cy="0"/>
+          <a:chOff x="0" y="0"/>
+          <a:chExt cx="0" cy="0"/>
+        </a:xfrm>
+      </p:grpSpPr>
+      <p:sp>
+        <p:nvSpPr>
+          <p:cNvPr id="2" name="Title 1"/>
+          <p:cNvSpPr>
+            <a:spLocks noGrp="1"/>
+          </p:cNvSpPr>
+          <p:nvPr>
+            <p:ph type="title"/>
+          </p:nvPr>
+        </p:nvSpPr>
+        <p:spPr/>
+        <p:txBody>
+          <a:bodyPr/>
+          <a:lstStyle/>
+          <a:p>
+            <a:r>
+              <a:rPr lang="en-US" dirty="0" smtClean="0"/>
+              <a:t>Architecture: WEBSITE &amp; APP ASSETS</a:t>
+            </a:r>
+            <a:endParaRPr lang="en-US" dirty="0"/>
+          </a:p>
+        </p:txBody>
+      </p:sp>
+      <p:sp>
+        <p:nvSpPr>
+          <p:cNvPr id="3" name="Content Placeholder 2"/>
+          <p:cNvSpPr>
+            <a:spLocks noGrp="1"/>
+          </p:cNvSpPr>
+          <p:nvPr>
+            <p:ph idx="1"/>
+          </p:nvPr>
+        </p:nvSpPr>
+        <p:spPr/>
+        <p:txBody>
+          <a:bodyPr/>
+          <a:lstStyle/>
+          <a:p>
+            <a:r>
+              <a:rPr lang="en-US" dirty="0" smtClean="0"/>
+              <a:t>We rely on a JavaScript library called </a:t>
+            </a:r>
+            <a:r>
+              <a:rPr lang="en-US" dirty="0" err="1" smtClean="0"/>
+              <a:t>ReactJS</a:t>
+            </a:r>
+            <a:r>
+              <a:rPr lang="en-US" dirty="0" smtClean="0"/>
+              <a:t> that uses components to create user interfaces. This helps in developing following modular approach. Further, same components can be used both by mobile application (react-native library is used for the same) and the website, which helps in more code re-usage.</a:t>
+            </a:r>
+          </a:p>
+          <a:p>
+            <a:r>
+              <a:rPr lang="en-US" dirty="0" smtClean="0"/>
+              <a:t>Since the components can be simply replaced by any other component that performs the same function but with different layout/style/approach, we can allow user to choose from a variety of component replacements and truly customize entire application, layout by layout. </a:t>
+            </a:r>
+          </a:p>
+          <a:p>
+            <a:r>
+              <a:rPr lang="en-US" dirty="0" smtClean="0"/>
+              <a:t>The component approach also allows contributors to write pluggable components that can extend the functionality of the app. This might require minor code changes (5-10 lines of code), but acts as highly powerful feature.</a:t>
+            </a:r>
+          </a:p>
+          <a:p>
+            <a:endParaRPr lang="en-US" dirty="0"/>
+          </a:p>
+        </p:txBody>
+      </p:sp>
+    </p:spTree>
+    <p:extLst>
+      <p:ext uri="{BB962C8B-B14F-4D97-AF65-F5344CB8AC3E}">
+        <p14:creationId xmlns:p14="http://schemas.microsoft.com/office/powerpoint/2010/main" val="1865095027"/>
+      </p:ext>
+    </p:extLst>
+  </p:cSld>
+  <p:clrMapOvr>
+    <a:masterClrMapping/>
+  </p:clrMapOvr>
+  <p:timing>
+    <p:tnLst>
+      <p:par>
+        <p:cTn id="1" dur="indefinite" restart="never" nodeType="tmRoot"/>
+      </p:par>
+    </p:tnLst>
+  </p:timing>
+</p:sld>
+</file>
+
+<file path=ppt/slides/slide21.xml><?xml version="1.0" encoding="utf-8"?>
+<p:sld xmlns:a="http://schemas.openxmlformats.org/drawingml/2006/main" xmlns:r="http://schemas.openxmlformats.org/officeDocument/2006/relationships" xmlns:p="http://schemas.openxmlformats.org/presentationml/2006/main">
+  <p:cSld>
+    <p:spTree>
+      <p:nvGrpSpPr>
+        <p:cNvPr id="1" name=""/>
+        <p:cNvGrpSpPr/>
+        <p:nvPr/>
+      </p:nvGrpSpPr>
+      <p:grpSpPr>
+        <a:xfrm>
+          <a:off x="0" y="0"/>
+          <a:ext cx="0" cy="0"/>
+          <a:chOff x="0" y="0"/>
+          <a:chExt cx="0" cy="0"/>
+        </a:xfrm>
+      </p:grpSpPr>
+      <p:sp>
+        <p:nvSpPr>
+          <p:cNvPr id="2" name="Title 1"/>
+          <p:cNvSpPr>
+            <a:spLocks noGrp="1"/>
+          </p:cNvSpPr>
+          <p:nvPr>
+            <p:ph type="title"/>
+          </p:nvPr>
+        </p:nvSpPr>
+        <p:spPr/>
+        <p:txBody>
+          <a:bodyPr/>
+          <a:lstStyle/>
+          <a:p>
+            <a:r>
+              <a:rPr lang="en-US" b="1" dirty="0" smtClean="0"/>
+              <a:t>Generator</a:t>
+            </a:r>
+            <a:endParaRPr lang="en-US" b="1" dirty="0"/>
+          </a:p>
+        </p:txBody>
+      </p:sp>
+      <p:sp>
+        <p:nvSpPr>
+          <p:cNvPr id="4" name="Oval 3"/>
+          <p:cNvSpPr/>
+          <p:nvPr/>
+        </p:nvSpPr>
+        <p:spPr>
+          <a:xfrm>
+            <a:off x="3408705" y="2800596"/>
+            <a:ext cx="1941534" cy="1816274"/>
+          </a:xfrm>
+          <a:prstGeom prst="ellipse">
+            <a:avLst/>
+          </a:prstGeom>
+        </p:spPr>
+        <p:style>
+          <a:lnRef idx="2">
+            <a:schemeClr val="accent1">
+              <a:shade val="50000"/>
+            </a:schemeClr>
+          </a:lnRef>
+          <a:fillRef idx="1">
+            <a:schemeClr val="accent1"/>
+          </a:fillRef>
+          <a:effectRef idx="0">
+            <a:schemeClr val="accent1"/>
+          </a:effectRef>
+          <a:fontRef idx="minor">
+            <a:schemeClr val="lt1"/>
+          </a:fontRef>
+        </p:style>
+        <p:txBody>
+          <a:bodyPr rtlCol="0" anchor="ctr"/>
+          <a:lstStyle/>
+          <a:p>
+            <a:pPr algn="ctr"/>
+            <a:r>
+              <a:rPr lang="en-US" smtClean="0"/>
+              <a:t>MVP GENERATOR</a:t>
+            </a:r>
+            <a:endParaRPr lang="en-US"/>
+          </a:p>
+        </p:txBody>
+      </p:sp>
+      <p:sp>
+        <p:nvSpPr>
+          <p:cNvPr id="5" name="Rectangle 4"/>
+          <p:cNvSpPr/>
+          <p:nvPr/>
+        </p:nvSpPr>
+        <p:spPr>
+          <a:xfrm>
+            <a:off x="8165899" y="3645522"/>
+            <a:ext cx="1791222" cy="475989"/>
+          </a:xfrm>
+          <a:prstGeom prst="rect">
+            <a:avLst/>
+          </a:prstGeom>
+        </p:spPr>
+        <p:style>
+          <a:lnRef idx="2">
+            <a:schemeClr val="accent1">
+              <a:shade val="50000"/>
+            </a:schemeClr>
+          </a:lnRef>
+          <a:fillRef idx="1">
+            <a:schemeClr val="accent1"/>
+          </a:fillRef>
+          <a:effectRef idx="0">
+            <a:schemeClr val="accent1"/>
+          </a:effectRef>
+          <a:fontRef idx="minor">
+            <a:schemeClr val="lt1"/>
+          </a:fontRef>
+        </p:style>
+        <p:txBody>
+          <a:bodyPr rtlCol="0" anchor="ctr"/>
+          <a:lstStyle/>
+          <a:p>
+            <a:pPr algn="ctr"/>
+            <a:r>
+              <a:rPr lang="en-US" smtClean="0"/>
+              <a:t>End-User</a:t>
+            </a:r>
+            <a:endParaRPr lang="en-US"/>
+          </a:p>
+        </p:txBody>
+      </p:sp>
+      <p:cxnSp>
+        <p:nvCxnSpPr>
+          <p:cNvPr id="7" name="Curved Connector 6"/>
+          <p:cNvCxnSpPr>
+            <a:stCxn id="5" idx="0"/>
+            <a:endCxn id="4" idx="0"/>
+          </p:cNvCxnSpPr>
+          <p:nvPr/>
+        </p:nvCxnSpPr>
+        <p:spPr>
+          <a:xfrm rot="16200000" flipV="1">
+            <a:off x="6298028" y="882040"/>
+            <a:ext cx="844926" cy="4682038"/>
+          </a:xfrm>
+          <a:prstGeom prst="curvedConnector3">
+            <a:avLst>
+              <a:gd name="adj1" fmla="val 127056"/>
+            </a:avLst>
+          </a:prstGeom>
+          <a:ln>
+            <a:tailEnd type="triangle"/>
+          </a:ln>
+        </p:spPr>
+        <p:style>
+          <a:lnRef idx="1">
+            <a:schemeClr val="accent1"/>
+          </a:lnRef>
+          <a:fillRef idx="0">
+            <a:schemeClr val="accent1"/>
+          </a:fillRef>
+          <a:effectRef idx="0">
+            <a:schemeClr val="accent1"/>
+          </a:effectRef>
+          <a:fontRef idx="minor">
+            <a:schemeClr val="tx1"/>
+          </a:fontRef>
+        </p:style>
+      </p:cxnSp>
+      <p:sp>
+        <p:nvSpPr>
+          <p:cNvPr id="9" name="TextBox 8"/>
+          <p:cNvSpPr txBox="1"/>
+          <p:nvPr/>
+        </p:nvSpPr>
+        <p:spPr>
+          <a:xfrm>
+            <a:off x="5829797" y="2231108"/>
+            <a:ext cx="890693" cy="369332"/>
+          </a:xfrm>
+          <a:prstGeom prst="rect">
+            <a:avLst/>
+          </a:prstGeom>
+          <a:noFill/>
+        </p:spPr>
+        <p:txBody>
+          <a:bodyPr wrap="none" rtlCol="0">
+            <a:spAutoFit/>
+          </a:bodyPr>
+          <a:lstStyle/>
+          <a:p>
+            <a:r>
+              <a:rPr lang="en-US" dirty="0" smtClean="0"/>
+              <a:t>options</a:t>
+            </a:r>
+            <a:endParaRPr lang="en-US" dirty="0"/>
+          </a:p>
+        </p:txBody>
+      </p:sp>
+      <p:cxnSp>
+        <p:nvCxnSpPr>
+          <p:cNvPr id="13" name="Curved Connector 12"/>
+          <p:cNvCxnSpPr>
+            <a:stCxn id="4" idx="4"/>
+            <a:endCxn id="5" idx="2"/>
+          </p:cNvCxnSpPr>
+          <p:nvPr/>
+        </p:nvCxnSpPr>
+        <p:spPr>
+          <a:xfrm rot="5400000" flipH="1" flipV="1">
+            <a:off x="6472811" y="2028172"/>
+            <a:ext cx="495359" cy="4682038"/>
+          </a:xfrm>
+          <a:prstGeom prst="curvedConnector3">
+            <a:avLst>
+              <a:gd name="adj1" fmla="val -46148"/>
+            </a:avLst>
+          </a:prstGeom>
+          <a:ln>
+            <a:tailEnd type="triangle"/>
+          </a:ln>
+        </p:spPr>
+        <p:style>
+          <a:lnRef idx="1">
+            <a:schemeClr val="accent1"/>
+          </a:lnRef>
+          <a:fillRef idx="0">
+            <a:schemeClr val="accent1"/>
+          </a:fillRef>
+          <a:effectRef idx="0">
+            <a:schemeClr val="accent1"/>
+          </a:effectRef>
+          <a:fontRef idx="minor">
+            <a:schemeClr val="tx1"/>
+          </a:fontRef>
+        </p:style>
+      </p:cxnSp>
+      <p:sp>
+        <p:nvSpPr>
+          <p:cNvPr id="28" name="TextBox 27"/>
+          <p:cNvSpPr txBox="1"/>
+          <p:nvPr/>
+        </p:nvSpPr>
+        <p:spPr>
+          <a:xfrm>
+            <a:off x="5607301" y="4897913"/>
+            <a:ext cx="1829988" cy="369332"/>
+          </a:xfrm>
+          <a:prstGeom prst="rect">
+            <a:avLst/>
+          </a:prstGeom>
+          <a:noFill/>
+        </p:spPr>
+        <p:txBody>
+          <a:bodyPr wrap="none" rtlCol="0">
+            <a:spAutoFit/>
+          </a:bodyPr>
+          <a:lstStyle/>
+          <a:p>
+            <a:r>
+              <a:rPr lang="en-US" smtClean="0"/>
+              <a:t>Entire application</a:t>
+            </a:r>
+            <a:endParaRPr lang="en-US"/>
+          </a:p>
+        </p:txBody>
+      </p:sp>
+    </p:spTree>
+    <p:extLst>
+      <p:ext uri="{BB962C8B-B14F-4D97-AF65-F5344CB8AC3E}">
+        <p14:creationId xmlns:p14="http://schemas.microsoft.com/office/powerpoint/2010/main" val="926987596"/>
+      </p:ext>
+    </p:extLst>
+  </p:cSld>
+  <p:clrMapOvr>
+    <a:masterClrMapping/>
+  </p:clrMapOvr>
+  <p:timing>
+    <p:tnLst>
+      <p:par>
+        <p:cTn id="1" dur="indefinite" restart="never" nodeType="tmRoot"/>
+      </p:par>
+    </p:tnLst>
+  </p:timing>
+</p:sld>
+</file>
+
+<file path=ppt/slides/slide22.xml><?xml version="1.0" encoding="utf-8"?>
+<p:sld xmlns:a="http://schemas.openxmlformats.org/drawingml/2006/main" xmlns:r="http://schemas.openxmlformats.org/officeDocument/2006/relationships" xmlns:p="http://schemas.openxmlformats.org/presentationml/2006/main">
+  <p:cSld>
+    <p:spTree>
+      <p:nvGrpSpPr>
+        <p:cNvPr id="1" name=""/>
+        <p:cNvGrpSpPr/>
+        <p:nvPr/>
+      </p:nvGrpSpPr>
+      <p:grpSpPr>
+        <a:xfrm>
+          <a:off x="0" y="0"/>
+          <a:ext cx="0" cy="0"/>
+          <a:chOff x="0" y="0"/>
+          <a:chExt cx="0" cy="0"/>
+        </a:xfrm>
+      </p:grpSpPr>
+      <p:sp>
+        <p:nvSpPr>
+          <p:cNvPr id="2" name="Title 1"/>
+          <p:cNvSpPr>
+            <a:spLocks noGrp="1"/>
+          </p:cNvSpPr>
+          <p:nvPr>
+            <p:ph type="title"/>
+          </p:nvPr>
+        </p:nvSpPr>
+        <p:spPr/>
+        <p:txBody>
+          <a:bodyPr/>
+          <a:lstStyle/>
+          <a:p>
+            <a:r>
+              <a:rPr lang="en-US" b="1" dirty="0" smtClean="0"/>
+              <a:t>Phases</a:t>
+            </a:r>
+            <a:endParaRPr lang="en-US" b="1" dirty="0"/>
+          </a:p>
+        </p:txBody>
+      </p:sp>
+      <p:sp>
+        <p:nvSpPr>
+          <p:cNvPr id="3" name="Content Placeholder 2"/>
+          <p:cNvSpPr>
+            <a:spLocks noGrp="1"/>
+          </p:cNvSpPr>
+          <p:nvPr>
+            <p:ph idx="1"/>
+          </p:nvPr>
+        </p:nvSpPr>
+        <p:spPr/>
+        <p:txBody>
+          <a:bodyPr/>
+          <a:lstStyle/>
+          <a:p>
+            <a:pPr marL="0" indent="0">
+              <a:buNone/>
+            </a:pPr>
+            <a:r>
+              <a:rPr lang="en-US" dirty="0" smtClean="0"/>
+              <a:t>The development process is split in two phases with several stages in them.</a:t>
+            </a:r>
+          </a:p>
+          <a:p>
+            <a:pPr marL="342900" indent="-342900">
+              <a:buFont typeface="+mj-lt"/>
+              <a:buAutoNum type="arabicPeriod"/>
+            </a:pPr>
+            <a:r>
+              <a:rPr lang="en-US" dirty="0" smtClean="0"/>
+              <a:t>App: Develop a skeleton app that can serve the purpose for a generic application. Once it is developed, generator can use code from it and provide it to the end-user with minor changes based on options provided by end-user.</a:t>
+            </a:r>
+          </a:p>
+          <a:p>
+            <a:pPr marL="342900" indent="-342900">
+              <a:buFont typeface="+mj-lt"/>
+              <a:buAutoNum type="arabicPeriod"/>
+            </a:pPr>
+            <a:r>
+              <a:rPr lang="en-US" dirty="0" smtClean="0"/>
+              <a:t>Generator: This phase will parse the options and make necessary changes to the App created in Phase 1 (if any) to meet the needs of the end-user. For each use-case, we will create extra components and slowly support a wide variety of features in a modular way.</a:t>
+            </a:r>
+          </a:p>
+        </p:txBody>
+      </p:sp>
+    </p:spTree>
+    <p:extLst>
+      <p:ext uri="{BB962C8B-B14F-4D97-AF65-F5344CB8AC3E}">
+        <p14:creationId xmlns:p14="http://schemas.microsoft.com/office/powerpoint/2010/main" val="682048425"/>
+      </p:ext>
+    </p:extLst>
+  </p:cSld>
+  <p:clrMapOvr>
+    <a:masterClrMapping/>
+  </p:clrMapOvr>
+  <p:timing>
+    <p:tnLst>
+      <p:par>
+        <p:cTn id="1" dur="indefinite" restart="never" nodeType="tmRoot"/>
+      </p:par>
+    </p:tnLst>
+  </p:timing>
+</p:sld>
+</file>
+
+<file path=ppt/slides/slide23.xml><?xml version="1.0" encoding="utf-8"?>
+<p:sld xmlns:a="http://schemas.openxmlformats.org/drawingml/2006/main" xmlns:r="http://schemas.openxmlformats.org/officeDocument/2006/relationships" xmlns:p="http://schemas.openxmlformats.org/presentationml/2006/main">
+  <p:cSld>
+    <p:spTree>
+      <p:nvGrpSpPr>
+        <p:cNvPr id="1" name=""/>
+        <p:cNvGrpSpPr/>
+        <p:nvPr/>
+      </p:nvGrpSpPr>
+      <p:grpSpPr>
+        <a:xfrm>
+          <a:off x="0" y="0"/>
+          <a:ext cx="0" cy="0"/>
+          <a:chOff x="0" y="0"/>
+          <a:chExt cx="0" cy="0"/>
+        </a:xfrm>
+      </p:grpSpPr>
+      <p:sp>
+        <p:nvSpPr>
+          <p:cNvPr id="2" name="Title 1"/>
+          <p:cNvSpPr>
+            <a:spLocks noGrp="1"/>
+          </p:cNvSpPr>
+          <p:nvPr>
+            <p:ph type="title"/>
+          </p:nvPr>
+        </p:nvSpPr>
+        <p:spPr/>
+        <p:txBody>
+          <a:bodyPr/>
+          <a:lstStyle/>
+          <a:p>
+            <a:r>
+              <a:rPr lang="en-US" b="1" dirty="0" smtClean="0"/>
+              <a:t>Phase 1 (App): stages</a:t>
+            </a:r>
+            <a:endParaRPr lang="en-US" b="1" dirty="0"/>
+          </a:p>
+        </p:txBody>
+      </p:sp>
+      <p:sp>
+        <p:nvSpPr>
+          <p:cNvPr id="3" name="Content Placeholder 2"/>
+          <p:cNvSpPr>
+            <a:spLocks noGrp="1"/>
+          </p:cNvSpPr>
+          <p:nvPr>
+            <p:ph idx="1"/>
+          </p:nvPr>
+        </p:nvSpPr>
+        <p:spPr/>
+        <p:txBody>
+          <a:bodyPr>
+            <a:normAutofit fontScale="85000" lnSpcReduction="10000"/>
+          </a:bodyPr>
+          <a:lstStyle/>
+          <a:p>
+            <a:pPr marL="342900" indent="-342900">
+              <a:buFont typeface="+mj-lt"/>
+              <a:buAutoNum type="arabicPeriod"/>
+            </a:pPr>
+            <a:endParaRPr lang="en-US" dirty="0" smtClean="0"/>
+          </a:p>
+          <a:p>
+            <a:pPr marL="342900" indent="-342900">
+              <a:buFont typeface="+mj-lt"/>
+              <a:buAutoNum type="arabicPeriod"/>
+            </a:pPr>
+            <a:endParaRPr lang="en-US" dirty="0"/>
+          </a:p>
+          <a:p>
+            <a:pPr marL="342900" indent="-342900">
+              <a:buFont typeface="+mj-lt"/>
+              <a:buAutoNum type="arabicPeriod"/>
+            </a:pPr>
+            <a:r>
+              <a:rPr lang="en-US" dirty="0"/>
+              <a:t>Use a configuration file that has metadata like name of application, name of entity etc. This file will allow generator to simply update the configuration file and modify entire application</a:t>
+            </a:r>
+            <a:r>
+              <a:rPr lang="en-US" dirty="0" smtClean="0"/>
+              <a:t>.</a:t>
+            </a:r>
+          </a:p>
+          <a:p>
+            <a:pPr marL="342900" indent="-342900">
+              <a:buFont typeface="+mj-lt"/>
+              <a:buAutoNum type="arabicPeriod"/>
+            </a:pPr>
+            <a:r>
+              <a:rPr lang="en-US" dirty="0" smtClean="0"/>
+              <a:t>Develop </a:t>
+            </a:r>
+            <a:r>
+              <a:rPr lang="en-US" dirty="0"/>
+              <a:t>a static server that provides dummy data for the </a:t>
+            </a:r>
+            <a:r>
+              <a:rPr lang="en-US" dirty="0" smtClean="0"/>
+              <a:t>website.</a:t>
+            </a:r>
+          </a:p>
+          <a:p>
+            <a:pPr marL="342900" indent="-342900">
+              <a:buFont typeface="+mj-lt"/>
+              <a:buAutoNum type="arabicPeriod"/>
+            </a:pPr>
+            <a:r>
+              <a:rPr lang="en-US" dirty="0" smtClean="0"/>
+              <a:t>Create </a:t>
+            </a:r>
+            <a:r>
+              <a:rPr lang="en-US" dirty="0"/>
+              <a:t>website using React </a:t>
+            </a:r>
+            <a:r>
+              <a:rPr lang="en-US" dirty="0" smtClean="0"/>
+              <a:t>Components.</a:t>
+            </a:r>
+          </a:p>
+          <a:p>
+            <a:pPr marL="342900" indent="-342900">
+              <a:buFont typeface="+mj-lt"/>
+              <a:buAutoNum type="arabicPeriod"/>
+            </a:pPr>
+            <a:r>
+              <a:rPr lang="en-US" dirty="0" smtClean="0"/>
+              <a:t>Create </a:t>
+            </a:r>
+            <a:r>
+              <a:rPr lang="en-US" dirty="0"/>
+              <a:t>iOS and Android apps using </a:t>
+            </a:r>
+            <a:r>
+              <a:rPr lang="en-US" dirty="0" smtClean="0"/>
+              <a:t>React-Native. Reuse as many components as we can from stage 2.</a:t>
+            </a:r>
+          </a:p>
+          <a:p>
+            <a:pPr marL="342900" indent="-342900">
+              <a:buFont typeface="+mj-lt"/>
+              <a:buAutoNum type="arabicPeriod"/>
+            </a:pPr>
+            <a:r>
+              <a:rPr lang="en-US" dirty="0" smtClean="0"/>
+              <a:t>Create authentication </a:t>
+            </a:r>
+            <a:r>
+              <a:rPr lang="en-US" dirty="0"/>
+              <a:t>system (both with and without </a:t>
+            </a:r>
+            <a:r>
+              <a:rPr lang="en-US" dirty="0" smtClean="0"/>
+              <a:t>sessions) and a real database.</a:t>
+            </a:r>
+          </a:p>
+          <a:p>
+            <a:pPr marL="342900" indent="-342900">
+              <a:buFont typeface="+mj-lt"/>
+              <a:buAutoNum type="arabicPeriod"/>
+            </a:pPr>
+            <a:r>
+              <a:rPr lang="en-US" dirty="0" smtClean="0"/>
+              <a:t>Create </a:t>
+            </a:r>
+            <a:r>
+              <a:rPr lang="en-US" dirty="0"/>
+              <a:t>different visual styles </a:t>
+            </a:r>
+            <a:r>
+              <a:rPr lang="en-US" dirty="0" smtClean="0"/>
+              <a:t>and templates for customization</a:t>
+            </a:r>
+            <a:r>
+              <a:rPr lang="en-US" dirty="0"/>
+              <a:t> </a:t>
+            </a:r>
+            <a:r>
+              <a:rPr lang="en-US" dirty="0" smtClean="0"/>
+              <a:t>options until </a:t>
+            </a:r>
+            <a:r>
+              <a:rPr lang="en-US" dirty="0"/>
+              <a:t>we can create apps that were mentioned in case study.</a:t>
+            </a:r>
+          </a:p>
+        </p:txBody>
+      </p:sp>
+    </p:spTree>
+    <p:extLst>
+      <p:ext uri="{BB962C8B-B14F-4D97-AF65-F5344CB8AC3E}">
+        <p14:creationId xmlns:p14="http://schemas.microsoft.com/office/powerpoint/2010/main" val="60308425"/>
+      </p:ext>
+    </p:extLst>
+  </p:cSld>
+  <p:clrMapOvr>
+    <a:masterClrMapping/>
+  </p:clrMapOvr>
+  <p:timing>
+    <p:tnLst>
+      <p:par>
+        <p:cTn id="1" dur="indefinite" restart="never" nodeType="tmRoot"/>
+      </p:par>
+    </p:tnLst>
+  </p:timing>
+</p:sld>
+</file>
+
+<file path=ppt/slides/slide24.xml><?xml version="1.0" encoding="utf-8"?>
+<p:sld xmlns:a="http://schemas.openxmlformats.org/drawingml/2006/main" xmlns:r="http://schemas.openxmlformats.org/officeDocument/2006/relationships" xmlns:p="http://schemas.openxmlformats.org/presentationml/2006/main">
+  <p:cSld>
+    <p:spTree>
+      <p:nvGrpSpPr>
+        <p:cNvPr id="1" name=""/>
+        <p:cNvGrpSpPr/>
+        <p:nvPr/>
+      </p:nvGrpSpPr>
+      <p:grpSpPr>
+        <a:xfrm>
+          <a:off x="0" y="0"/>
+          <a:ext cx="0" cy="0"/>
+          <a:chOff x="0" y="0"/>
+          <a:chExt cx="0" cy="0"/>
+        </a:xfrm>
+      </p:grpSpPr>
+      <p:sp>
+        <p:nvSpPr>
+          <p:cNvPr id="2" name="Title 1"/>
+          <p:cNvSpPr>
+            <a:spLocks noGrp="1"/>
+          </p:cNvSpPr>
+          <p:nvPr>
+            <p:ph type="title"/>
+          </p:nvPr>
+        </p:nvSpPr>
+        <p:spPr/>
+        <p:txBody>
+          <a:bodyPr/>
+          <a:lstStyle/>
+          <a:p>
+            <a:r>
+              <a:rPr lang="en-US" b="1" dirty="0" smtClean="0"/>
+              <a:t>Phase 2 (Generator): Stages</a:t>
+            </a:r>
+            <a:endParaRPr lang="en-US" b="1" dirty="0"/>
+          </a:p>
+        </p:txBody>
+      </p:sp>
+      <p:sp>
+        <p:nvSpPr>
+          <p:cNvPr id="3" name="Content Placeholder 2"/>
+          <p:cNvSpPr>
+            <a:spLocks noGrp="1"/>
+          </p:cNvSpPr>
+          <p:nvPr>
+            <p:ph idx="1"/>
+          </p:nvPr>
+        </p:nvSpPr>
+        <p:spPr/>
+        <p:txBody>
+          <a:bodyPr>
+            <a:normAutofit lnSpcReduction="10000"/>
+          </a:bodyPr>
+          <a:lstStyle/>
+          <a:p>
+            <a:pPr marL="342900" indent="-342900">
+              <a:buFont typeface="+mj-lt"/>
+              <a:buAutoNum type="arabicPeriod"/>
+            </a:pPr>
+            <a:endParaRPr lang="en-US" dirty="0" smtClean="0"/>
+          </a:p>
+          <a:p>
+            <a:pPr marL="342900" indent="-342900">
+              <a:buFont typeface="+mj-lt"/>
+              <a:buAutoNum type="arabicPeriod"/>
+            </a:pPr>
+            <a:r>
+              <a:rPr lang="en-US" dirty="0" smtClean="0"/>
+              <a:t>Create a basic generator that simply takes the options and performs static transformations like name of application, name of entity, theme choices, component replacements.</a:t>
+            </a:r>
+          </a:p>
+          <a:p>
+            <a:pPr marL="342900" indent="-342900">
+              <a:buFont typeface="+mj-lt"/>
+              <a:buAutoNum type="arabicPeriod"/>
+            </a:pPr>
+            <a:r>
+              <a:rPr lang="en-US" dirty="0" smtClean="0"/>
+              <a:t>Create </a:t>
+            </a:r>
+            <a:r>
+              <a:rPr lang="en-US" dirty="0"/>
+              <a:t>an engine to generate schema migrations using </a:t>
+            </a:r>
+            <a:r>
+              <a:rPr lang="en-US" dirty="0" err="1"/>
+              <a:t>knex</a:t>
+            </a:r>
+            <a:r>
+              <a:rPr lang="en-US" dirty="0"/>
+              <a:t> based on the given </a:t>
+            </a:r>
+            <a:r>
+              <a:rPr lang="en-US" dirty="0" smtClean="0"/>
+              <a:t>options.</a:t>
+            </a:r>
+          </a:p>
+          <a:p>
+            <a:pPr marL="342900" indent="-342900">
+              <a:buFont typeface="+mj-lt"/>
+              <a:buAutoNum type="arabicPeriod"/>
+            </a:pPr>
+            <a:r>
+              <a:rPr lang="en-US" dirty="0" smtClean="0"/>
+              <a:t>Use above schema to transform CRUD APIs.</a:t>
+            </a:r>
+          </a:p>
+          <a:p>
+            <a:pPr marL="342900" indent="-342900">
+              <a:buFont typeface="+mj-lt"/>
+              <a:buAutoNum type="arabicPeriod"/>
+            </a:pPr>
+            <a:r>
+              <a:rPr lang="en-US" dirty="0" smtClean="0"/>
+              <a:t>Modify user interface components to consume above APIs.</a:t>
+            </a:r>
+          </a:p>
+          <a:p>
+            <a:pPr marL="342900" indent="-342900">
+              <a:buFont typeface="+mj-lt"/>
+              <a:buAutoNum type="arabicPeriod"/>
+            </a:pPr>
+            <a:r>
+              <a:rPr lang="en-US" dirty="0" smtClean="0"/>
+              <a:t>Add new modules that can implement a given feature until we can create apps that were mentioned in case study.</a:t>
+            </a:r>
+          </a:p>
+        </p:txBody>
+      </p:sp>
+    </p:spTree>
+    <p:extLst>
+      <p:ext uri="{BB962C8B-B14F-4D97-AF65-F5344CB8AC3E}">
+        <p14:creationId xmlns:p14="http://schemas.microsoft.com/office/powerpoint/2010/main" val="232103654"/>
+      </p:ext>
+    </p:extLst>
+  </p:cSld>
+  <p:clrMapOvr>
+    <a:masterClrMapping/>
+  </p:clrMapOvr>
+  <p:timing>
+    <p:tnLst>
+      <p:par>
+        <p:cTn id="1" dur="indefinite" restart="never" nodeType="tmRoot"/>
+      </p:par>
+    </p:tnLst>
+  </p:timing>
+</p:sld>
+</file>
+
+<file path=ppt/slides/slide25.xml><?xml version="1.0" encoding="utf-8"?>
+<p:sld xmlns:a="http://schemas.openxmlformats.org/drawingml/2006/main" xmlns:r="http://schemas.openxmlformats.org/officeDocument/2006/relationships" xmlns:p="http://schemas.openxmlformats.org/presentationml/2006/main">
+  <p:cSld>
+    <p:spTree>
+      <p:nvGrpSpPr>
+        <p:cNvPr id="1" name=""/>
+        <p:cNvGrpSpPr/>
+        <p:nvPr/>
+      </p:nvGrpSpPr>
+      <p:grpSpPr>
+        <a:xfrm>
+          <a:off x="0" y="0"/>
+          <a:ext cx="0" cy="0"/>
+          <a:chOff x="0" y="0"/>
+          <a:chExt cx="0" cy="0"/>
+        </a:xfrm>
+      </p:grpSpPr>
+      <p:sp>
+        <p:nvSpPr>
+          <p:cNvPr id="2" name="Title 1"/>
+          <p:cNvSpPr>
+            <a:spLocks noGrp="1"/>
+          </p:cNvSpPr>
+          <p:nvPr>
+            <p:ph type="title"/>
+          </p:nvPr>
+        </p:nvSpPr>
+        <p:spPr/>
+        <p:txBody>
+          <a:bodyPr/>
+          <a:lstStyle/>
+          <a:p>
+            <a:r>
+              <a:rPr lang="en-US" b="1" dirty="0" smtClean="0"/>
+              <a:t>Current status</a:t>
+            </a:r>
+            <a:endParaRPr lang="en-US" b="1" dirty="0"/>
+          </a:p>
+        </p:txBody>
+      </p:sp>
+      <p:sp>
+        <p:nvSpPr>
+          <p:cNvPr id="3" name="Content Placeholder 2"/>
+          <p:cNvSpPr>
+            <a:spLocks noGrp="1"/>
+          </p:cNvSpPr>
+          <p:nvPr>
+            <p:ph idx="1"/>
+          </p:nvPr>
+        </p:nvSpPr>
+        <p:spPr>
+          <a:xfrm>
+            <a:off x="1371600" y="2547181"/>
+            <a:ext cx="9445625" cy="3649133"/>
+          </a:xfrm>
+        </p:spPr>
+        <p:txBody>
+          <a:bodyPr>
+            <a:noAutofit/>
+          </a:bodyPr>
+          <a:lstStyle/>
+          <a:p>
+            <a:r>
+              <a:rPr lang="en-US" sz="1600" dirty="0" smtClean="0"/>
+              <a:t>After learning the technologies like </a:t>
+            </a:r>
+            <a:r>
+              <a:rPr lang="en-US" sz="1600" dirty="0" err="1" smtClean="0"/>
+              <a:t>NodeJS</a:t>
+            </a:r>
+            <a:r>
+              <a:rPr lang="en-US" sz="1600" dirty="0" smtClean="0"/>
+              <a:t>, </a:t>
+            </a:r>
+            <a:r>
+              <a:rPr lang="en-US" sz="1600" dirty="0" err="1" smtClean="0"/>
+              <a:t>ReactJS</a:t>
+            </a:r>
+            <a:r>
+              <a:rPr lang="en-US" sz="1600" dirty="0" smtClean="0"/>
+              <a:t>, </a:t>
+            </a:r>
+            <a:r>
+              <a:rPr lang="en-US" sz="1600" dirty="0" err="1" smtClean="0"/>
+              <a:t>ReactNative</a:t>
+            </a:r>
+            <a:r>
+              <a:rPr lang="en-US" sz="1600" dirty="0" smtClean="0"/>
+              <a:t> in the month of January, we started with the development in late January.</a:t>
+            </a:r>
+          </a:p>
+          <a:p>
+            <a:r>
+              <a:rPr lang="en-US" sz="1600" dirty="0" smtClean="0"/>
+              <a:t>So far we have achieved ~40% of the goals of the phase 1, i.e. nearly completed stage 1-3 out of 6 of phase 1.</a:t>
+            </a:r>
+          </a:p>
+          <a:p>
+            <a:r>
+              <a:rPr lang="en-US" sz="1600" dirty="0" smtClean="0"/>
+              <a:t>Side by side, work on generator has been started and right now we are working on the stage 1 of phase 2.</a:t>
+            </a:r>
+          </a:p>
+          <a:p>
+            <a:r>
+              <a:rPr lang="en-US" sz="1600" dirty="0" smtClean="0"/>
+              <a:t>We are using </a:t>
+            </a:r>
+            <a:r>
+              <a:rPr lang="en-US" sz="1600" dirty="0" err="1" smtClean="0"/>
+              <a:t>GitHub</a:t>
+            </a:r>
+            <a:r>
+              <a:rPr lang="en-US" sz="1600" dirty="0" smtClean="0"/>
+              <a:t> for version controlling and working together remotely.</a:t>
+            </a:r>
+          </a:p>
+          <a:p>
+            <a:endParaRPr lang="en-US" sz="1600" dirty="0" smtClean="0"/>
+          </a:p>
+          <a:p>
+            <a:endParaRPr lang="en-US" sz="1600" dirty="0" smtClean="0"/>
+          </a:p>
+          <a:p>
+            <a:endParaRPr lang="en-US" sz="1600" dirty="0"/>
+          </a:p>
+          <a:p>
+            <a:pPr marL="0" indent="0">
+              <a:buNone/>
+            </a:pPr>
+            <a:endParaRPr lang="en-US" sz="1600" dirty="0"/>
+          </a:p>
+          <a:p>
+            <a:r>
+              <a:rPr lang="en-US" sz="1600" dirty="0" smtClean="0"/>
+              <a:t>Seeing the progress, we believe that by end of March we will have a basic generator ready that can mimic </a:t>
+            </a:r>
+            <a:r>
+              <a:rPr lang="en-US" sz="1600" dirty="0" err="1" smtClean="0"/>
+              <a:t>Zomato</a:t>
+            </a:r>
+            <a:r>
+              <a:rPr lang="en-US" sz="1600" dirty="0"/>
+              <a:t> </a:t>
+            </a:r>
+            <a:r>
+              <a:rPr lang="en-US" sz="1600" dirty="0" smtClean="0"/>
+              <a:t>in functionality and partially in aesthetics.</a:t>
+            </a:r>
+          </a:p>
+          <a:p>
+            <a:endParaRPr lang="en-US" sz="1600" dirty="0" smtClean="0"/>
+          </a:p>
+        </p:txBody>
+      </p:sp>
+      <p:pic>
+        <p:nvPicPr>
+          <p:cNvPr id="6" name="Picture 5"/>
+          <p:cNvPicPr>
+            <a:picLocks noChangeAspect="1"/>
+          </p:cNvPicPr>
+          <p:nvPr/>
+        </p:nvPicPr>
+        <p:blipFill>
+          <a:blip r:embed="rId2"/>
+          <a:stretch>
+            <a:fillRect/>
+          </a:stretch>
+        </p:blipFill>
+        <p:spPr>
+          <a:xfrm>
+            <a:off x="3679250" y="4746889"/>
+            <a:ext cx="3914546" cy="1449425"/>
+          </a:xfrm>
+          <a:prstGeom prst="rect">
+            <a:avLst/>
+          </a:prstGeom>
+        </p:spPr>
+      </p:pic>
+    </p:spTree>
+    <p:extLst>
+      <p:ext uri="{BB962C8B-B14F-4D97-AF65-F5344CB8AC3E}">
+        <p14:creationId xmlns:p14="http://schemas.microsoft.com/office/powerpoint/2010/main" val="484036461"/>
+      </p:ext>
+    </p:extLst>
+  </p:cSld>
+  <p:clrMapOvr>
+    <a:masterClrMapping/>
+  </p:clrMapOvr>
+  <p:timing>
+    <p:tnLst>
+      <p:par>
+        <p:cTn id="1" dur="indefinite" restart="never" nodeType="tmRoot"/>
+      </p:par>
+    </p:tnLst>
+  </p:timing>
+</p:sld>
+</file>
+
+<file path=ppt/slides/slide26.xml><?xml version="1.0" encoding="utf-8"?>
+<p:sld xmlns:a="http://schemas.openxmlformats.org/drawingml/2006/main" xmlns:r="http://schemas.openxmlformats.org/officeDocument/2006/relationships" xmlns:p="http://schemas.openxmlformats.org/presentationml/2006/main">
+  <p:cSld>
+    <p:spTree>
+      <p:nvGrpSpPr>
+        <p:cNvPr id="1" name=""/>
+        <p:cNvGrpSpPr/>
+        <p:nvPr/>
+      </p:nvGrpSpPr>
+      <p:grpSpPr>
+        <a:xfrm>
+          <a:off x="0" y="0"/>
+          <a:ext cx="0" cy="0"/>
+          <a:chOff x="0" y="0"/>
+          <a:chExt cx="0" cy="0"/>
+        </a:xfrm>
+      </p:grpSpPr>
+      <p:sp>
+        <p:nvSpPr>
+          <p:cNvPr id="2" name="Title 1"/>
+          <p:cNvSpPr>
+            <a:spLocks noGrp="1"/>
+          </p:cNvSpPr>
+          <p:nvPr>
+            <p:ph type="title"/>
+          </p:nvPr>
+        </p:nvSpPr>
+        <p:spPr/>
+        <p:txBody>
+          <a:bodyPr/>
+          <a:lstStyle/>
+          <a:p>
+            <a:r>
+              <a:rPr lang="en-US" b="1" dirty="0" smtClean="0"/>
+              <a:t>References</a:t>
+            </a:r>
+            <a:endParaRPr lang="en-US" b="1" dirty="0"/>
+          </a:p>
+        </p:txBody>
+      </p:sp>
+      <p:sp>
+        <p:nvSpPr>
+          <p:cNvPr id="3" name="Content Placeholder 2"/>
+          <p:cNvSpPr>
+            <a:spLocks noGrp="1"/>
+          </p:cNvSpPr>
+          <p:nvPr>
+            <p:ph idx="1"/>
+          </p:nvPr>
+        </p:nvSpPr>
+        <p:spPr>
+          <a:xfrm>
+            <a:off x="1371600" y="2547181"/>
+            <a:ext cx="9445625" cy="3649133"/>
+          </a:xfrm>
+        </p:spPr>
+        <p:txBody>
+          <a:bodyPr>
+            <a:noAutofit/>
+          </a:bodyPr>
+          <a:lstStyle/>
+          <a:p>
+            <a:r>
+              <a:rPr lang="en-US" sz="1600" dirty="0" smtClean="0">
+                <a:hlinkClick r:id="rId2"/>
+              </a:rPr>
+              <a:t>ReactJS</a:t>
+            </a:r>
+            <a:r>
+              <a:rPr lang="en-US" sz="1600" dirty="0"/>
+              <a:t> </a:t>
+            </a:r>
+            <a:r>
+              <a:rPr lang="en-US" sz="1600" dirty="0" smtClean="0"/>
+              <a:t>- A </a:t>
+            </a:r>
+            <a:r>
+              <a:rPr lang="en-US" sz="1600" dirty="0"/>
+              <a:t>JavaScript library for building user </a:t>
+            </a:r>
+            <a:r>
+              <a:rPr lang="en-US" sz="1600" dirty="0" smtClean="0"/>
+              <a:t>interfaces</a:t>
+            </a:r>
+          </a:p>
+          <a:p>
+            <a:r>
+              <a:rPr lang="en-US" sz="1600" dirty="0" err="1" smtClean="0">
+                <a:hlinkClick r:id="rId3"/>
+              </a:rPr>
+              <a:t>ReactNative</a:t>
+            </a:r>
+            <a:r>
+              <a:rPr lang="en-US" sz="1600" dirty="0" smtClean="0"/>
+              <a:t> </a:t>
+            </a:r>
+            <a:r>
+              <a:rPr lang="en-US" sz="1600" dirty="0"/>
+              <a:t>- A framework for building native </a:t>
+            </a:r>
+            <a:r>
+              <a:rPr lang="en-US" sz="1600" dirty="0" smtClean="0"/>
+              <a:t>mobile apps </a:t>
+            </a:r>
+            <a:r>
+              <a:rPr lang="en-US" sz="1600" dirty="0"/>
+              <a:t>using </a:t>
+            </a:r>
+            <a:r>
+              <a:rPr lang="en-US" sz="1600" dirty="0" smtClean="0"/>
+              <a:t>React</a:t>
+            </a:r>
+          </a:p>
+          <a:p>
+            <a:r>
+              <a:rPr lang="en-US" sz="1600" dirty="0" err="1" smtClean="0">
+                <a:hlinkClick r:id="rId4"/>
+              </a:rPr>
+              <a:t>NodeJS</a:t>
+            </a:r>
+            <a:r>
+              <a:rPr lang="en-US" sz="1600" dirty="0" smtClean="0"/>
+              <a:t> </a:t>
+            </a:r>
+            <a:r>
+              <a:rPr lang="en-US" sz="1600" dirty="0"/>
+              <a:t>- </a:t>
+            </a:r>
+            <a:r>
+              <a:rPr lang="en-US" sz="1600" dirty="0" smtClean="0"/>
+              <a:t>A </a:t>
+            </a:r>
+            <a:r>
+              <a:rPr lang="en-US" sz="1600" dirty="0"/>
+              <a:t>JavaScript runtime built on </a:t>
+            </a:r>
+            <a:r>
+              <a:rPr lang="en-US" sz="1600" dirty="0">
+                <a:hlinkClick r:id="rId5"/>
+              </a:rPr>
+              <a:t>Chrome's V8 JavaScript engine</a:t>
+            </a:r>
+            <a:r>
+              <a:rPr lang="en-US" sz="1600" dirty="0"/>
+              <a:t>. </a:t>
+            </a:r>
+            <a:endParaRPr lang="en-US" sz="1600" dirty="0" smtClean="0"/>
+          </a:p>
+          <a:p>
+            <a:r>
+              <a:rPr lang="en-US" sz="1600" dirty="0" smtClean="0">
+                <a:hlinkClick r:id="rId6"/>
+              </a:rPr>
+              <a:t>MongoDB</a:t>
+            </a:r>
+            <a:r>
+              <a:rPr lang="en-US" sz="1600" dirty="0" smtClean="0"/>
+              <a:t> – A cross-platform document-oriented database, classified as NoSQL database.</a:t>
+            </a:r>
+          </a:p>
+          <a:p>
+            <a:r>
+              <a:rPr lang="en-US" sz="1600" dirty="0" err="1" smtClean="0">
+                <a:hlinkClick r:id="rId7"/>
+              </a:rPr>
+              <a:t>Postgresql</a:t>
+            </a:r>
+            <a:r>
+              <a:rPr lang="en-US" sz="1600" dirty="0" smtClean="0"/>
+              <a:t> – An object-relational database management system (</a:t>
+            </a:r>
+            <a:r>
+              <a:rPr lang="en-US" sz="1600" dirty="0"/>
+              <a:t>ORDBMS) with an emphasis on extensibility and standards-compliance. </a:t>
+            </a:r>
+            <a:endParaRPr lang="en-US" sz="1600" dirty="0" smtClean="0"/>
+          </a:p>
+          <a:p>
+            <a:r>
+              <a:rPr lang="en-US" sz="1600" dirty="0" smtClean="0">
+                <a:hlinkClick r:id="rId8"/>
+              </a:rPr>
+              <a:t>ORM</a:t>
+            </a:r>
+            <a:r>
+              <a:rPr lang="en-US" sz="1600" dirty="0" smtClean="0"/>
+              <a:t> -  Object </a:t>
+            </a:r>
+            <a:r>
+              <a:rPr lang="en-US" sz="1600" dirty="0"/>
+              <a:t>Relational </a:t>
+            </a:r>
+            <a:r>
+              <a:rPr lang="en-US" sz="1600" dirty="0" smtClean="0"/>
+              <a:t>Mapping is a </a:t>
+            </a:r>
+            <a:r>
+              <a:rPr lang="en-US" sz="1600" dirty="0"/>
+              <a:t>software-programming issue in linking object-oriented code with relational databases </a:t>
+            </a:r>
+          </a:p>
+          <a:p>
+            <a:r>
+              <a:rPr lang="en-US" sz="1600" dirty="0" err="1" smtClean="0">
+                <a:hlinkClick r:id="rId9"/>
+              </a:rPr>
+              <a:t>Knex</a:t>
+            </a:r>
+            <a:r>
+              <a:rPr lang="en-US" sz="1600" dirty="0" smtClean="0"/>
+              <a:t> - A </a:t>
+            </a:r>
+            <a:r>
+              <a:rPr lang="en-US" sz="1600" dirty="0"/>
+              <a:t>SQL query builder for </a:t>
+            </a:r>
+            <a:r>
+              <a:rPr lang="en-US" sz="1600" dirty="0" err="1"/>
+              <a:t>Postgres</a:t>
+            </a:r>
+            <a:r>
+              <a:rPr lang="en-US" sz="1600" dirty="0"/>
+              <a:t>, MySQL, </a:t>
+            </a:r>
+            <a:r>
+              <a:rPr lang="en-US" sz="1600" dirty="0" err="1"/>
+              <a:t>MariaDB</a:t>
+            </a:r>
+            <a:r>
+              <a:rPr lang="en-US" sz="1600" dirty="0"/>
+              <a:t>, SQLite3, and Oracle designed to be </a:t>
+            </a:r>
+            <a:r>
+              <a:rPr lang="en-US" sz="1600" dirty="0" smtClean="0"/>
+              <a:t>flexible &amp; </a:t>
+            </a:r>
+            <a:r>
+              <a:rPr lang="en-US" sz="1600" dirty="0"/>
+              <a:t>portable</a:t>
+            </a:r>
+            <a:endParaRPr lang="en-US" sz="1600" dirty="0" smtClean="0"/>
+          </a:p>
+          <a:p>
+            <a:r>
+              <a:rPr lang="en-US" sz="1600" dirty="0" smtClean="0">
+                <a:hlinkClick r:id="rId10"/>
+              </a:rPr>
+              <a:t>Mongoose </a:t>
+            </a:r>
+            <a:r>
+              <a:rPr lang="en-US" sz="1600" dirty="0"/>
+              <a:t>- Elegant </a:t>
+            </a:r>
+            <a:r>
+              <a:rPr lang="en-US" sz="1600" dirty="0">
+                <a:hlinkClick r:id="rId11"/>
+              </a:rPr>
+              <a:t>MongoDB</a:t>
+            </a:r>
+            <a:r>
+              <a:rPr lang="en-US" sz="1600" dirty="0"/>
+              <a:t> object modeling for </a:t>
+            </a:r>
+            <a:r>
+              <a:rPr lang="en-US" sz="1600" dirty="0" smtClean="0">
+                <a:hlinkClick r:id="rId12"/>
+              </a:rPr>
+              <a:t>Node.js</a:t>
+            </a:r>
+            <a:endParaRPr lang="en-US" sz="1600" dirty="0" smtClean="0"/>
+          </a:p>
+          <a:p>
+            <a:endParaRPr lang="en-US" sz="1600" dirty="0" smtClean="0"/>
+          </a:p>
+        </p:txBody>
+      </p:sp>
+    </p:spTree>
+    <p:extLst>
+      <p:ext uri="{BB962C8B-B14F-4D97-AF65-F5344CB8AC3E}">
+        <p14:creationId xmlns:p14="http://schemas.microsoft.com/office/powerpoint/2010/main" val="396926156"/>
+      </p:ext>
+    </p:extLst>
+  </p:cSld>
+  <p:clrMapOvr>
+    <a:masterClrMapping/>
+  </p:clrMapOvr>
+  <p:timing>
+    <p:tnLst>
+      <p:par>
+        <p:cTn id="1" dur="indefinite" restart="never" nodeType="tmRoot"/>
+      </p:par>
+    </p:tnLst>
+  </p:timing>
+</p:sld>
+</file>
+
+<file path=ppt/slides/slide27.xml><?xml version="1.0" encoding="utf-8"?>
+<p:sld xmlns:a="http://schemas.openxmlformats.org/drawingml/2006/main" xmlns:r="http://schemas.openxmlformats.org/officeDocument/2006/relationships" xmlns:p="http://schemas.openxmlformats.org/presentationml/2006/main">
+  <p:cSld>
+    <p:spTree>
+      <p:nvGrpSpPr>
+        <p:cNvPr id="1" name=""/>
+        <p:cNvGrpSpPr/>
+        <p:nvPr/>
+      </p:nvGrpSpPr>
+      <p:grpSpPr>
+        <a:xfrm>
+          <a:off x="0" y="0"/>
+          <a:ext cx="0" cy="0"/>
+          <a:chOff x="0" y="0"/>
+          <a:chExt cx="0" cy="0"/>
+        </a:xfrm>
+      </p:grpSpPr>
+      <p:sp>
+        <p:nvSpPr>
+          <p:cNvPr id="3" name="Content Placeholder 2"/>
+          <p:cNvSpPr>
+            <a:spLocks noGrp="1"/>
+          </p:cNvSpPr>
+          <p:nvPr>
+            <p:ph idx="1"/>
+          </p:nvPr>
+        </p:nvSpPr>
+        <p:spPr>
+          <a:xfrm>
+            <a:off x="961846" y="1564097"/>
+            <a:ext cx="10131425" cy="3649133"/>
+          </a:xfrm>
+        </p:spPr>
+        <p:txBody>
+          <a:bodyPr>
+            <a:normAutofit/>
+          </a:bodyPr>
+          <a:lstStyle/>
+          <a:p>
+            <a:pPr marL="0" indent="0" algn="ctr">
+              <a:buNone/>
+            </a:pPr>
+            <a:endParaRPr lang="en-IN" sz="8000" smtClean="0"/>
+          </a:p>
+          <a:p>
+            <a:pPr marL="0" indent="0" algn="ctr">
+              <a:buNone/>
+            </a:pPr>
+            <a:r>
+              <a:rPr lang="en-IN" sz="8000" smtClean="0"/>
+              <a:t>Thank </a:t>
+            </a:r>
+            <a:r>
+              <a:rPr lang="en-IN" sz="8000" dirty="0" smtClean="0"/>
+              <a:t>You</a:t>
+            </a:r>
+            <a:endParaRPr lang="en-IN" sz="8000" dirty="0"/>
+          </a:p>
+        </p:txBody>
+      </p:sp>
+    </p:spTree>
+    <p:extLst>
+      <p:ext uri="{BB962C8B-B14F-4D97-AF65-F5344CB8AC3E}">
+        <p14:creationId xmlns:p14="http://schemas.microsoft.com/office/powerpoint/2010/main" val="1398904678"/>
+      </p:ext>
+    </p:extLst>
+  </p:cSld>
+  <p:clrMapOvr>
+    <a:masterClrMapping/>
+  </p:clrMapOvr>
+</p:sld>
+</file>
+
+<file path=ppt/slides/slide3.xml><?xml version="1.0" encoding="utf-8"?>
+<p:sld xmlns:a="http://schemas.openxmlformats.org/drawingml/2006/main" xmlns:r="http://schemas.openxmlformats.org/officeDocument/2006/relationships" xmlns:p="http://schemas.openxmlformats.org/presentationml/2006/main">
+  <p:cSld>
+    <p:spTree>
+      <p:nvGrpSpPr>
+        <p:cNvPr id="1" name=""/>
+        <p:cNvGrpSpPr/>
+        <p:nvPr/>
+      </p:nvGrpSpPr>
+      <p:grpSpPr>
+        <a:xfrm>
+          <a:off x="0" y="0"/>
+          <a:ext cx="0" cy="0"/>
+          <a:chOff x="0" y="0"/>
+          <a:chExt cx="0" cy="0"/>
+        </a:xfrm>
+      </p:grpSpPr>
+      <p:sp>
+        <p:nvSpPr>
+          <p:cNvPr id="3" name="Content Placeholder 2"/>
+          <p:cNvSpPr>
+            <a:spLocks noGrp="1"/>
+          </p:cNvSpPr>
+          <p:nvPr>
+            <p:ph idx="1"/>
+          </p:nvPr>
+        </p:nvSpPr>
         <p:spPr>
           <a:xfrm>
             <a:off x="685800" y="609600"/>
@@ -11359,7 +12780,15 @@
             </a:pPr>
             <a:r>
               <a:rPr lang="en-US" sz="2800" dirty="0" smtClean="0"/>
-              <a:t>They seem to be search entities of an entity that is discussed &amp; reviewed by users of the application.</a:t>
+              <a:t>They seem to be search </a:t>
+            </a:r>
+            <a:r>
+              <a:rPr lang="en-US" sz="2800" dirty="0" smtClean="0"/>
+              <a:t>engines for </a:t>
+            </a:r>
+            <a:r>
+              <a:rPr lang="en-US" sz="2800" dirty="0" smtClean="0"/>
+              <a:t>an entity that is discussed &amp; reviewed by users of the application.</a:t>
             </a:r>
           </a:p>
           <a:p>
@@ -11597,934 +13026,7 @@
 </p:sld>
 </file>
 
-<file path=ppt/slides/slide20.xml><?xml version="1.0" encoding="utf-8"?>
-<p:sld xmlns:a="http://schemas.openxmlformats.org/drawingml/2006/main" xmlns:r="http://schemas.openxmlformats.org/officeDocument/2006/relationships" xmlns:p="http://schemas.openxmlformats.org/presentationml/2006/main">
-  <p:cSld>
-    <p:spTree>
-      <p:nvGrpSpPr>
-        <p:cNvPr id="1" name=""/>
-        <p:cNvGrpSpPr/>
-        <p:nvPr/>
-      </p:nvGrpSpPr>
-      <p:grpSpPr>
-        <a:xfrm>
-          <a:off x="0" y="0"/>
-          <a:ext cx="0" cy="0"/>
-          <a:chOff x="0" y="0"/>
-          <a:chExt cx="0" cy="0"/>
-        </a:xfrm>
-      </p:grpSpPr>
-      <p:sp>
-        <p:nvSpPr>
-          <p:cNvPr id="2" name="Title 1"/>
-          <p:cNvSpPr>
-            <a:spLocks noGrp="1"/>
-          </p:cNvSpPr>
-          <p:nvPr>
-            <p:ph type="title"/>
-          </p:nvPr>
-        </p:nvSpPr>
-        <p:spPr/>
-        <p:txBody>
-          <a:bodyPr/>
-          <a:lstStyle/>
-          <a:p>
-            <a:r>
-              <a:rPr lang="en-US" b="1" dirty="0" smtClean="0"/>
-              <a:t>Phase 1 (App): stages</a:t>
-            </a:r>
-            <a:endParaRPr lang="en-US" b="1" dirty="0"/>
-          </a:p>
-        </p:txBody>
-      </p:sp>
-      <p:sp>
-        <p:nvSpPr>
-          <p:cNvPr id="3" name="Content Placeholder 2"/>
-          <p:cNvSpPr>
-            <a:spLocks noGrp="1"/>
-          </p:cNvSpPr>
-          <p:nvPr>
-            <p:ph idx="1"/>
-          </p:nvPr>
-        </p:nvSpPr>
-        <p:spPr/>
-        <p:txBody>
-          <a:bodyPr>
-            <a:normAutofit fontScale="85000" lnSpcReduction="10000"/>
-          </a:bodyPr>
-          <a:lstStyle/>
-          <a:p>
-            <a:pPr marL="342900" indent="-342900">
-              <a:buFont typeface="+mj-lt"/>
-              <a:buAutoNum type="arabicPeriod"/>
-            </a:pPr>
-            <a:endParaRPr lang="en-US" dirty="0" smtClean="0"/>
-          </a:p>
-          <a:p>
-            <a:pPr marL="342900" indent="-342900">
-              <a:buFont typeface="+mj-lt"/>
-              <a:buAutoNum type="arabicPeriod"/>
-            </a:pPr>
-            <a:endParaRPr lang="en-US" dirty="0"/>
-          </a:p>
-          <a:p>
-            <a:pPr marL="342900" indent="-342900">
-              <a:buFont typeface="+mj-lt"/>
-              <a:buAutoNum type="arabicPeriod"/>
-            </a:pPr>
-            <a:r>
-              <a:rPr lang="en-US" dirty="0"/>
-              <a:t>Use a configuration file that has metadata like name of application, name of entity etc. This file will allow generator to simply update the configuration file and modify entire application</a:t>
-            </a:r>
-            <a:r>
-              <a:rPr lang="en-US" dirty="0" smtClean="0"/>
-              <a:t>.</a:t>
-            </a:r>
-          </a:p>
-          <a:p>
-            <a:pPr marL="342900" indent="-342900">
-              <a:buFont typeface="+mj-lt"/>
-              <a:buAutoNum type="arabicPeriod"/>
-            </a:pPr>
-            <a:r>
-              <a:rPr lang="en-US" dirty="0" smtClean="0"/>
-              <a:t>Develop </a:t>
-            </a:r>
-            <a:r>
-              <a:rPr lang="en-US" dirty="0"/>
-              <a:t>a static server that provides dummy data for the </a:t>
-            </a:r>
-            <a:r>
-              <a:rPr lang="en-US" dirty="0" smtClean="0"/>
-              <a:t>website.</a:t>
-            </a:r>
-          </a:p>
-          <a:p>
-            <a:pPr marL="342900" indent="-342900">
-              <a:buFont typeface="+mj-lt"/>
-              <a:buAutoNum type="arabicPeriod"/>
-            </a:pPr>
-            <a:r>
-              <a:rPr lang="en-US" dirty="0" smtClean="0"/>
-              <a:t>Create </a:t>
-            </a:r>
-            <a:r>
-              <a:rPr lang="en-US" dirty="0"/>
-              <a:t>website using React </a:t>
-            </a:r>
-            <a:r>
-              <a:rPr lang="en-US" dirty="0" smtClean="0"/>
-              <a:t>Components.</a:t>
-            </a:r>
-          </a:p>
-          <a:p>
-            <a:pPr marL="342900" indent="-342900">
-              <a:buFont typeface="+mj-lt"/>
-              <a:buAutoNum type="arabicPeriod"/>
-            </a:pPr>
-            <a:r>
-              <a:rPr lang="en-US" dirty="0" smtClean="0"/>
-              <a:t>Create </a:t>
-            </a:r>
-            <a:r>
-              <a:rPr lang="en-US" dirty="0"/>
-              <a:t>iOS and Android apps using </a:t>
-            </a:r>
-            <a:r>
-              <a:rPr lang="en-US" dirty="0" smtClean="0"/>
-              <a:t>React-Native. Reuse as many components as we can from stage 2.</a:t>
-            </a:r>
-          </a:p>
-          <a:p>
-            <a:pPr marL="342900" indent="-342900">
-              <a:buFont typeface="+mj-lt"/>
-              <a:buAutoNum type="arabicPeriod"/>
-            </a:pPr>
-            <a:r>
-              <a:rPr lang="en-US" dirty="0" smtClean="0"/>
-              <a:t>Create authentication </a:t>
-            </a:r>
-            <a:r>
-              <a:rPr lang="en-US" dirty="0"/>
-              <a:t>system (both with and without </a:t>
-            </a:r>
-            <a:r>
-              <a:rPr lang="en-US" dirty="0" smtClean="0"/>
-              <a:t>sessions) and a real database.</a:t>
-            </a:r>
-          </a:p>
-          <a:p>
-            <a:pPr marL="342900" indent="-342900">
-              <a:buFont typeface="+mj-lt"/>
-              <a:buAutoNum type="arabicPeriod"/>
-            </a:pPr>
-            <a:r>
-              <a:rPr lang="en-US" dirty="0" smtClean="0"/>
-              <a:t>Create </a:t>
-            </a:r>
-            <a:r>
-              <a:rPr lang="en-US" dirty="0"/>
-              <a:t>different visual styles </a:t>
-            </a:r>
-            <a:r>
-              <a:rPr lang="en-US" dirty="0" smtClean="0"/>
-              <a:t>and templates for customization</a:t>
-            </a:r>
-            <a:r>
-              <a:rPr lang="en-US" dirty="0"/>
-              <a:t> </a:t>
-            </a:r>
-            <a:r>
-              <a:rPr lang="en-US" dirty="0" smtClean="0"/>
-              <a:t>options until </a:t>
-            </a:r>
-            <a:r>
-              <a:rPr lang="en-US" dirty="0"/>
-              <a:t>we can create apps that were mentioned in case study.</a:t>
-            </a:r>
-          </a:p>
-        </p:txBody>
-      </p:sp>
-    </p:spTree>
-    <p:extLst>
-      <p:ext uri="{BB962C8B-B14F-4D97-AF65-F5344CB8AC3E}">
-        <p14:creationId xmlns:p14="http://schemas.microsoft.com/office/powerpoint/2010/main" val="60308425"/>
-      </p:ext>
-    </p:extLst>
-  </p:cSld>
-  <p:clrMapOvr>
-    <a:masterClrMapping/>
-  </p:clrMapOvr>
-  <p:timing>
-    <p:tnLst>
-      <p:par>
-        <p:cTn id="1" dur="indefinite" restart="never" nodeType="tmRoot"/>
-      </p:par>
-    </p:tnLst>
-  </p:timing>
-</p:sld>
-</file>
-
-<file path=ppt/slides/slide21.xml><?xml version="1.0" encoding="utf-8"?>
-<p:sld xmlns:a="http://schemas.openxmlformats.org/drawingml/2006/main" xmlns:r="http://schemas.openxmlformats.org/officeDocument/2006/relationships" xmlns:p="http://schemas.openxmlformats.org/presentationml/2006/main">
-  <p:cSld>
-    <p:spTree>
-      <p:nvGrpSpPr>
-        <p:cNvPr id="1" name=""/>
-        <p:cNvGrpSpPr/>
-        <p:nvPr/>
-      </p:nvGrpSpPr>
-      <p:grpSpPr>
-        <a:xfrm>
-          <a:off x="0" y="0"/>
-          <a:ext cx="0" cy="0"/>
-          <a:chOff x="0" y="0"/>
-          <a:chExt cx="0" cy="0"/>
-        </a:xfrm>
-      </p:grpSpPr>
-      <p:sp>
-        <p:nvSpPr>
-          <p:cNvPr id="2" name="Title 1"/>
-          <p:cNvSpPr>
-            <a:spLocks noGrp="1"/>
-          </p:cNvSpPr>
-          <p:nvPr>
-            <p:ph type="title"/>
-          </p:nvPr>
-        </p:nvSpPr>
-        <p:spPr/>
-        <p:txBody>
-          <a:bodyPr/>
-          <a:lstStyle/>
-          <a:p>
-            <a:r>
-              <a:rPr lang="en-US" b="1" dirty="0" smtClean="0"/>
-              <a:t>Phase 2 (Generator): Stages</a:t>
-            </a:r>
-            <a:endParaRPr lang="en-US" b="1" dirty="0"/>
-          </a:p>
-        </p:txBody>
-      </p:sp>
-      <p:sp>
-        <p:nvSpPr>
-          <p:cNvPr id="3" name="Content Placeholder 2"/>
-          <p:cNvSpPr>
-            <a:spLocks noGrp="1"/>
-          </p:cNvSpPr>
-          <p:nvPr>
-            <p:ph idx="1"/>
-          </p:nvPr>
-        </p:nvSpPr>
-        <p:spPr/>
-        <p:txBody>
-          <a:bodyPr>
-            <a:normAutofit lnSpcReduction="10000"/>
-          </a:bodyPr>
-          <a:lstStyle/>
-          <a:p>
-            <a:pPr marL="342900" indent="-342900">
-              <a:buFont typeface="+mj-lt"/>
-              <a:buAutoNum type="arabicPeriod"/>
-            </a:pPr>
-            <a:endParaRPr lang="en-US" dirty="0" smtClean="0"/>
-          </a:p>
-          <a:p>
-            <a:pPr marL="342900" indent="-342900">
-              <a:buFont typeface="+mj-lt"/>
-              <a:buAutoNum type="arabicPeriod"/>
-            </a:pPr>
-            <a:r>
-              <a:rPr lang="en-US" dirty="0" smtClean="0"/>
-              <a:t>Create a basic generator that simply takes the options and performs static transformations like name of application, name of entity, theme choices, component replacements.</a:t>
-            </a:r>
-          </a:p>
-          <a:p>
-            <a:pPr marL="342900" indent="-342900">
-              <a:buFont typeface="+mj-lt"/>
-              <a:buAutoNum type="arabicPeriod"/>
-            </a:pPr>
-            <a:r>
-              <a:rPr lang="en-US" dirty="0" smtClean="0"/>
-              <a:t>Create </a:t>
-            </a:r>
-            <a:r>
-              <a:rPr lang="en-US" dirty="0"/>
-              <a:t>an engine to generate schema migrations using </a:t>
-            </a:r>
-            <a:r>
-              <a:rPr lang="en-US" dirty="0" err="1"/>
-              <a:t>knex</a:t>
-            </a:r>
-            <a:r>
-              <a:rPr lang="en-US" dirty="0"/>
-              <a:t> based on the given </a:t>
-            </a:r>
-            <a:r>
-              <a:rPr lang="en-US" dirty="0" smtClean="0"/>
-              <a:t>options.</a:t>
-            </a:r>
-          </a:p>
-          <a:p>
-            <a:pPr marL="342900" indent="-342900">
-              <a:buFont typeface="+mj-lt"/>
-              <a:buAutoNum type="arabicPeriod"/>
-            </a:pPr>
-            <a:r>
-              <a:rPr lang="en-US" dirty="0" smtClean="0"/>
-              <a:t>Use above schema to transform CRUD APIs.</a:t>
-            </a:r>
-          </a:p>
-          <a:p>
-            <a:pPr marL="342900" indent="-342900">
-              <a:buFont typeface="+mj-lt"/>
-              <a:buAutoNum type="arabicPeriod"/>
-            </a:pPr>
-            <a:r>
-              <a:rPr lang="en-US" dirty="0" smtClean="0"/>
-              <a:t>Modify user interface components to consume above APIs.</a:t>
-            </a:r>
-          </a:p>
-          <a:p>
-            <a:pPr marL="342900" indent="-342900">
-              <a:buFont typeface="+mj-lt"/>
-              <a:buAutoNum type="arabicPeriod"/>
-            </a:pPr>
-            <a:r>
-              <a:rPr lang="en-US" dirty="0" smtClean="0"/>
-              <a:t>Add new modules that can implement a given feature until we can create apps that were mentioned in case study.</a:t>
-            </a:r>
-          </a:p>
-        </p:txBody>
-      </p:sp>
-    </p:spTree>
-    <p:extLst>
-      <p:ext uri="{BB962C8B-B14F-4D97-AF65-F5344CB8AC3E}">
-        <p14:creationId xmlns:p14="http://schemas.microsoft.com/office/powerpoint/2010/main" val="232103654"/>
-      </p:ext>
-    </p:extLst>
-  </p:cSld>
-  <p:clrMapOvr>
-    <a:masterClrMapping/>
-  </p:clrMapOvr>
-  <p:timing>
-    <p:tnLst>
-      <p:par>
-        <p:cTn id="1" dur="indefinite" restart="never" nodeType="tmRoot"/>
-      </p:par>
-    </p:tnLst>
-  </p:timing>
-</p:sld>
-</file>
-
-<file path=ppt/slides/slide22.xml><?xml version="1.0" encoding="utf-8"?>
-<p:sld xmlns:a="http://schemas.openxmlformats.org/drawingml/2006/main" xmlns:r="http://schemas.openxmlformats.org/officeDocument/2006/relationships" xmlns:p="http://schemas.openxmlformats.org/presentationml/2006/main">
-  <p:cSld>
-    <p:spTree>
-      <p:nvGrpSpPr>
-        <p:cNvPr id="1" name=""/>
-        <p:cNvGrpSpPr/>
-        <p:nvPr/>
-      </p:nvGrpSpPr>
-      <p:grpSpPr>
-        <a:xfrm>
-          <a:off x="0" y="0"/>
-          <a:ext cx="0" cy="0"/>
-          <a:chOff x="0" y="0"/>
-          <a:chExt cx="0" cy="0"/>
-        </a:xfrm>
-      </p:grpSpPr>
-      <p:sp>
-        <p:nvSpPr>
-          <p:cNvPr id="2" name="Title 1"/>
-          <p:cNvSpPr>
-            <a:spLocks noGrp="1"/>
-          </p:cNvSpPr>
-          <p:nvPr>
-            <p:ph type="title"/>
-          </p:nvPr>
-        </p:nvSpPr>
-        <p:spPr/>
-        <p:txBody>
-          <a:bodyPr/>
-          <a:lstStyle/>
-          <a:p>
-            <a:r>
-              <a:rPr lang="en-US" b="1" dirty="0" smtClean="0"/>
-              <a:t>Current status</a:t>
-            </a:r>
-            <a:endParaRPr lang="en-US" b="1" dirty="0"/>
-          </a:p>
-        </p:txBody>
-      </p:sp>
-      <p:sp>
-        <p:nvSpPr>
-          <p:cNvPr id="3" name="Content Placeholder 2"/>
-          <p:cNvSpPr>
-            <a:spLocks noGrp="1"/>
-          </p:cNvSpPr>
-          <p:nvPr>
-            <p:ph idx="1"/>
-          </p:nvPr>
-        </p:nvSpPr>
-        <p:spPr>
-          <a:xfrm>
-            <a:off x="1371600" y="2547181"/>
-            <a:ext cx="9445625" cy="3649133"/>
-          </a:xfrm>
-        </p:spPr>
-        <p:txBody>
-          <a:bodyPr>
-            <a:noAutofit/>
-          </a:bodyPr>
-          <a:lstStyle/>
-          <a:p>
-            <a:r>
-              <a:rPr lang="en-US" sz="1600" dirty="0" smtClean="0"/>
-              <a:t>After learning the technologies like </a:t>
-            </a:r>
-            <a:r>
-              <a:rPr lang="en-US" sz="1600" dirty="0" err="1" smtClean="0"/>
-              <a:t>NodeJS</a:t>
-            </a:r>
-            <a:r>
-              <a:rPr lang="en-US" sz="1600" dirty="0" smtClean="0"/>
-              <a:t>, </a:t>
-            </a:r>
-            <a:r>
-              <a:rPr lang="en-US" sz="1600" dirty="0" err="1" smtClean="0"/>
-              <a:t>ReactJS</a:t>
-            </a:r>
-            <a:r>
-              <a:rPr lang="en-US" sz="1600" dirty="0" smtClean="0"/>
-              <a:t>, </a:t>
-            </a:r>
-            <a:r>
-              <a:rPr lang="en-US" sz="1600" dirty="0" err="1" smtClean="0"/>
-              <a:t>ReactNative</a:t>
-            </a:r>
-            <a:r>
-              <a:rPr lang="en-US" sz="1600" dirty="0" smtClean="0"/>
-              <a:t> in the month of January, we started with the development in late January.</a:t>
-            </a:r>
-          </a:p>
-          <a:p>
-            <a:r>
-              <a:rPr lang="en-US" sz="1600" dirty="0" smtClean="0"/>
-              <a:t>So far we have achieved ~40% of the goals of the phase 1, i.e. nearly completed stage 1-3 out of 6 of phase 1.</a:t>
-            </a:r>
-          </a:p>
-          <a:p>
-            <a:r>
-              <a:rPr lang="en-US" sz="1600" dirty="0" smtClean="0"/>
-              <a:t>Side by side, work on generator has been started and right now we are working on the stage 1 of phase 2.</a:t>
-            </a:r>
-          </a:p>
-          <a:p>
-            <a:r>
-              <a:rPr lang="en-US" sz="1600" dirty="0" smtClean="0"/>
-              <a:t>We are using </a:t>
-            </a:r>
-            <a:r>
-              <a:rPr lang="en-US" sz="1600" dirty="0" err="1" smtClean="0"/>
-              <a:t>GitHub</a:t>
-            </a:r>
-            <a:r>
-              <a:rPr lang="en-US" sz="1600" dirty="0" smtClean="0"/>
-              <a:t> for version controlling and working together remotely.</a:t>
-            </a:r>
-          </a:p>
-          <a:p>
-            <a:endParaRPr lang="en-US" sz="1600" dirty="0" smtClean="0"/>
-          </a:p>
-          <a:p>
-            <a:endParaRPr lang="en-US" sz="1600" dirty="0" smtClean="0"/>
-          </a:p>
-          <a:p>
-            <a:endParaRPr lang="en-US" sz="1600" dirty="0"/>
-          </a:p>
-          <a:p>
-            <a:pPr marL="0" indent="0">
-              <a:buNone/>
-            </a:pPr>
-            <a:endParaRPr lang="en-US" sz="1600" dirty="0"/>
-          </a:p>
-          <a:p>
-            <a:r>
-              <a:rPr lang="en-US" sz="1600" dirty="0" smtClean="0"/>
-              <a:t>Seeing the progress, we believe that by end of March we will have a basic generator ready that can mimic </a:t>
-            </a:r>
-            <a:r>
-              <a:rPr lang="en-US" sz="1600" dirty="0" err="1" smtClean="0"/>
-              <a:t>Zomato</a:t>
-            </a:r>
-            <a:r>
-              <a:rPr lang="en-US" sz="1600" dirty="0"/>
-              <a:t> </a:t>
-            </a:r>
-            <a:r>
-              <a:rPr lang="en-US" sz="1600" dirty="0" smtClean="0"/>
-              <a:t>in functionality and partially in aesthetics.</a:t>
-            </a:r>
-          </a:p>
-          <a:p>
-            <a:endParaRPr lang="en-US" sz="1600" dirty="0" smtClean="0"/>
-          </a:p>
-        </p:txBody>
-      </p:sp>
-      <p:pic>
-        <p:nvPicPr>
-          <p:cNvPr id="6" name="Picture 5"/>
-          <p:cNvPicPr>
-            <a:picLocks noChangeAspect="1"/>
-          </p:cNvPicPr>
-          <p:nvPr/>
-        </p:nvPicPr>
-        <p:blipFill>
-          <a:blip r:embed="rId2"/>
-          <a:stretch>
-            <a:fillRect/>
-          </a:stretch>
-        </p:blipFill>
-        <p:spPr>
-          <a:xfrm>
-            <a:off x="3679250" y="4746889"/>
-            <a:ext cx="3914546" cy="1449425"/>
-          </a:xfrm>
-          <a:prstGeom prst="rect">
-            <a:avLst/>
-          </a:prstGeom>
-        </p:spPr>
-      </p:pic>
-    </p:spTree>
-    <p:extLst>
-      <p:ext uri="{BB962C8B-B14F-4D97-AF65-F5344CB8AC3E}">
-        <p14:creationId xmlns:p14="http://schemas.microsoft.com/office/powerpoint/2010/main" val="484036461"/>
-      </p:ext>
-    </p:extLst>
-  </p:cSld>
-  <p:clrMapOvr>
-    <a:masterClrMapping/>
-  </p:clrMapOvr>
-  <p:timing>
-    <p:tnLst>
-      <p:par>
-        <p:cTn id="1" dur="indefinite" restart="never" nodeType="tmRoot"/>
-      </p:par>
-    </p:tnLst>
-  </p:timing>
-</p:sld>
-</file>
-
-<file path=ppt/slides/slide23.xml><?xml version="1.0" encoding="utf-8"?>
-<p:sld xmlns:a="http://schemas.openxmlformats.org/drawingml/2006/main" xmlns:r="http://schemas.openxmlformats.org/officeDocument/2006/relationships" xmlns:p="http://schemas.openxmlformats.org/presentationml/2006/main">
-  <p:cSld>
-    <p:spTree>
-      <p:nvGrpSpPr>
-        <p:cNvPr id="1" name=""/>
-        <p:cNvGrpSpPr/>
-        <p:nvPr/>
-      </p:nvGrpSpPr>
-      <p:grpSpPr>
-        <a:xfrm>
-          <a:off x="0" y="0"/>
-          <a:ext cx="0" cy="0"/>
-          <a:chOff x="0" y="0"/>
-          <a:chExt cx="0" cy="0"/>
-        </a:xfrm>
-      </p:grpSpPr>
-      <p:sp>
-        <p:nvSpPr>
-          <p:cNvPr id="2" name="Title 1"/>
-          <p:cNvSpPr>
-            <a:spLocks noGrp="1"/>
-          </p:cNvSpPr>
-          <p:nvPr>
-            <p:ph type="title"/>
-          </p:nvPr>
-        </p:nvSpPr>
-        <p:spPr/>
-        <p:txBody>
-          <a:bodyPr/>
-          <a:lstStyle/>
-          <a:p>
-            <a:r>
-              <a:rPr lang="en-US" b="1" dirty="0" smtClean="0"/>
-              <a:t>References</a:t>
-            </a:r>
-            <a:endParaRPr lang="en-US" b="1" dirty="0"/>
-          </a:p>
-        </p:txBody>
-      </p:sp>
-      <p:sp>
-        <p:nvSpPr>
-          <p:cNvPr id="3" name="Content Placeholder 2"/>
-          <p:cNvSpPr>
-            <a:spLocks noGrp="1"/>
-          </p:cNvSpPr>
-          <p:nvPr>
-            <p:ph idx="1"/>
-          </p:nvPr>
-        </p:nvSpPr>
-        <p:spPr>
-          <a:xfrm>
-            <a:off x="1371600" y="2547181"/>
-            <a:ext cx="9445625" cy="3649133"/>
-          </a:xfrm>
-        </p:spPr>
-        <p:txBody>
-          <a:bodyPr>
-            <a:noAutofit/>
-          </a:bodyPr>
-          <a:lstStyle/>
-          <a:p>
-            <a:r>
-              <a:rPr lang="en-US" sz="1600" dirty="0" smtClean="0">
-                <a:hlinkClick r:id="rId2"/>
-              </a:rPr>
-              <a:t>ReactJS</a:t>
-            </a:r>
-            <a:r>
-              <a:rPr lang="en-US" sz="1600" dirty="0"/>
-              <a:t> </a:t>
-            </a:r>
-            <a:r>
-              <a:rPr lang="en-US" sz="1600" dirty="0" smtClean="0"/>
-              <a:t>- A </a:t>
-            </a:r>
-            <a:r>
-              <a:rPr lang="en-US" sz="1600" dirty="0"/>
-              <a:t>JavaScript library for building user </a:t>
-            </a:r>
-            <a:r>
-              <a:rPr lang="en-US" sz="1600" dirty="0" smtClean="0"/>
-              <a:t>interfaces</a:t>
-            </a:r>
-          </a:p>
-          <a:p>
-            <a:r>
-              <a:rPr lang="en-US" sz="1600" dirty="0" err="1" smtClean="0">
-                <a:hlinkClick r:id="rId3"/>
-              </a:rPr>
-              <a:t>ReactNative</a:t>
-            </a:r>
-            <a:r>
-              <a:rPr lang="en-US" sz="1600" dirty="0" smtClean="0"/>
-              <a:t> </a:t>
-            </a:r>
-            <a:r>
-              <a:rPr lang="en-US" sz="1600" dirty="0"/>
-              <a:t>- A framework for building native </a:t>
-            </a:r>
-            <a:r>
-              <a:rPr lang="en-US" sz="1600" dirty="0" smtClean="0"/>
-              <a:t>mobile apps </a:t>
-            </a:r>
-            <a:r>
-              <a:rPr lang="en-US" sz="1600" dirty="0"/>
-              <a:t>using </a:t>
-            </a:r>
-            <a:r>
-              <a:rPr lang="en-US" sz="1600" dirty="0" smtClean="0"/>
-              <a:t>React</a:t>
-            </a:r>
-          </a:p>
-          <a:p>
-            <a:r>
-              <a:rPr lang="en-US" sz="1600" dirty="0" err="1" smtClean="0">
-                <a:hlinkClick r:id="rId4"/>
-              </a:rPr>
-              <a:t>NodeJS</a:t>
-            </a:r>
-            <a:r>
-              <a:rPr lang="en-US" sz="1600" dirty="0" smtClean="0"/>
-              <a:t> </a:t>
-            </a:r>
-            <a:r>
-              <a:rPr lang="en-US" sz="1600" dirty="0"/>
-              <a:t>- </a:t>
-            </a:r>
-            <a:r>
-              <a:rPr lang="en-US" sz="1600" dirty="0" smtClean="0"/>
-              <a:t>A </a:t>
-            </a:r>
-            <a:r>
-              <a:rPr lang="en-US" sz="1600" dirty="0"/>
-              <a:t>JavaScript runtime built on </a:t>
-            </a:r>
-            <a:r>
-              <a:rPr lang="en-US" sz="1600" dirty="0">
-                <a:hlinkClick r:id="rId5"/>
-              </a:rPr>
-              <a:t>Chrome's V8 JavaScript engine</a:t>
-            </a:r>
-            <a:r>
-              <a:rPr lang="en-US" sz="1600" dirty="0"/>
-              <a:t>. </a:t>
-            </a:r>
-            <a:endParaRPr lang="en-US" sz="1600" dirty="0" smtClean="0"/>
-          </a:p>
-          <a:p>
-            <a:r>
-              <a:rPr lang="en-US" sz="1600" dirty="0" smtClean="0">
-                <a:hlinkClick r:id="rId6"/>
-              </a:rPr>
-              <a:t>MongoDB</a:t>
-            </a:r>
-            <a:r>
-              <a:rPr lang="en-US" sz="1600" dirty="0" smtClean="0"/>
-              <a:t> – A cross-platform document-oriented database, classified as NoSQL database.</a:t>
-            </a:r>
-          </a:p>
-          <a:p>
-            <a:r>
-              <a:rPr lang="en-US" sz="1600" dirty="0" err="1" smtClean="0">
-                <a:hlinkClick r:id="rId7"/>
-              </a:rPr>
-              <a:t>Postgresql</a:t>
-            </a:r>
-            <a:r>
-              <a:rPr lang="en-US" sz="1600" dirty="0" smtClean="0"/>
-              <a:t> – An object-relational database management system (</a:t>
-            </a:r>
-            <a:r>
-              <a:rPr lang="en-US" sz="1600" dirty="0"/>
-              <a:t>ORDBMS) with an emphasis on extensibility and standards-compliance. </a:t>
-            </a:r>
-            <a:endParaRPr lang="en-US" sz="1600" dirty="0" smtClean="0"/>
-          </a:p>
-          <a:p>
-            <a:r>
-              <a:rPr lang="en-US" sz="1600" dirty="0" smtClean="0">
-                <a:hlinkClick r:id="rId8"/>
-              </a:rPr>
-              <a:t>ORM</a:t>
-            </a:r>
-            <a:r>
-              <a:rPr lang="en-US" sz="1600" dirty="0" smtClean="0"/>
-              <a:t> -  Object </a:t>
-            </a:r>
-            <a:r>
-              <a:rPr lang="en-US" sz="1600" dirty="0"/>
-              <a:t>Relational </a:t>
-            </a:r>
-            <a:r>
-              <a:rPr lang="en-US" sz="1600" dirty="0" smtClean="0"/>
-              <a:t>Mapping is a </a:t>
-            </a:r>
-            <a:r>
-              <a:rPr lang="en-US" sz="1600" dirty="0"/>
-              <a:t>software-programming issue in linking object-oriented code with relational databases </a:t>
-            </a:r>
-          </a:p>
-          <a:p>
-            <a:r>
-              <a:rPr lang="en-US" sz="1600" dirty="0" err="1" smtClean="0">
-                <a:hlinkClick r:id="rId9"/>
-              </a:rPr>
-              <a:t>Knex</a:t>
-            </a:r>
-            <a:r>
-              <a:rPr lang="en-US" sz="1600" dirty="0" smtClean="0"/>
-              <a:t> - A </a:t>
-            </a:r>
-            <a:r>
-              <a:rPr lang="en-US" sz="1600" dirty="0"/>
-              <a:t>SQL query builder for </a:t>
-            </a:r>
-            <a:r>
-              <a:rPr lang="en-US" sz="1600" dirty="0" err="1"/>
-              <a:t>Postgres</a:t>
-            </a:r>
-            <a:r>
-              <a:rPr lang="en-US" sz="1600" dirty="0"/>
-              <a:t>, MySQL, </a:t>
-            </a:r>
-            <a:r>
-              <a:rPr lang="en-US" sz="1600" dirty="0" err="1"/>
-              <a:t>MariaDB</a:t>
-            </a:r>
-            <a:r>
-              <a:rPr lang="en-US" sz="1600" dirty="0"/>
-              <a:t>, SQLite3, and Oracle designed to be </a:t>
-            </a:r>
-            <a:r>
-              <a:rPr lang="en-US" sz="1600" dirty="0" smtClean="0"/>
-              <a:t>flexible &amp; </a:t>
-            </a:r>
-            <a:r>
-              <a:rPr lang="en-US" sz="1600" dirty="0"/>
-              <a:t>portable</a:t>
-            </a:r>
-            <a:endParaRPr lang="en-US" sz="1600" dirty="0" smtClean="0"/>
-          </a:p>
-          <a:p>
-            <a:r>
-              <a:rPr lang="en-US" sz="1600" dirty="0" smtClean="0">
-                <a:hlinkClick r:id="rId10"/>
-              </a:rPr>
-              <a:t>Mongoose </a:t>
-            </a:r>
-            <a:r>
-              <a:rPr lang="en-US" sz="1600" dirty="0"/>
-              <a:t>- Elegant </a:t>
-            </a:r>
-            <a:r>
-              <a:rPr lang="en-US" sz="1600" dirty="0">
-                <a:hlinkClick r:id="rId11"/>
-              </a:rPr>
-              <a:t>MongoDB</a:t>
-            </a:r>
-            <a:r>
-              <a:rPr lang="en-US" sz="1600" dirty="0"/>
-              <a:t> object modeling for </a:t>
-            </a:r>
-            <a:r>
-              <a:rPr lang="en-US" sz="1600" dirty="0" smtClean="0">
-                <a:hlinkClick r:id="rId12"/>
-              </a:rPr>
-              <a:t>Node.js</a:t>
-            </a:r>
-            <a:endParaRPr lang="en-US" sz="1600" dirty="0" smtClean="0"/>
-          </a:p>
-          <a:p>
-            <a:endParaRPr lang="en-US" sz="1600" dirty="0" smtClean="0"/>
-          </a:p>
-        </p:txBody>
-      </p:sp>
-    </p:spTree>
-    <p:extLst>
-      <p:ext uri="{BB962C8B-B14F-4D97-AF65-F5344CB8AC3E}">
-        <p14:creationId xmlns:p14="http://schemas.microsoft.com/office/powerpoint/2010/main" val="396926156"/>
-      </p:ext>
-    </p:extLst>
-  </p:cSld>
-  <p:clrMapOvr>
-    <a:masterClrMapping/>
-  </p:clrMapOvr>
-  <p:timing>
-    <p:tnLst>
-      <p:par>
-        <p:cTn id="1" dur="indefinite" restart="never" nodeType="tmRoot"/>
-      </p:par>
-    </p:tnLst>
-  </p:timing>
-</p:sld>
-</file>
-
-<file path=ppt/slides/slide24.xml><?xml version="1.0" encoding="utf-8"?>
-<p:sld xmlns:a="http://schemas.openxmlformats.org/drawingml/2006/main" xmlns:r="http://schemas.openxmlformats.org/officeDocument/2006/relationships" xmlns:p="http://schemas.openxmlformats.org/presentationml/2006/main">
-  <p:cSld>
-    <p:spTree>
-      <p:nvGrpSpPr>
-        <p:cNvPr id="1" name=""/>
-        <p:cNvGrpSpPr/>
-        <p:nvPr/>
-      </p:nvGrpSpPr>
-      <p:grpSpPr>
-        <a:xfrm>
-          <a:off x="0" y="0"/>
-          <a:ext cx="0" cy="0"/>
-          <a:chOff x="0" y="0"/>
-          <a:chExt cx="0" cy="0"/>
-        </a:xfrm>
-      </p:grpSpPr>
-      <p:sp>
-        <p:nvSpPr>
-          <p:cNvPr id="3" name="Content Placeholder 2"/>
-          <p:cNvSpPr>
-            <a:spLocks noGrp="1"/>
-          </p:cNvSpPr>
-          <p:nvPr>
-            <p:ph idx="1"/>
-          </p:nvPr>
-        </p:nvSpPr>
-        <p:spPr>
-          <a:xfrm>
-            <a:off x="961846" y="1564097"/>
-            <a:ext cx="10131425" cy="3649133"/>
-          </a:xfrm>
-        </p:spPr>
-        <p:txBody>
-          <a:bodyPr>
-            <a:normAutofit/>
-          </a:bodyPr>
-          <a:lstStyle/>
-          <a:p>
-            <a:pPr marL="0" indent="0" algn="ctr">
-              <a:buNone/>
-            </a:pPr>
-            <a:endParaRPr lang="en-IN" sz="8000" smtClean="0"/>
-          </a:p>
-          <a:p>
-            <a:pPr marL="0" indent="0" algn="ctr">
-              <a:buNone/>
-            </a:pPr>
-            <a:r>
-              <a:rPr lang="en-IN" sz="8000" smtClean="0"/>
-              <a:t>Thank </a:t>
-            </a:r>
-            <a:r>
-              <a:rPr lang="en-IN" sz="8000" dirty="0" smtClean="0"/>
-              <a:t>You</a:t>
-            </a:r>
-            <a:endParaRPr lang="en-IN" sz="8000" dirty="0"/>
-          </a:p>
-        </p:txBody>
-      </p:sp>
-    </p:spTree>
-    <p:extLst>
-      <p:ext uri="{BB962C8B-B14F-4D97-AF65-F5344CB8AC3E}">
-        <p14:creationId xmlns:p14="http://schemas.microsoft.com/office/powerpoint/2010/main" val="1398904678"/>
-      </p:ext>
-    </p:extLst>
-  </p:cSld>
-  <p:clrMapOvr>
-    <a:masterClrMapping/>
-  </p:clrMapOvr>
-</p:sld>
-</file>
-
-<file path=ppt/slides/slide3.xml><?xml version="1.0" encoding="utf-8"?>
+<file path=ppt/slides/slide4.xml><?xml version="1.0" encoding="utf-8"?>
 <p:sld xmlns:a="http://schemas.openxmlformats.org/drawingml/2006/main" xmlns:r="http://schemas.openxmlformats.org/officeDocument/2006/relationships" xmlns:p="http://schemas.openxmlformats.org/presentationml/2006/main">
   <p:cSld>
     <p:spTree>
@@ -12708,7 +13210,7 @@
 </p:sld>
 </file>
 
-<file path=ppt/slides/slide4.xml><?xml version="1.0" encoding="utf-8"?>
+<file path=ppt/slides/slide5.xml><?xml version="1.0" encoding="utf-8"?>
 <p:sld xmlns:a="http://schemas.openxmlformats.org/drawingml/2006/main" xmlns:r="http://schemas.openxmlformats.org/officeDocument/2006/relationships" xmlns:p="http://schemas.openxmlformats.org/presentationml/2006/main">
   <p:cSld>
     <p:spTree>
@@ -12918,7 +13420,7 @@
 </p:sld>
 </file>
 
-<file path=ppt/slides/slide5.xml><?xml version="1.0" encoding="utf-8"?>
+<file path=ppt/slides/slide6.xml><?xml version="1.0" encoding="utf-8"?>
 <p:sld xmlns:a="http://schemas.openxmlformats.org/drawingml/2006/main" xmlns:r="http://schemas.openxmlformats.org/officeDocument/2006/relationships" xmlns:p="http://schemas.openxmlformats.org/presentationml/2006/main">
   <p:cSld>
     <p:spTree>
@@ -13110,7 +13612,163 @@
 </p:sld>
 </file>
 
-<file path=ppt/slides/slide6.xml><?xml version="1.0" encoding="utf-8"?>
+<file path=ppt/slides/slide7.xml><?xml version="1.0" encoding="utf-8"?>
+<p:sld xmlns:a="http://schemas.openxmlformats.org/drawingml/2006/main" xmlns:r="http://schemas.openxmlformats.org/officeDocument/2006/relationships" xmlns:p="http://schemas.openxmlformats.org/presentationml/2006/main">
+  <p:cSld>
+    <p:spTree>
+      <p:nvGrpSpPr>
+        <p:cNvPr id="1" name=""/>
+        <p:cNvGrpSpPr/>
+        <p:nvPr/>
+      </p:nvGrpSpPr>
+      <p:grpSpPr>
+        <a:xfrm>
+          <a:off x="0" y="0"/>
+          <a:ext cx="0" cy="0"/>
+          <a:chOff x="0" y="0"/>
+          <a:chExt cx="0" cy="0"/>
+        </a:xfrm>
+      </p:grpSpPr>
+      <p:sp>
+        <p:nvSpPr>
+          <p:cNvPr id="2" name="Title 1"/>
+          <p:cNvSpPr>
+            <a:spLocks noGrp="1"/>
+          </p:cNvSpPr>
+          <p:nvPr>
+            <p:ph type="title"/>
+          </p:nvPr>
+        </p:nvSpPr>
+        <p:spPr/>
+        <p:txBody>
+          <a:bodyPr/>
+          <a:lstStyle/>
+          <a:p>
+            <a:r>
+              <a:rPr lang="en-IN" dirty="0" smtClean="0"/>
+              <a:t>Case Study: </a:t>
+            </a:r>
+            <a:r>
+              <a:rPr lang="en-IN" dirty="0" err="1" smtClean="0"/>
+              <a:t>CarWale</a:t>
+            </a:r>
+            <a:r>
+              <a:rPr lang="en-IN" dirty="0" smtClean="0"/>
+              <a:t/>
+            </a:r>
+            <a:br>
+              <a:rPr lang="en-IN" dirty="0" smtClean="0"/>
+            </a:br>
+            <a:r>
+              <a:rPr lang="en-IN" dirty="0" smtClean="0"/>
+              <a:t>(Car Purchasing)</a:t>
+            </a:r>
+            <a:endParaRPr lang="en-IN" dirty="0"/>
+          </a:p>
+        </p:txBody>
+      </p:sp>
+      <p:pic>
+        <p:nvPicPr>
+          <p:cNvPr id="4" name="Content Placeholder 3"/>
+          <p:cNvPicPr>
+            <a:picLocks noGrp="1" noChangeAspect="1"/>
+          </p:cNvPicPr>
+          <p:nvPr>
+            <p:ph idx="1"/>
+          </p:nvPr>
+        </p:nvPicPr>
+        <p:blipFill>
+          <a:blip r:embed="rId2">
+            <a:extLst>
+              <a:ext uri="{28A0092B-C50C-407E-A947-70E740481C1C}">
+                <a14:useLocalDpi xmlns:a14="http://schemas.microsoft.com/office/drawing/2010/main" val="0"/>
+              </a:ext>
+            </a:extLst>
+          </a:blip>
+          <a:stretch>
+            <a:fillRect/>
+          </a:stretch>
+        </p:blipFill>
+        <p:spPr>
+          <a:xfrm>
+            <a:off x="4789568" y="2171701"/>
+            <a:ext cx="3067582" cy="4679988"/>
+          </a:xfrm>
+        </p:spPr>
+      </p:pic>
+      <p:pic>
+        <p:nvPicPr>
+          <p:cNvPr id="8" name="Picture 7"/>
+          <p:cNvPicPr>
+            <a:picLocks noChangeAspect="1"/>
+          </p:cNvPicPr>
+          <p:nvPr/>
+        </p:nvPicPr>
+        <p:blipFill rotWithShape="1">
+          <a:blip r:embed="rId3">
+            <a:extLst>
+              <a:ext uri="{28A0092B-C50C-407E-A947-70E740481C1C}">
+                <a14:useLocalDpi xmlns:a14="http://schemas.microsoft.com/office/drawing/2010/main" val="0"/>
+              </a:ext>
+            </a:extLst>
+          </a:blip>
+          <a:srcRect b="11329"/>
+          <a:stretch/>
+        </p:blipFill>
+        <p:spPr>
+          <a:xfrm>
+            <a:off x="1265731" y="2171701"/>
+            <a:ext cx="3100864" cy="4770276"/>
+          </a:xfrm>
+          <a:prstGeom prst="rect">
+            <a:avLst/>
+          </a:prstGeom>
+        </p:spPr>
+      </p:pic>
+      <p:pic>
+        <p:nvPicPr>
+          <p:cNvPr id="9" name="Picture 8"/>
+          <p:cNvPicPr>
+            <a:picLocks noChangeAspect="1"/>
+          </p:cNvPicPr>
+          <p:nvPr/>
+        </p:nvPicPr>
+        <p:blipFill>
+          <a:blip r:embed="rId4">
+            <a:extLst>
+              <a:ext uri="{28A0092B-C50C-407E-A947-70E740481C1C}">
+                <a14:useLocalDpi xmlns:a14="http://schemas.microsoft.com/office/drawing/2010/main" val="0"/>
+              </a:ext>
+            </a:extLst>
+          </a:blip>
+          <a:stretch>
+            <a:fillRect/>
+          </a:stretch>
+        </p:blipFill>
+        <p:spPr>
+          <a:xfrm>
+            <a:off x="8446894" y="2171700"/>
+            <a:ext cx="3048420" cy="4686300"/>
+          </a:xfrm>
+          <a:prstGeom prst="rect">
+            <a:avLst/>
+          </a:prstGeom>
+        </p:spPr>
+      </p:pic>
+    </p:spTree>
+    <p:extLst>
+      <p:ext uri="{BB962C8B-B14F-4D97-AF65-F5344CB8AC3E}">
+        <p14:creationId xmlns:p14="http://schemas.microsoft.com/office/powerpoint/2010/main" val="63486524"/>
+      </p:ext>
+    </p:extLst>
+  </p:cSld>
+  <p:clrMapOvr>
+    <a:masterClrMapping/>
+  </p:clrMapOvr>
+</p:sld>
+</file>
+
+<file path=ppt/slides/slide8.xml><?xml version="1.0" encoding="utf-8"?>
 <p:sld xmlns:a="http://schemas.openxmlformats.org/drawingml/2006/main" xmlns:r="http://schemas.openxmlformats.org/officeDocument/2006/relationships" xmlns:p="http://schemas.openxmlformats.org/presentationml/2006/main">
   <p:cSld>
     <p:spTree>
@@ -13275,286 +13933,6 @@
 </p:sld>
 </file>
 
-<file path=ppt/slides/slide7.xml><?xml version="1.0" encoding="utf-8"?>
-<p:sld xmlns:a="http://schemas.openxmlformats.org/drawingml/2006/main" xmlns:r="http://schemas.openxmlformats.org/officeDocument/2006/relationships" xmlns:p="http://schemas.openxmlformats.org/presentationml/2006/main">
-  <p:cSld>
-    <p:spTree>
-      <p:nvGrpSpPr>
-        <p:cNvPr id="1" name=""/>
-        <p:cNvGrpSpPr/>
-        <p:nvPr/>
-      </p:nvGrpSpPr>
-      <p:grpSpPr>
-        <a:xfrm>
-          <a:off x="0" y="0"/>
-          <a:ext cx="0" cy="0"/>
-          <a:chOff x="0" y="0"/>
-          <a:chExt cx="0" cy="0"/>
-        </a:xfrm>
-      </p:grpSpPr>
-      <p:sp>
-        <p:nvSpPr>
-          <p:cNvPr id="2" name="Title 1"/>
-          <p:cNvSpPr>
-            <a:spLocks noGrp="1"/>
-          </p:cNvSpPr>
-          <p:nvPr>
-            <p:ph type="title"/>
-          </p:nvPr>
-        </p:nvSpPr>
-        <p:spPr/>
-        <p:txBody>
-          <a:bodyPr/>
-          <a:lstStyle/>
-          <a:p>
-            <a:r>
-              <a:rPr lang="en-US" dirty="0" smtClean="0"/>
-              <a:t>Case Study: And lots more </a:t>
-            </a:r>
-            <a:r>
-              <a:rPr lang="is-IS" dirty="0" smtClean="0"/>
-              <a:t>…</a:t>
-            </a:r>
-            <a:endParaRPr lang="en-US" dirty="0"/>
-          </a:p>
-        </p:txBody>
-      </p:sp>
-      <p:sp>
-        <p:nvSpPr>
-          <p:cNvPr id="3" name="Content Placeholder 2"/>
-          <p:cNvSpPr>
-            <a:spLocks noGrp="1"/>
-          </p:cNvSpPr>
-          <p:nvPr>
-            <p:ph idx="1"/>
-          </p:nvPr>
-        </p:nvSpPr>
-        <p:spPr/>
-        <p:txBody>
-          <a:bodyPr/>
-          <a:lstStyle/>
-          <a:p>
-            <a:r>
-              <a:rPr lang="en-US" dirty="0" err="1" smtClean="0"/>
-              <a:t>BookMyFunction</a:t>
-            </a:r>
-            <a:r>
-              <a:rPr lang="en-US" dirty="0" smtClean="0"/>
-              <a:t>: Wedding/Function venue finder</a:t>
-            </a:r>
-            <a:endParaRPr lang="en-US" dirty="0"/>
-          </a:p>
-          <a:p>
-            <a:r>
-              <a:rPr lang="en-US" dirty="0" err="1" smtClean="0"/>
-              <a:t>Housing.com</a:t>
-            </a:r>
-            <a:r>
-              <a:rPr lang="en-US" dirty="0" smtClean="0"/>
-              <a:t>: Flat/PG finder</a:t>
-            </a:r>
-          </a:p>
-          <a:p>
-            <a:r>
-              <a:rPr lang="en-US" dirty="0" err="1" smtClean="0"/>
-              <a:t>CarWale</a:t>
-            </a:r>
-            <a:r>
-              <a:rPr lang="en-US" dirty="0" smtClean="0"/>
-              <a:t>: Car search engine</a:t>
-            </a:r>
-          </a:p>
-          <a:p>
-            <a:r>
-              <a:rPr lang="en-US" dirty="0" err="1" smtClean="0"/>
-              <a:t>PolicyBazaar</a:t>
-            </a:r>
-            <a:r>
-              <a:rPr lang="en-US" dirty="0" smtClean="0"/>
-              <a:t>: Insurance Policy search engine</a:t>
-            </a:r>
-          </a:p>
-          <a:p>
-            <a:r>
-              <a:rPr lang="en-US" dirty="0"/>
-              <a:t>a</a:t>
-            </a:r>
-            <a:r>
-              <a:rPr lang="en-US" dirty="0" smtClean="0"/>
-              <a:t>nd </a:t>
-            </a:r>
-            <a:r>
-              <a:rPr lang="en-US" smtClean="0"/>
-              <a:t>counting </a:t>
-            </a:r>
-            <a:r>
-              <a:rPr lang="is-IS" smtClean="0"/>
-              <a:t>… </a:t>
-            </a:r>
-            <a:endParaRPr lang="en-US" dirty="0" smtClean="0"/>
-          </a:p>
-          <a:p>
-            <a:endParaRPr lang="en-US" dirty="0" smtClean="0"/>
-          </a:p>
-        </p:txBody>
-      </p:sp>
-    </p:spTree>
-    <p:extLst>
-      <p:ext uri="{BB962C8B-B14F-4D97-AF65-F5344CB8AC3E}">
-        <p14:creationId xmlns:p14="http://schemas.microsoft.com/office/powerpoint/2010/main" val="1367209095"/>
-      </p:ext>
-    </p:extLst>
-  </p:cSld>
-  <p:clrMapOvr>
-    <a:masterClrMapping/>
-  </p:clrMapOvr>
-  <p:timing>
-    <p:tnLst>
-      <p:par>
-        <p:cTn id="1" dur="indefinite" restart="never" nodeType="tmRoot"/>
-      </p:par>
-    </p:tnLst>
-  </p:timing>
-</p:sld>
-</file>
-
-<file path=ppt/slides/slide8.xml><?xml version="1.0" encoding="utf-8"?>
-<p:sld xmlns:a="http://schemas.openxmlformats.org/drawingml/2006/main" xmlns:r="http://schemas.openxmlformats.org/officeDocument/2006/relationships" xmlns:p="http://schemas.openxmlformats.org/presentationml/2006/main">
-  <p:cSld>
-    <p:spTree>
-      <p:nvGrpSpPr>
-        <p:cNvPr id="1" name=""/>
-        <p:cNvGrpSpPr/>
-        <p:nvPr/>
-      </p:nvGrpSpPr>
-      <p:grpSpPr>
-        <a:xfrm>
-          <a:off x="0" y="0"/>
-          <a:ext cx="0" cy="0"/>
-          <a:chOff x="0" y="0"/>
-          <a:chExt cx="0" cy="0"/>
-        </a:xfrm>
-      </p:grpSpPr>
-      <p:sp>
-        <p:nvSpPr>
-          <p:cNvPr id="2" name="Title 1"/>
-          <p:cNvSpPr>
-            <a:spLocks noGrp="1"/>
-          </p:cNvSpPr>
-          <p:nvPr>
-            <p:ph type="title"/>
-          </p:nvPr>
-        </p:nvSpPr>
-        <p:spPr/>
-        <p:txBody>
-          <a:bodyPr/>
-          <a:lstStyle/>
-          <a:p>
-            <a:r>
-              <a:rPr lang="en-US" dirty="0" smtClean="0"/>
-              <a:t>Case Study: Conclusion</a:t>
-            </a:r>
-            <a:endParaRPr lang="en-US" dirty="0"/>
-          </a:p>
-        </p:txBody>
-      </p:sp>
-      <p:sp>
-        <p:nvSpPr>
-          <p:cNvPr id="3" name="Content Placeholder 2"/>
-          <p:cNvSpPr>
-            <a:spLocks noGrp="1"/>
-          </p:cNvSpPr>
-          <p:nvPr>
-            <p:ph idx="1"/>
-          </p:nvPr>
-        </p:nvSpPr>
-        <p:spPr>
-          <a:xfrm>
-            <a:off x="1371600" y="2605530"/>
-            <a:ext cx="9445625" cy="3649133"/>
-          </a:xfrm>
-        </p:spPr>
-        <p:txBody>
-          <a:bodyPr>
-            <a:normAutofit/>
-          </a:bodyPr>
-          <a:lstStyle/>
-          <a:p>
-            <a:r>
-              <a:rPr lang="en-US" sz="2000" dirty="0" smtClean="0"/>
-              <a:t>As you can see from the previous examples, they all share majority of the characteristics like the follows:</a:t>
-            </a:r>
-          </a:p>
-          <a:p>
-            <a:pPr lvl="1"/>
-            <a:r>
-              <a:rPr lang="en-US" sz="1800" dirty="0" smtClean="0"/>
-              <a:t>A home feed where user can look at trending entities</a:t>
-            </a:r>
-          </a:p>
-          <a:p>
-            <a:pPr lvl="1"/>
-            <a:r>
-              <a:rPr lang="en-US" sz="1800" dirty="0" smtClean="0"/>
-              <a:t>Sort and search entities based on popularity and attributes of the entity itself.</a:t>
-            </a:r>
-          </a:p>
-          <a:p>
-            <a:pPr lvl="1"/>
-            <a:r>
-              <a:rPr lang="en-US" sz="1800" dirty="0" smtClean="0"/>
-              <a:t>Read and give reviews &amp; comments around the entity.</a:t>
-            </a:r>
-          </a:p>
-          <a:p>
-            <a:pPr lvl="1"/>
-            <a:r>
-              <a:rPr lang="en-US" sz="1800" dirty="0" smtClean="0"/>
-              <a:t>Contact the entity via email/phone/map directions and other mediums.</a:t>
-            </a:r>
-          </a:p>
-          <a:p>
-            <a:r>
-              <a:rPr lang="en-US" sz="1800" dirty="0" smtClean="0"/>
-              <a:t>So basically, these apps only differ in the entity they allow searching around and share the same functionality and even aesthetics around the other features like reviewing, searching, contacting. </a:t>
-            </a:r>
-          </a:p>
-          <a:p>
-            <a:pPr lvl="1"/>
-            <a:endParaRPr lang="en-US" sz="1800" dirty="0" smtClean="0"/>
-          </a:p>
-          <a:p>
-            <a:pPr lvl="1"/>
-            <a:endParaRPr lang="en-US" dirty="0" smtClean="0"/>
-          </a:p>
-          <a:p>
-            <a:pPr marL="457200" lvl="1" indent="0">
-              <a:buNone/>
-            </a:pPr>
-            <a:endParaRPr lang="en-US" dirty="0"/>
-          </a:p>
-        </p:txBody>
-      </p:sp>
-    </p:spTree>
-    <p:extLst>
-      <p:ext uri="{BB962C8B-B14F-4D97-AF65-F5344CB8AC3E}">
-        <p14:creationId xmlns:p14="http://schemas.microsoft.com/office/powerpoint/2010/main" val="496060028"/>
-      </p:ext>
-    </p:extLst>
-  </p:cSld>
-  <p:clrMapOvr>
-    <a:masterClrMapping/>
-  </p:clrMapOvr>
-  <p:timing>
-    <p:tnLst>
-      <p:par>
-        <p:cTn id="1" dur="indefinite" restart="never" nodeType="tmRoot"/>
-      </p:par>
-    </p:tnLst>
-  </p:timing>
-</p:sld>
-</file>
-
 <file path=ppt/slides/slide9.xml><?xml version="1.0" encoding="utf-8"?>
 <p:sld xmlns:a="http://schemas.openxmlformats.org/drawingml/2006/main" xmlns:r="http://schemas.openxmlformats.org/officeDocument/2006/relationships" xmlns:p="http://schemas.openxmlformats.org/presentationml/2006/main">
   <p:cSld>
@@ -13588,115 +13966,119 @@
           <a:lstStyle/>
           <a:p>
             <a:r>
-              <a:rPr lang="en-US" dirty="0"/>
-              <a:t>I</a:t>
-            </a:r>
-            <a:r>
-              <a:rPr lang="en-US" dirty="0" smtClean="0"/>
-              <a:t>ntroduction</a:t>
-            </a:r>
-            <a:endParaRPr lang="en-US" dirty="0"/>
-          </a:p>
-        </p:txBody>
-      </p:sp>
-      <p:sp>
-        <p:nvSpPr>
-          <p:cNvPr id="3" name="Content Placeholder 2"/>
-          <p:cNvSpPr>
-            <a:spLocks noGrp="1"/>
-          </p:cNvSpPr>
+              <a:rPr lang="en-IN" dirty="0" smtClean="0"/>
+              <a:t>Case Study: Housing</a:t>
+            </a:r>
+            <a:br>
+              <a:rPr lang="en-IN" dirty="0" smtClean="0"/>
+            </a:br>
+            <a:r>
+              <a:rPr lang="en-IN" dirty="0" smtClean="0"/>
+              <a:t>(House Finder)</a:t>
+            </a:r>
+            <a:endParaRPr lang="en-IN" dirty="0"/>
+          </a:p>
+        </p:txBody>
+      </p:sp>
+      <p:pic>
+        <p:nvPicPr>
+          <p:cNvPr id="4" name="Content Placeholder 3"/>
+          <p:cNvPicPr>
+            <a:picLocks noGrp="1" noChangeAspect="1"/>
+          </p:cNvPicPr>
           <p:nvPr>
             <p:ph idx="1"/>
           </p:nvPr>
-        </p:nvSpPr>
-        <p:spPr/>
-        <p:txBody>
-          <a:bodyPr>
-            <a:normAutofit fontScale="92500" lnSpcReduction="20000"/>
-          </a:bodyPr>
-          <a:lstStyle/>
-          <a:p>
-            <a:pPr marL="0" indent="0">
-              <a:buNone/>
-            </a:pPr>
-            <a:r>
-              <a:rPr lang="en-US" dirty="0" smtClean="0"/>
-              <a:t>Based on our mini case study, we can observe a pattern in these apps and we plan to develop a generator that could automate the task of developing these applications and provide a Minimum Viable Product (MVP) to the end user that he/she could use to perform instant prototyping, pitch the idea to investors, and finally build the production code on top of the generated app.</a:t>
-            </a:r>
-          </a:p>
-          <a:p>
-            <a:pPr marL="342900" indent="-342900">
-              <a:buFont typeface="+mj-lt"/>
-              <a:buAutoNum type="arabicPeriod"/>
-            </a:pPr>
-            <a:r>
-              <a:rPr lang="en-US" dirty="0" smtClean="0"/>
-              <a:t>We first explain the benefits, research, principles and architecture of the project.</a:t>
-            </a:r>
-          </a:p>
-          <a:p>
-            <a:pPr marL="342900" indent="-342900">
-              <a:buFont typeface="+mj-lt"/>
-              <a:buAutoNum type="arabicPeriod"/>
-            </a:pPr>
-            <a:r>
-              <a:rPr lang="en-US" dirty="0" smtClean="0"/>
-              <a:t>Following that, we lay down certain principles we follow while creating this generator to ensure that we never hard-code anything and allow end-user to customize anything at any level.</a:t>
-            </a:r>
-          </a:p>
-          <a:p>
-            <a:pPr marL="342900" indent="-342900">
-              <a:buFont typeface="+mj-lt"/>
-              <a:buAutoNum type="arabicPeriod"/>
-            </a:pPr>
-            <a:r>
-              <a:rPr lang="en-US" dirty="0" smtClean="0"/>
-              <a:t>Then, the phases and stages of development will be discussed. We follow these to remain productive throughout the development cycle.</a:t>
-            </a:r>
-          </a:p>
-          <a:p>
-            <a:pPr marL="342900" indent="-342900">
-              <a:buFont typeface="+mj-lt"/>
-              <a:buAutoNum type="arabicPeriod"/>
-            </a:pPr>
-            <a:r>
-              <a:rPr lang="en-US" dirty="0" smtClean="0"/>
-              <a:t>Finally, the current status of the project will be discussed. </a:t>
-            </a:r>
-          </a:p>
-          <a:p>
-            <a:pPr marL="342900" indent="-342900">
-              <a:buFont typeface="+mj-lt"/>
-              <a:buAutoNum type="arabicPeriod"/>
-            </a:pPr>
-            <a:endParaRPr lang="en-US" dirty="0" smtClean="0"/>
-          </a:p>
-          <a:p>
-            <a:pPr marL="342900" indent="-342900">
-              <a:buFont typeface="+mj-lt"/>
-              <a:buAutoNum type="arabicPeriod"/>
-            </a:pPr>
-            <a:endParaRPr lang="en-US" dirty="0" smtClean="0"/>
-          </a:p>
-        </p:txBody>
-      </p:sp>
+        </p:nvPicPr>
+        <p:blipFill>
+          <a:blip r:embed="rId2">
+            <a:extLst>
+              <a:ext uri="{28A0092B-C50C-407E-A947-70E740481C1C}">
+                <a14:useLocalDpi xmlns:a14="http://schemas.microsoft.com/office/drawing/2010/main" val="0"/>
+              </a:ext>
+            </a:extLst>
+          </a:blip>
+          <a:stretch>
+            <a:fillRect/>
+          </a:stretch>
+        </p:blipFill>
+        <p:spPr>
+          <a:xfrm>
+            <a:off x="1589458" y="2080727"/>
+            <a:ext cx="2791718" cy="4777273"/>
+          </a:xfrm>
+        </p:spPr>
+      </p:pic>
+      <p:pic>
+        <p:nvPicPr>
+          <p:cNvPr id="5" name="Picture 4"/>
+          <p:cNvPicPr>
+            <a:picLocks noChangeAspect="1"/>
+          </p:cNvPicPr>
+          <p:nvPr/>
+        </p:nvPicPr>
+        <p:blipFill>
+          <a:blip r:embed="rId3">
+            <a:extLst>
+              <a:ext uri="{28A0092B-C50C-407E-A947-70E740481C1C}">
+                <a14:useLocalDpi xmlns:a14="http://schemas.microsoft.com/office/drawing/2010/main" val="0"/>
+              </a:ext>
+            </a:extLst>
+          </a:blip>
+          <a:stretch>
+            <a:fillRect/>
+          </a:stretch>
+        </p:blipFill>
+        <p:spPr>
+          <a:xfrm>
+            <a:off x="4965906" y="2055552"/>
+            <a:ext cx="2815825" cy="4818524"/>
+          </a:xfrm>
+          <a:prstGeom prst="rect">
+            <a:avLst/>
+          </a:prstGeom>
+        </p:spPr>
+      </p:pic>
+      <p:pic>
+        <p:nvPicPr>
+          <p:cNvPr id="6" name="Picture 5"/>
+          <p:cNvPicPr>
+            <a:picLocks noChangeAspect="1"/>
+          </p:cNvPicPr>
+          <p:nvPr/>
+        </p:nvPicPr>
+        <p:blipFill>
+          <a:blip r:embed="rId4">
+            <a:extLst>
+              <a:ext uri="{28A0092B-C50C-407E-A947-70E740481C1C}">
+                <a14:useLocalDpi xmlns:a14="http://schemas.microsoft.com/office/drawing/2010/main" val="0"/>
+              </a:ext>
+            </a:extLst>
+          </a:blip>
+          <a:stretch>
+            <a:fillRect/>
+          </a:stretch>
+        </p:blipFill>
+        <p:spPr>
+          <a:xfrm>
+            <a:off x="8351749" y="2055552"/>
+            <a:ext cx="2804793" cy="4799645"/>
+          </a:xfrm>
+          <a:prstGeom prst="rect">
+            <a:avLst/>
+          </a:prstGeom>
+        </p:spPr>
+      </p:pic>
     </p:spTree>
     <p:extLst>
       <p:ext uri="{BB962C8B-B14F-4D97-AF65-F5344CB8AC3E}">
-        <p14:creationId xmlns:p14="http://schemas.microsoft.com/office/powerpoint/2010/main" val="1144278050"/>
+        <p14:creationId xmlns:p14="http://schemas.microsoft.com/office/powerpoint/2010/main" val="2826331172"/>
       </p:ext>
     </p:extLst>
   </p:cSld>
   <p:clrMapOvr>
     <a:masterClrMapping/>
   </p:clrMapOvr>
-  <p:timing>
-    <p:tnLst>
-      <p:par>
-        <p:cTn id="1" dur="indefinite" restart="never" nodeType="tmRoot"/>
-      </p:par>
-    </p:tnLst>
-  </p:timing>
 </p:sld>
 </file>
 
